--- a/Presentation/WP871Q_Presentation.pptx
+++ b/Presentation/WP871Q_Presentation.pptx
@@ -2,18 +2,24 @@
 <file path=ppt/presentation.xml><?xml version="1.0" encoding="utf-8"?>
 <p:presentation xmlns:a="http://schemas.openxmlformats.org/drawingml/2006/main" xmlns:r="http://schemas.openxmlformats.org/officeDocument/2006/relationships" xmlns:p="http://schemas.openxmlformats.org/presentationml/2006/main" saveSubsetFonts="1" autoCompressPictures="0">
   <p:sldMasterIdLst>
-    <p:sldMasterId id="2147483648" r:id="rId1"/>
+    <p:sldMasterId id="2147483795" r:id="rId1"/>
   </p:sldMasterIdLst>
   <p:sldIdLst>
     <p:sldId id="256" r:id="rId2"/>
+    <p:sldId id="257" r:id="rId3"/>
+    <p:sldId id="258" r:id="rId4"/>
+    <p:sldId id="259" r:id="rId5"/>
+    <p:sldId id="260" r:id="rId6"/>
+    <p:sldId id="262" r:id="rId7"/>
+    <p:sldId id="261" r:id="rId8"/>
   </p:sldIdLst>
   <p:sldSz cx="12192000" cy="6858000"/>
   <p:notesSz cx="6858000" cy="9144000"/>
   <p:defaultTextStyle>
     <a:defPPr>
-      <a:defRPr lang="hu-HU"/>
+      <a:defRPr lang="en-US"/>
     </a:defPPr>
-    <a:lvl1pPr marL="0" algn="l" defTabSz="914400" rtl="0" eaLnBrk="1" latinLnBrk="0" hangingPunct="1">
+    <a:lvl1pPr marL="0" algn="l" defTabSz="457200" rtl="0" eaLnBrk="1" latinLnBrk="0" hangingPunct="1">
       <a:defRPr sz="1800" kern="1200">
         <a:solidFill>
           <a:schemeClr val="tx1"/>
@@ -23,7 +29,7 @@
         <a:cs typeface="+mn-cs"/>
       </a:defRPr>
     </a:lvl1pPr>
-    <a:lvl2pPr marL="457200" algn="l" defTabSz="914400" rtl="0" eaLnBrk="1" latinLnBrk="0" hangingPunct="1">
+    <a:lvl2pPr marL="457200" algn="l" defTabSz="457200" rtl="0" eaLnBrk="1" latinLnBrk="0" hangingPunct="1">
       <a:defRPr sz="1800" kern="1200">
         <a:solidFill>
           <a:schemeClr val="tx1"/>
@@ -33,7 +39,7 @@
         <a:cs typeface="+mn-cs"/>
       </a:defRPr>
     </a:lvl2pPr>
-    <a:lvl3pPr marL="914400" algn="l" defTabSz="914400" rtl="0" eaLnBrk="1" latinLnBrk="0" hangingPunct="1">
+    <a:lvl3pPr marL="914400" algn="l" defTabSz="457200" rtl="0" eaLnBrk="1" latinLnBrk="0" hangingPunct="1">
       <a:defRPr sz="1800" kern="1200">
         <a:solidFill>
           <a:schemeClr val="tx1"/>
@@ -43,7 +49,7 @@
         <a:cs typeface="+mn-cs"/>
       </a:defRPr>
     </a:lvl3pPr>
-    <a:lvl4pPr marL="1371600" algn="l" defTabSz="914400" rtl="0" eaLnBrk="1" latinLnBrk="0" hangingPunct="1">
+    <a:lvl4pPr marL="1371600" algn="l" defTabSz="457200" rtl="0" eaLnBrk="1" latinLnBrk="0" hangingPunct="1">
       <a:defRPr sz="1800" kern="1200">
         <a:solidFill>
           <a:schemeClr val="tx1"/>
@@ -53,7 +59,7 @@
         <a:cs typeface="+mn-cs"/>
       </a:defRPr>
     </a:lvl4pPr>
-    <a:lvl5pPr marL="1828800" algn="l" defTabSz="914400" rtl="0" eaLnBrk="1" latinLnBrk="0" hangingPunct="1">
+    <a:lvl5pPr marL="1828800" algn="l" defTabSz="457200" rtl="0" eaLnBrk="1" latinLnBrk="0" hangingPunct="1">
       <a:defRPr sz="1800" kern="1200">
         <a:solidFill>
           <a:schemeClr val="tx1"/>
@@ -63,7 +69,7 @@
         <a:cs typeface="+mn-cs"/>
       </a:defRPr>
     </a:lvl5pPr>
-    <a:lvl6pPr marL="2286000" algn="l" defTabSz="914400" rtl="0" eaLnBrk="1" latinLnBrk="0" hangingPunct="1">
+    <a:lvl6pPr marL="2286000" algn="l" defTabSz="457200" rtl="0" eaLnBrk="1" latinLnBrk="0" hangingPunct="1">
       <a:defRPr sz="1800" kern="1200">
         <a:solidFill>
           <a:schemeClr val="tx1"/>
@@ -73,7 +79,7 @@
         <a:cs typeface="+mn-cs"/>
       </a:defRPr>
     </a:lvl6pPr>
-    <a:lvl7pPr marL="2743200" algn="l" defTabSz="914400" rtl="0" eaLnBrk="1" latinLnBrk="0" hangingPunct="1">
+    <a:lvl7pPr marL="2743200" algn="l" defTabSz="457200" rtl="0" eaLnBrk="1" latinLnBrk="0" hangingPunct="1">
       <a:defRPr sz="1800" kern="1200">
         <a:solidFill>
           <a:schemeClr val="tx1"/>
@@ -83,7 +89,7 @@
         <a:cs typeface="+mn-cs"/>
       </a:defRPr>
     </a:lvl7pPr>
-    <a:lvl8pPr marL="3200400" algn="l" defTabSz="914400" rtl="0" eaLnBrk="1" latinLnBrk="0" hangingPunct="1">
+    <a:lvl8pPr marL="3200400" algn="l" defTabSz="457200" rtl="0" eaLnBrk="1" latinLnBrk="0" hangingPunct="1">
       <a:defRPr sz="1800" kern="1200">
         <a:solidFill>
           <a:schemeClr val="tx1"/>
@@ -93,7 +99,7 @@
         <a:cs typeface="+mn-cs"/>
       </a:defRPr>
     </a:lvl8pPr>
-    <a:lvl9pPr marL="3657600" algn="l" defTabSz="914400" rtl="0" eaLnBrk="1" latinLnBrk="0" hangingPunct="1">
+    <a:lvl9pPr marL="3657600" algn="l" defTabSz="457200" rtl="0" eaLnBrk="1" latinLnBrk="0" hangingPunct="1">
       <a:defRPr sz="1800" kern="1200">
         <a:solidFill>
           <a:schemeClr val="tx1"/>
@@ -110,6 +116,14 @@
 <file path=ppt/slideLayouts/slideLayout1.xml><?xml version="1.0" encoding="utf-8"?>
 <p:sldLayout xmlns:a="http://schemas.openxmlformats.org/drawingml/2006/main" xmlns:r="http://schemas.openxmlformats.org/officeDocument/2006/relationships" xmlns:p="http://schemas.openxmlformats.org/presentationml/2006/main" type="title" preserve="1">
   <p:cSld name="Címdia">
+    <p:bg>
+      <p:bgPr>
+        <a:solidFill>
+          <a:schemeClr val="accent2"/>
+        </a:solidFill>
+        <a:effectLst/>
+      </p:bgPr>
+    </p:bg>
     <p:spTree>
       <p:nvGrpSpPr>
         <p:cNvPr id="1" name=""/>
@@ -126,69 +140,82 @@
       </p:grpSpPr>
       <p:sp>
         <p:nvSpPr>
-          <p:cNvPr id="2" name="Cím 1">
-            <a:extLst>
-              <a:ext uri="{FF2B5EF4-FFF2-40B4-BE49-F238E27FC236}">
-                <a16:creationId xmlns:a16="http://schemas.microsoft.com/office/drawing/2014/main" id="{49311585-6279-B479-7978-9BDC394561CC}"/>
-              </a:ext>
-            </a:extLst>
-          </p:cNvPr>
+          <p:cNvPr id="2" name="Title 1"/>
           <p:cNvSpPr>
             <a:spLocks noGrp="1"/>
           </p:cNvSpPr>
           <p:nvPr>
             <p:ph type="ctrTitle"/>
+          </p:nvPr>
+        </p:nvSpPr>
+        <p:spPr bwMode="blackWhite">
+          <a:xfrm>
+            <a:off x="1600200" y="2386744"/>
+            <a:ext cx="8991600" cy="1645920"/>
+          </a:xfrm>
+          <a:solidFill>
+            <a:srgbClr val="FFFFFF"/>
+          </a:solidFill>
+          <a:ln w="38100">
+            <a:solidFill>
+              <a:srgbClr val="404040"/>
+            </a:solidFill>
+          </a:ln>
+        </p:spPr>
+        <p:txBody>
+          <a:bodyPr lIns="274320" rIns="274320" anchor="ctr" anchorCtr="1">
+            <a:normAutofit/>
+          </a:bodyPr>
+          <a:lstStyle>
+            <a:lvl1pPr algn="ctr">
+              <a:defRPr sz="3800">
+                <a:solidFill>
+                  <a:srgbClr val="262626"/>
+                </a:solidFill>
+              </a:defRPr>
+            </a:lvl1pPr>
+          </a:lstStyle>
+          <a:p>
+            <a:r>
+              <a:rPr lang="hu-HU"/>
+              <a:t>Mintacím szerkesztése</a:t>
+            </a:r>
+            <a:endParaRPr lang="en-US" dirty="0"/>
+          </a:p>
+        </p:txBody>
+      </p:sp>
+      <p:sp>
+        <p:nvSpPr>
+          <p:cNvPr id="3" name="Subtitle 2"/>
+          <p:cNvSpPr>
+            <a:spLocks noGrp="1"/>
+          </p:cNvSpPr>
+          <p:nvPr>
+            <p:ph type="subTitle" idx="1"/>
           </p:nvPr>
         </p:nvSpPr>
         <p:spPr>
           <a:xfrm>
-            <a:off x="1524000" y="1122363"/>
-            <a:ext cx="9144000" cy="2387600"/>
+            <a:off x="2695194" y="4352544"/>
+            <a:ext cx="6801612" cy="1239894"/>
           </a:xfrm>
+          <a:noFill/>
         </p:spPr>
         <p:txBody>
-          <a:bodyPr anchor="b"/>
-          <a:lstStyle>
-            <a:lvl1pPr algn="ctr">
-              <a:defRPr sz="6000"/>
-            </a:lvl1pPr>
-          </a:lstStyle>
-          <a:p>
-            <a:r>
-              <a:rPr lang="hu-HU"/>
-              <a:t>Mintacím szerkesztése</a:t>
-            </a:r>
-          </a:p>
-        </p:txBody>
-      </p:sp>
-      <p:sp>
-        <p:nvSpPr>
-          <p:cNvPr id="3" name="Alcím 2">
-            <a:extLst>
-              <a:ext uri="{FF2B5EF4-FFF2-40B4-BE49-F238E27FC236}">
-                <a16:creationId xmlns:a16="http://schemas.microsoft.com/office/drawing/2014/main" id="{2B047E64-0543-599D-D627-1AACA5E2DEF9}"/>
-              </a:ext>
-            </a:extLst>
-          </p:cNvPr>
-          <p:cNvSpPr>
-            <a:spLocks noGrp="1"/>
-          </p:cNvSpPr>
-          <p:nvPr>
-            <p:ph type="subTitle" idx="1"/>
-          </p:nvPr>
-        </p:nvSpPr>
-        <p:spPr>
-          <a:xfrm>
-            <a:off x="1524000" y="3602038"/>
-            <a:ext cx="9144000" cy="1655762"/>
-          </a:xfrm>
-        </p:spPr>
-        <p:txBody>
-          <a:bodyPr/>
+          <a:bodyPr>
+            <a:normAutofit/>
+          </a:bodyPr>
           <a:lstStyle>
             <a:lvl1pPr marL="0" indent="0" algn="ctr">
               <a:buNone/>
-              <a:defRPr sz="2400"/>
+              <a:defRPr sz="2000">
+                <a:solidFill>
+                  <a:schemeClr val="tx1">
+                    <a:lumMod val="75000"/>
+                    <a:lumOff val="25000"/>
+                  </a:schemeClr>
+                </a:solidFill>
+              </a:defRPr>
             </a:lvl1pPr>
             <a:lvl2pPr marL="457200" indent="0" algn="ctr">
               <a:buNone/>
@@ -228,18 +255,13 @@
               <a:rPr lang="hu-HU"/>
               <a:t>Kattintson ide az alcím mintájának szerkesztéséhez</a:t>
             </a:r>
-          </a:p>
-        </p:txBody>
-      </p:sp>
-      <p:sp>
-        <p:nvSpPr>
-          <p:cNvPr id="4" name="Dátum helye 3">
-            <a:extLst>
-              <a:ext uri="{FF2B5EF4-FFF2-40B4-BE49-F238E27FC236}">
-                <a16:creationId xmlns:a16="http://schemas.microsoft.com/office/drawing/2014/main" id="{776B0164-5FAD-C96E-1C1C-1533B4BFE0A8}"/>
-              </a:ext>
-            </a:extLst>
-          </p:cNvPr>
+            <a:endParaRPr lang="en-US" dirty="0"/>
+          </a:p>
+        </p:txBody>
+      </p:sp>
+      <p:sp>
+        <p:nvSpPr>
+          <p:cNvPr id="7" name="Date Placeholder 6"/>
           <p:cNvSpPr>
             <a:spLocks noGrp="1"/>
           </p:cNvSpPr>
@@ -262,13 +284,7 @@
       </p:sp>
       <p:sp>
         <p:nvSpPr>
-          <p:cNvPr id="5" name="Élőláb helye 4">
-            <a:extLst>
-              <a:ext uri="{FF2B5EF4-FFF2-40B4-BE49-F238E27FC236}">
-                <a16:creationId xmlns:a16="http://schemas.microsoft.com/office/drawing/2014/main" id="{92DC5A62-81D5-E18B-C0BD-8E4355BA1614}"/>
-              </a:ext>
-            </a:extLst>
-          </p:cNvPr>
+          <p:cNvPr id="8" name="Footer Placeholder 7"/>
           <p:cNvSpPr>
             <a:spLocks noGrp="1"/>
           </p:cNvSpPr>
@@ -287,13 +303,7 @@
       </p:sp>
       <p:sp>
         <p:nvSpPr>
-          <p:cNvPr id="6" name="Dia számának helye 5">
-            <a:extLst>
-              <a:ext uri="{FF2B5EF4-FFF2-40B4-BE49-F238E27FC236}">
-                <a16:creationId xmlns:a16="http://schemas.microsoft.com/office/drawing/2014/main" id="{B83E855D-9ADE-B3A8-9E88-EF92A6AF1FB5}"/>
-              </a:ext>
-            </a:extLst>
-          </p:cNvPr>
+          <p:cNvPr id="9" name="Slide Number Placeholder 8"/>
           <p:cNvSpPr>
             <a:spLocks noGrp="1"/>
           </p:cNvSpPr>
@@ -317,12 +327,12 @@
     </p:spTree>
     <p:extLst>
       <p:ext uri="{BB962C8B-B14F-4D97-AF65-F5344CB8AC3E}">
-        <p14:creationId xmlns:p14="http://schemas.microsoft.com/office/powerpoint/2010/main" val="2375686772"/>
+        <p14:creationId xmlns:p14="http://schemas.microsoft.com/office/powerpoint/2010/main" val="520499937"/>
       </p:ext>
     </p:extLst>
   </p:cSld>
   <p:clrMapOvr>
-    <a:masterClrMapping/>
+    <a:overrideClrMapping bg1="dk1" tx1="lt1" bg2="dk2" tx2="lt2" accent1="accent1" accent2="accent2" accent3="accent3" accent4="accent4" accent5="accent5" accent6="accent6" hlink="hlink" folHlink="folHlink"/>
   </p:clrMapOvr>
 </p:sldLayout>
 </file>
@@ -346,13 +356,7 @@
       </p:grpSpPr>
       <p:sp>
         <p:nvSpPr>
-          <p:cNvPr id="2" name="Cím 1">
-            <a:extLst>
-              <a:ext uri="{FF2B5EF4-FFF2-40B4-BE49-F238E27FC236}">
-                <a16:creationId xmlns:a16="http://schemas.microsoft.com/office/drawing/2014/main" id="{F49E95E6-1B7A-F920-8451-2E2FAF20EB21}"/>
-              </a:ext>
-            </a:extLst>
-          </p:cNvPr>
+          <p:cNvPr id="2" name="Title 1"/>
           <p:cNvSpPr>
             <a:spLocks noGrp="1"/>
           </p:cNvSpPr>
@@ -369,18 +373,13 @@
               <a:rPr lang="hu-HU"/>
               <a:t>Mintacím szerkesztése</a:t>
             </a:r>
-          </a:p>
-        </p:txBody>
-      </p:sp>
-      <p:sp>
-        <p:nvSpPr>
-          <p:cNvPr id="3" name="Függőleges szöveg helye 2">
-            <a:extLst>
-              <a:ext uri="{FF2B5EF4-FFF2-40B4-BE49-F238E27FC236}">
-                <a16:creationId xmlns:a16="http://schemas.microsoft.com/office/drawing/2014/main" id="{7F2B3CD3-FB4C-BA99-B3F1-24EE5152C027}"/>
-              </a:ext>
-            </a:extLst>
-          </p:cNvPr>
+            <a:endParaRPr lang="en-US" dirty="0"/>
+          </a:p>
+        </p:txBody>
+      </p:sp>
+      <p:sp>
+        <p:nvSpPr>
+          <p:cNvPr id="3" name="Vertical Text Placeholder 2"/>
           <p:cNvSpPr>
             <a:spLocks noGrp="1"/>
           </p:cNvSpPr>
@@ -426,18 +425,13 @@
               <a:rPr lang="hu-HU"/>
               <a:t>Ötödik szint</a:t>
             </a:r>
-          </a:p>
-        </p:txBody>
-      </p:sp>
-      <p:sp>
-        <p:nvSpPr>
-          <p:cNvPr id="4" name="Dátum helye 3">
-            <a:extLst>
-              <a:ext uri="{FF2B5EF4-FFF2-40B4-BE49-F238E27FC236}">
-                <a16:creationId xmlns:a16="http://schemas.microsoft.com/office/drawing/2014/main" id="{06D08C38-8FAF-FC00-714A-2B6A47224237}"/>
-              </a:ext>
-            </a:extLst>
-          </p:cNvPr>
+            <a:endParaRPr lang="en-US" dirty="0"/>
+          </a:p>
+        </p:txBody>
+      </p:sp>
+      <p:sp>
+        <p:nvSpPr>
+          <p:cNvPr id="4" name="Date Placeholder 3"/>
           <p:cNvSpPr>
             <a:spLocks noGrp="1"/>
           </p:cNvSpPr>
@@ -460,13 +454,7 @@
       </p:sp>
       <p:sp>
         <p:nvSpPr>
-          <p:cNvPr id="5" name="Élőláb helye 4">
-            <a:extLst>
-              <a:ext uri="{FF2B5EF4-FFF2-40B4-BE49-F238E27FC236}">
-                <a16:creationId xmlns:a16="http://schemas.microsoft.com/office/drawing/2014/main" id="{1A058678-5D53-ECC8-D7E6-EB542C3D83D7}"/>
-              </a:ext>
-            </a:extLst>
-          </p:cNvPr>
+          <p:cNvPr id="5" name="Footer Placeholder 4"/>
           <p:cNvSpPr>
             <a:spLocks noGrp="1"/>
           </p:cNvSpPr>
@@ -485,13 +473,7 @@
       </p:sp>
       <p:sp>
         <p:nvSpPr>
-          <p:cNvPr id="6" name="Dia számának helye 5">
-            <a:extLst>
-              <a:ext uri="{FF2B5EF4-FFF2-40B4-BE49-F238E27FC236}">
-                <a16:creationId xmlns:a16="http://schemas.microsoft.com/office/drawing/2014/main" id="{1DF56996-1F8B-F7BA-E1DD-8F8D972F2032}"/>
-              </a:ext>
-            </a:extLst>
-          </p:cNvPr>
+          <p:cNvPr id="6" name="Slide Number Placeholder 5"/>
           <p:cNvSpPr>
             <a:spLocks noGrp="1"/>
           </p:cNvSpPr>
@@ -515,7 +497,7 @@
     </p:spTree>
     <p:extLst>
       <p:ext uri="{BB962C8B-B14F-4D97-AF65-F5344CB8AC3E}">
-        <p14:creationId xmlns:p14="http://schemas.microsoft.com/office/powerpoint/2010/main" val="3161772780"/>
+        <p14:creationId xmlns:p14="http://schemas.microsoft.com/office/powerpoint/2010/main" val="2583644112"/>
       </p:ext>
     </p:extLst>
   </p:cSld>
@@ -544,13 +526,7 @@
       </p:grpSpPr>
       <p:sp>
         <p:nvSpPr>
-          <p:cNvPr id="2" name="Függőleges cím 1">
-            <a:extLst>
-              <a:ext uri="{FF2B5EF4-FFF2-40B4-BE49-F238E27FC236}">
-                <a16:creationId xmlns:a16="http://schemas.microsoft.com/office/drawing/2014/main" id="{6BA2148A-7D7D-4B2A-65EE-80B843C0732F}"/>
-              </a:ext>
-            </a:extLst>
-          </p:cNvPr>
+          <p:cNvPr id="2" name="Vertical Title 1"/>
           <p:cNvSpPr>
             <a:spLocks noGrp="1"/>
           </p:cNvSpPr>
@@ -560,8 +536,8 @@
         </p:nvSpPr>
         <p:spPr>
           <a:xfrm>
-            <a:off x="8724900" y="365125"/>
-            <a:ext cx="2628900" cy="5811838"/>
+            <a:off x="8653112" y="937260"/>
+            <a:ext cx="1298608" cy="4983480"/>
           </a:xfrm>
         </p:spPr>
         <p:txBody>
@@ -572,18 +548,13 @@
               <a:rPr lang="hu-HU"/>
               <a:t>Mintacím szerkesztése</a:t>
             </a:r>
-          </a:p>
-        </p:txBody>
-      </p:sp>
-      <p:sp>
-        <p:nvSpPr>
-          <p:cNvPr id="3" name="Függőleges szöveg helye 2">
-            <a:extLst>
-              <a:ext uri="{FF2B5EF4-FFF2-40B4-BE49-F238E27FC236}">
-                <a16:creationId xmlns:a16="http://schemas.microsoft.com/office/drawing/2014/main" id="{BE0EC2AF-59B9-B124-BC34-1FD2C1515C1E}"/>
-              </a:ext>
-            </a:extLst>
-          </p:cNvPr>
+            <a:endParaRPr lang="en-US" dirty="0"/>
+          </a:p>
+        </p:txBody>
+      </p:sp>
+      <p:sp>
+        <p:nvSpPr>
+          <p:cNvPr id="3" name="Vertical Text Placeholder 2"/>
           <p:cNvSpPr>
             <a:spLocks noGrp="1"/>
           </p:cNvSpPr>
@@ -593,8 +564,8 @@
         </p:nvSpPr>
         <p:spPr>
           <a:xfrm>
-            <a:off x="838200" y="365125"/>
-            <a:ext cx="7734300" cy="5811838"/>
+            <a:off x="2231136" y="937260"/>
+            <a:ext cx="6198489" cy="4983480"/>
           </a:xfrm>
         </p:spPr>
         <p:txBody>
@@ -634,18 +605,13 @@
               <a:rPr lang="hu-HU"/>
               <a:t>Ötödik szint</a:t>
             </a:r>
-          </a:p>
-        </p:txBody>
-      </p:sp>
-      <p:sp>
-        <p:nvSpPr>
-          <p:cNvPr id="4" name="Dátum helye 3">
-            <a:extLst>
-              <a:ext uri="{FF2B5EF4-FFF2-40B4-BE49-F238E27FC236}">
-                <a16:creationId xmlns:a16="http://schemas.microsoft.com/office/drawing/2014/main" id="{71E18B70-4BB3-16C5-C8BA-1D51236CDB14}"/>
-              </a:ext>
-            </a:extLst>
-          </p:cNvPr>
+            <a:endParaRPr lang="en-US" dirty="0"/>
+          </a:p>
+        </p:txBody>
+      </p:sp>
+      <p:sp>
+        <p:nvSpPr>
+          <p:cNvPr id="4" name="Date Placeholder 3"/>
           <p:cNvSpPr>
             <a:spLocks noGrp="1"/>
           </p:cNvSpPr>
@@ -668,13 +634,7 @@
       </p:sp>
       <p:sp>
         <p:nvSpPr>
-          <p:cNvPr id="5" name="Élőláb helye 4">
-            <a:extLst>
-              <a:ext uri="{FF2B5EF4-FFF2-40B4-BE49-F238E27FC236}">
-                <a16:creationId xmlns:a16="http://schemas.microsoft.com/office/drawing/2014/main" id="{94CB5A39-C2FD-8901-A276-FAB71900E6C3}"/>
-              </a:ext>
-            </a:extLst>
-          </p:cNvPr>
+          <p:cNvPr id="5" name="Footer Placeholder 4"/>
           <p:cNvSpPr>
             <a:spLocks noGrp="1"/>
           </p:cNvSpPr>
@@ -693,13 +653,7 @@
       </p:sp>
       <p:sp>
         <p:nvSpPr>
-          <p:cNvPr id="6" name="Dia számának helye 5">
-            <a:extLst>
-              <a:ext uri="{FF2B5EF4-FFF2-40B4-BE49-F238E27FC236}">
-                <a16:creationId xmlns:a16="http://schemas.microsoft.com/office/drawing/2014/main" id="{55D5C2C5-128F-50F2-AB47-C0AEACB9D0AC}"/>
-              </a:ext>
-            </a:extLst>
-          </p:cNvPr>
+          <p:cNvPr id="6" name="Slide Number Placeholder 5"/>
           <p:cNvSpPr>
             <a:spLocks noGrp="1"/>
           </p:cNvSpPr>
@@ -723,7 +677,7 @@
     </p:spTree>
     <p:extLst>
       <p:ext uri="{BB962C8B-B14F-4D97-AF65-F5344CB8AC3E}">
-        <p14:creationId xmlns:p14="http://schemas.microsoft.com/office/powerpoint/2010/main" val="667481247"/>
+        <p14:creationId xmlns:p14="http://schemas.microsoft.com/office/powerpoint/2010/main" val="4144533585"/>
       </p:ext>
     </p:extLst>
   </p:cSld>
@@ -752,13 +706,7 @@
       </p:grpSpPr>
       <p:sp>
         <p:nvSpPr>
-          <p:cNvPr id="2" name="Cím 1">
-            <a:extLst>
-              <a:ext uri="{FF2B5EF4-FFF2-40B4-BE49-F238E27FC236}">
-                <a16:creationId xmlns:a16="http://schemas.microsoft.com/office/drawing/2014/main" id="{4C17C429-AB83-3206-BF37-C853DB474DFF}"/>
-              </a:ext>
-            </a:extLst>
-          </p:cNvPr>
+          <p:cNvPr id="2" name="Title 1"/>
           <p:cNvSpPr>
             <a:spLocks noGrp="1"/>
           </p:cNvSpPr>
@@ -775,18 +723,13 @@
               <a:rPr lang="hu-HU"/>
               <a:t>Mintacím szerkesztése</a:t>
             </a:r>
-          </a:p>
-        </p:txBody>
-      </p:sp>
-      <p:sp>
-        <p:nvSpPr>
-          <p:cNvPr id="3" name="Tartalom helye 2">
-            <a:extLst>
-              <a:ext uri="{FF2B5EF4-FFF2-40B4-BE49-F238E27FC236}">
-                <a16:creationId xmlns:a16="http://schemas.microsoft.com/office/drawing/2014/main" id="{C07C62AA-F2AF-9085-F35E-D519EE3D5F3C}"/>
-              </a:ext>
-            </a:extLst>
-          </p:cNvPr>
+            <a:endParaRPr lang="en-US" dirty="0"/>
+          </a:p>
+        </p:txBody>
+      </p:sp>
+      <p:sp>
+        <p:nvSpPr>
+          <p:cNvPr id="3" name="Content Placeholder 2"/>
           <p:cNvSpPr>
             <a:spLocks noGrp="1"/>
           </p:cNvSpPr>
@@ -832,18 +775,13 @@
               <a:rPr lang="hu-HU"/>
               <a:t>Ötödik szint</a:t>
             </a:r>
-          </a:p>
-        </p:txBody>
-      </p:sp>
-      <p:sp>
-        <p:nvSpPr>
-          <p:cNvPr id="4" name="Dátum helye 3">
-            <a:extLst>
-              <a:ext uri="{FF2B5EF4-FFF2-40B4-BE49-F238E27FC236}">
-                <a16:creationId xmlns:a16="http://schemas.microsoft.com/office/drawing/2014/main" id="{9F5FACA5-D5A4-2ABE-4751-4862427CA150}"/>
-              </a:ext>
-            </a:extLst>
-          </p:cNvPr>
+            <a:endParaRPr lang="en-US" dirty="0"/>
+          </a:p>
+        </p:txBody>
+      </p:sp>
+      <p:sp>
+        <p:nvSpPr>
+          <p:cNvPr id="7" name="Date Placeholder 6"/>
           <p:cNvSpPr>
             <a:spLocks noGrp="1"/>
           </p:cNvSpPr>
@@ -866,13 +804,7 @@
       </p:sp>
       <p:sp>
         <p:nvSpPr>
-          <p:cNvPr id="5" name="Élőláb helye 4">
-            <a:extLst>
-              <a:ext uri="{FF2B5EF4-FFF2-40B4-BE49-F238E27FC236}">
-                <a16:creationId xmlns:a16="http://schemas.microsoft.com/office/drawing/2014/main" id="{9E6EFFE2-B88F-BC75-6899-2AAA61015A4F}"/>
-              </a:ext>
-            </a:extLst>
-          </p:cNvPr>
+          <p:cNvPr id="8" name="Footer Placeholder 7"/>
           <p:cNvSpPr>
             <a:spLocks noGrp="1"/>
           </p:cNvSpPr>
@@ -891,13 +823,7 @@
       </p:sp>
       <p:sp>
         <p:nvSpPr>
-          <p:cNvPr id="6" name="Dia számának helye 5">
-            <a:extLst>
-              <a:ext uri="{FF2B5EF4-FFF2-40B4-BE49-F238E27FC236}">
-                <a16:creationId xmlns:a16="http://schemas.microsoft.com/office/drawing/2014/main" id="{A22D0602-ABD8-7781-0F5A-812426722EB6}"/>
-              </a:ext>
-            </a:extLst>
-          </p:cNvPr>
+          <p:cNvPr id="9" name="Slide Number Placeholder 8"/>
           <p:cNvSpPr>
             <a:spLocks noGrp="1"/>
           </p:cNvSpPr>
@@ -921,7 +847,7 @@
     </p:spTree>
     <p:extLst>
       <p:ext uri="{BB962C8B-B14F-4D97-AF65-F5344CB8AC3E}">
-        <p14:creationId xmlns:p14="http://schemas.microsoft.com/office/powerpoint/2010/main" val="2494842727"/>
+        <p14:creationId xmlns:p14="http://schemas.microsoft.com/office/powerpoint/2010/main" val="3636338699"/>
       </p:ext>
     </p:extLst>
   </p:cSld>
@@ -934,6 +860,14 @@
 <file path=ppt/slideLayouts/slideLayout3.xml><?xml version="1.0" encoding="utf-8"?>
 <p:sldLayout xmlns:a="http://schemas.openxmlformats.org/drawingml/2006/main" xmlns:r="http://schemas.openxmlformats.org/officeDocument/2006/relationships" xmlns:p="http://schemas.openxmlformats.org/presentationml/2006/main" type="secHead" preserve="1">
   <p:cSld name="Szakaszfejléc">
+    <p:bg>
+      <p:bgPr>
+        <a:solidFill>
+          <a:schemeClr val="accent1"/>
+        </a:solidFill>
+        <a:effectLst/>
+      </p:bgPr>
+    </p:bg>
     <p:spTree>
       <p:nvGrpSpPr>
         <p:cNvPr id="1" name=""/>
@@ -950,73 +884,76 @@
       </p:grpSpPr>
       <p:sp>
         <p:nvSpPr>
-          <p:cNvPr id="2" name="Cím 1">
-            <a:extLst>
-              <a:ext uri="{FF2B5EF4-FFF2-40B4-BE49-F238E27FC236}">
-                <a16:creationId xmlns:a16="http://schemas.microsoft.com/office/drawing/2014/main" id="{E3EB43EF-0DFF-CF3E-8F43-C3CC23E6891A}"/>
-              </a:ext>
-            </a:extLst>
-          </p:cNvPr>
+          <p:cNvPr id="2" name="Title 1"/>
           <p:cNvSpPr>
             <a:spLocks noGrp="1"/>
           </p:cNvSpPr>
           <p:nvPr>
             <p:ph type="title"/>
+          </p:nvPr>
+        </p:nvSpPr>
+        <p:spPr bwMode="blackWhite">
+          <a:xfrm>
+            <a:off x="1600200" y="2386744"/>
+            <a:ext cx="8991600" cy="1645920"/>
+          </a:xfrm>
+          <a:solidFill>
+            <a:srgbClr val="FFFFFF"/>
+          </a:solidFill>
+          <a:ln w="38100">
+            <a:solidFill>
+              <a:srgbClr val="404040"/>
+            </a:solidFill>
+          </a:ln>
+        </p:spPr>
+        <p:txBody>
+          <a:bodyPr lIns="274320" rIns="274320" anchor="ctr" anchorCtr="1">
+            <a:normAutofit/>
+          </a:bodyPr>
+          <a:lstStyle>
+            <a:lvl1pPr>
+              <a:defRPr sz="3800">
+                <a:solidFill>
+                  <a:srgbClr val="262626"/>
+                </a:solidFill>
+              </a:defRPr>
+            </a:lvl1pPr>
+          </a:lstStyle>
+          <a:p>
+            <a:r>
+              <a:rPr lang="hu-HU"/>
+              <a:t>Mintacím szerkesztése</a:t>
+            </a:r>
+            <a:endParaRPr lang="en-US" dirty="0"/>
+          </a:p>
+        </p:txBody>
+      </p:sp>
+      <p:sp>
+        <p:nvSpPr>
+          <p:cNvPr id="3" name="Text Placeholder 2"/>
+          <p:cNvSpPr>
+            <a:spLocks noGrp="1"/>
+          </p:cNvSpPr>
+          <p:nvPr>
+            <p:ph type="body" idx="1"/>
           </p:nvPr>
         </p:nvSpPr>
         <p:spPr>
           <a:xfrm>
-            <a:off x="831850" y="1709738"/>
-            <a:ext cx="10515600" cy="2852737"/>
+            <a:off x="2695194" y="4352465"/>
+            <a:ext cx="6801612" cy="1265082"/>
           </a:xfrm>
         </p:spPr>
         <p:txBody>
-          <a:bodyPr anchor="b"/>
-          <a:lstStyle>
-            <a:lvl1pPr>
-              <a:defRPr sz="6000"/>
-            </a:lvl1pPr>
-          </a:lstStyle>
-          <a:p>
-            <a:r>
-              <a:rPr lang="hu-HU"/>
-              <a:t>Mintacím szerkesztése</a:t>
-            </a:r>
-          </a:p>
-        </p:txBody>
-      </p:sp>
-      <p:sp>
-        <p:nvSpPr>
-          <p:cNvPr id="3" name="Szöveg helye 2">
-            <a:extLst>
-              <a:ext uri="{FF2B5EF4-FFF2-40B4-BE49-F238E27FC236}">
-                <a16:creationId xmlns:a16="http://schemas.microsoft.com/office/drawing/2014/main" id="{67334948-8943-EFE3-255D-15C515B01FA4}"/>
-              </a:ext>
-            </a:extLst>
-          </p:cNvPr>
-          <p:cNvSpPr>
-            <a:spLocks noGrp="1"/>
-          </p:cNvSpPr>
-          <p:nvPr>
-            <p:ph type="body" idx="1"/>
-          </p:nvPr>
-        </p:nvSpPr>
-        <p:spPr>
-          <a:xfrm>
-            <a:off x="831850" y="4589463"/>
-            <a:ext cx="10515600" cy="1500187"/>
-          </a:xfrm>
-        </p:spPr>
-        <p:txBody>
-          <a:bodyPr/>
+          <a:bodyPr anchor="t" anchorCtr="1">
+            <a:normAutofit/>
+          </a:bodyPr>
           <a:lstStyle>
             <a:lvl1pPr marL="0" indent="0">
               <a:buNone/>
-              <a:defRPr sz="2400">
+              <a:defRPr sz="2000">
                 <a:solidFill>
-                  <a:schemeClr val="tx1">
-                    <a:tint val="75000"/>
-                  </a:schemeClr>
+                  <a:schemeClr val="tx1"/>
                 </a:solidFill>
               </a:defRPr>
             </a:lvl1pPr>
@@ -1112,13 +1049,7 @@
       </p:sp>
       <p:sp>
         <p:nvSpPr>
-          <p:cNvPr id="4" name="Dátum helye 3">
-            <a:extLst>
-              <a:ext uri="{FF2B5EF4-FFF2-40B4-BE49-F238E27FC236}">
-                <a16:creationId xmlns:a16="http://schemas.microsoft.com/office/drawing/2014/main" id="{CE732087-F4FC-F553-D7A7-E0D482D08EC7}"/>
-              </a:ext>
-            </a:extLst>
-          </p:cNvPr>
+          <p:cNvPr id="7" name="Date Placeholder 6"/>
           <p:cNvSpPr>
             <a:spLocks noGrp="1"/>
           </p:cNvSpPr>
@@ -1141,13 +1072,7 @@
       </p:sp>
       <p:sp>
         <p:nvSpPr>
-          <p:cNvPr id="5" name="Élőláb helye 4">
-            <a:extLst>
-              <a:ext uri="{FF2B5EF4-FFF2-40B4-BE49-F238E27FC236}">
-                <a16:creationId xmlns:a16="http://schemas.microsoft.com/office/drawing/2014/main" id="{C46AF689-95B2-F98F-E1BE-1C1B2E1FC9D2}"/>
-              </a:ext>
-            </a:extLst>
-          </p:cNvPr>
+          <p:cNvPr id="8" name="Footer Placeholder 7"/>
           <p:cNvSpPr>
             <a:spLocks noGrp="1"/>
           </p:cNvSpPr>
@@ -1166,13 +1091,7 @@
       </p:sp>
       <p:sp>
         <p:nvSpPr>
-          <p:cNvPr id="6" name="Dia számának helye 5">
-            <a:extLst>
-              <a:ext uri="{FF2B5EF4-FFF2-40B4-BE49-F238E27FC236}">
-                <a16:creationId xmlns:a16="http://schemas.microsoft.com/office/drawing/2014/main" id="{90C25A4D-C052-29A8-D3E7-346B7883E648}"/>
-              </a:ext>
-            </a:extLst>
-          </p:cNvPr>
+          <p:cNvPr id="9" name="Slide Number Placeholder 8"/>
           <p:cNvSpPr>
             <a:spLocks noGrp="1"/>
           </p:cNvSpPr>
@@ -1196,12 +1115,12 @@
     </p:spTree>
     <p:extLst>
       <p:ext uri="{BB962C8B-B14F-4D97-AF65-F5344CB8AC3E}">
-        <p14:creationId xmlns:p14="http://schemas.microsoft.com/office/powerpoint/2010/main" val="2922835232"/>
+        <p14:creationId xmlns:p14="http://schemas.microsoft.com/office/powerpoint/2010/main" val="57743638"/>
       </p:ext>
     </p:extLst>
   </p:cSld>
   <p:clrMapOvr>
-    <a:masterClrMapping/>
+    <a:overrideClrMapping bg1="dk1" tx1="lt1" bg2="dk2" tx2="lt2" accent1="accent1" accent2="accent2" accent3="accent3" accent4="accent4" accent5="accent5" accent6="accent6" hlink="hlink" folHlink="folHlink"/>
   </p:clrMapOvr>
 </p:sldLayout>
 </file>
@@ -1225,13 +1144,7 @@
       </p:grpSpPr>
       <p:sp>
         <p:nvSpPr>
-          <p:cNvPr id="2" name="Cím 1">
-            <a:extLst>
-              <a:ext uri="{FF2B5EF4-FFF2-40B4-BE49-F238E27FC236}">
-                <a16:creationId xmlns:a16="http://schemas.microsoft.com/office/drawing/2014/main" id="{377F27EB-25B5-D4D5-0B1E-0A4EBC110A7B}"/>
-              </a:ext>
-            </a:extLst>
-          </p:cNvPr>
+          <p:cNvPr id="2" name="Title 1"/>
           <p:cNvSpPr>
             <a:spLocks noGrp="1"/>
           </p:cNvSpPr>
@@ -1248,18 +1161,13 @@
               <a:rPr lang="hu-HU"/>
               <a:t>Mintacím szerkesztése</a:t>
             </a:r>
-          </a:p>
-        </p:txBody>
-      </p:sp>
-      <p:sp>
-        <p:nvSpPr>
-          <p:cNvPr id="3" name="Tartalom helye 2">
-            <a:extLst>
-              <a:ext uri="{FF2B5EF4-FFF2-40B4-BE49-F238E27FC236}">
-                <a16:creationId xmlns:a16="http://schemas.microsoft.com/office/drawing/2014/main" id="{DA48A31E-5C4E-030D-B377-47B9493C3E8A}"/>
-              </a:ext>
-            </a:extLst>
-          </p:cNvPr>
+            <a:endParaRPr lang="en-US" dirty="0"/>
+          </a:p>
+        </p:txBody>
+      </p:sp>
+      <p:sp>
+        <p:nvSpPr>
+          <p:cNvPr id="3" name="Content Placeholder 2"/>
           <p:cNvSpPr>
             <a:spLocks noGrp="1"/>
           </p:cNvSpPr>
@@ -1269,8 +1177,8 @@
         </p:nvSpPr>
         <p:spPr>
           <a:xfrm>
-            <a:off x="838200" y="1825625"/>
-            <a:ext cx="5181600" cy="4351338"/>
+            <a:off x="1581912" y="2638044"/>
+            <a:ext cx="4271771" cy="3101982"/>
           </a:xfrm>
         </p:spPr>
         <p:txBody>
@@ -1310,18 +1218,13 @@
               <a:rPr lang="hu-HU"/>
               <a:t>Ötödik szint</a:t>
             </a:r>
-          </a:p>
-        </p:txBody>
-      </p:sp>
-      <p:sp>
-        <p:nvSpPr>
-          <p:cNvPr id="4" name="Tartalom helye 3">
-            <a:extLst>
-              <a:ext uri="{FF2B5EF4-FFF2-40B4-BE49-F238E27FC236}">
-                <a16:creationId xmlns:a16="http://schemas.microsoft.com/office/drawing/2014/main" id="{AEEBFF42-DFEC-DB27-30E1-C93EE5AF513E}"/>
-              </a:ext>
-            </a:extLst>
-          </p:cNvPr>
+            <a:endParaRPr lang="en-US" dirty="0"/>
+          </a:p>
+        </p:txBody>
+      </p:sp>
+      <p:sp>
+        <p:nvSpPr>
+          <p:cNvPr id="4" name="Content Placeholder 3"/>
           <p:cNvSpPr>
             <a:spLocks noGrp="1"/>
           </p:cNvSpPr>
@@ -1331,8 +1234,8 @@
         </p:nvSpPr>
         <p:spPr>
           <a:xfrm>
-            <a:off x="6172200" y="1825625"/>
-            <a:ext cx="5181600" cy="4351338"/>
+            <a:off x="6338315" y="2638044"/>
+            <a:ext cx="4270247" cy="3101982"/>
           </a:xfrm>
         </p:spPr>
         <p:txBody>
@@ -1372,18 +1275,13 @@
               <a:rPr lang="hu-HU"/>
               <a:t>Ötödik szint</a:t>
             </a:r>
-          </a:p>
-        </p:txBody>
-      </p:sp>
-      <p:sp>
-        <p:nvSpPr>
-          <p:cNvPr id="5" name="Dátum helye 4">
-            <a:extLst>
-              <a:ext uri="{FF2B5EF4-FFF2-40B4-BE49-F238E27FC236}">
-                <a16:creationId xmlns:a16="http://schemas.microsoft.com/office/drawing/2014/main" id="{2868F3A6-5199-FFCD-4BFF-ACAC858A6553}"/>
-              </a:ext>
-            </a:extLst>
-          </p:cNvPr>
+            <a:endParaRPr lang="en-US" dirty="0"/>
+          </a:p>
+        </p:txBody>
+      </p:sp>
+      <p:sp>
+        <p:nvSpPr>
+          <p:cNvPr id="8" name="Date Placeholder 7"/>
           <p:cNvSpPr>
             <a:spLocks noGrp="1"/>
           </p:cNvSpPr>
@@ -1406,13 +1304,7 @@
       </p:sp>
       <p:sp>
         <p:nvSpPr>
-          <p:cNvPr id="6" name="Élőláb helye 5">
-            <a:extLst>
-              <a:ext uri="{FF2B5EF4-FFF2-40B4-BE49-F238E27FC236}">
-                <a16:creationId xmlns:a16="http://schemas.microsoft.com/office/drawing/2014/main" id="{817400E2-5DC9-A3DA-F15C-7C580E4D5AA0}"/>
-              </a:ext>
-            </a:extLst>
-          </p:cNvPr>
+          <p:cNvPr id="9" name="Footer Placeholder 8"/>
           <p:cNvSpPr>
             <a:spLocks noGrp="1"/>
           </p:cNvSpPr>
@@ -1431,13 +1323,7 @@
       </p:sp>
       <p:sp>
         <p:nvSpPr>
-          <p:cNvPr id="7" name="Dia számának helye 6">
-            <a:extLst>
-              <a:ext uri="{FF2B5EF4-FFF2-40B4-BE49-F238E27FC236}">
-                <a16:creationId xmlns:a16="http://schemas.microsoft.com/office/drawing/2014/main" id="{44999C29-6C6D-921D-1449-A3E211D5F981}"/>
-              </a:ext>
-            </a:extLst>
-          </p:cNvPr>
+          <p:cNvPr id="10" name="Slide Number Placeholder 9"/>
           <p:cNvSpPr>
             <a:spLocks noGrp="1"/>
           </p:cNvSpPr>
@@ -1461,7 +1347,7 @@
     </p:spTree>
     <p:extLst>
       <p:ext uri="{BB962C8B-B14F-4D97-AF65-F5344CB8AC3E}">
-        <p14:creationId xmlns:p14="http://schemas.microsoft.com/office/powerpoint/2010/main" val="1442291215"/>
+        <p14:creationId xmlns:p14="http://schemas.microsoft.com/office/powerpoint/2010/main" val="4098342979"/>
       </p:ext>
     </p:extLst>
   </p:cSld>
@@ -1490,69 +1376,38 @@
       </p:grpSpPr>
       <p:sp>
         <p:nvSpPr>
-          <p:cNvPr id="2" name="Cím 1">
-            <a:extLst>
-              <a:ext uri="{FF2B5EF4-FFF2-40B4-BE49-F238E27FC236}">
-                <a16:creationId xmlns:a16="http://schemas.microsoft.com/office/drawing/2014/main" id="{08F63BCD-541C-AC3A-5027-11790DA38DC3}"/>
-              </a:ext>
-            </a:extLst>
-          </p:cNvPr>
-          <p:cNvSpPr>
-            <a:spLocks noGrp="1"/>
-          </p:cNvSpPr>
-          <p:nvPr>
-            <p:ph type="title"/>
+          <p:cNvPr id="3" name="Text Placeholder 2"/>
+          <p:cNvSpPr>
+            <a:spLocks noGrp="1"/>
+          </p:cNvSpPr>
+          <p:nvPr>
+            <p:ph type="body" idx="1"/>
           </p:nvPr>
         </p:nvSpPr>
         <p:spPr>
           <a:xfrm>
-            <a:off x="839788" y="365125"/>
-            <a:ext cx="10515600" cy="1325563"/>
+            <a:off x="1583436" y="2313433"/>
+            <a:ext cx="4270248" cy="704087"/>
           </a:xfrm>
         </p:spPr>
         <p:txBody>
-          <a:bodyPr/>
-          <a:lstStyle/>
-          <a:p>
-            <a:r>
-              <a:rPr lang="hu-HU"/>
-              <a:t>Mintacím szerkesztése</a:t>
-            </a:r>
-          </a:p>
-        </p:txBody>
-      </p:sp>
-      <p:sp>
-        <p:nvSpPr>
-          <p:cNvPr id="3" name="Szöveg helye 2">
-            <a:extLst>
-              <a:ext uri="{FF2B5EF4-FFF2-40B4-BE49-F238E27FC236}">
-                <a16:creationId xmlns:a16="http://schemas.microsoft.com/office/drawing/2014/main" id="{2CA46CFD-F9B5-63FF-A774-DA004AF6AE52}"/>
-              </a:ext>
-            </a:extLst>
-          </p:cNvPr>
-          <p:cNvSpPr>
-            <a:spLocks noGrp="1"/>
-          </p:cNvSpPr>
-          <p:nvPr>
-            <p:ph type="body" idx="1"/>
-          </p:nvPr>
-        </p:nvSpPr>
-        <p:spPr>
-          <a:xfrm>
-            <a:off x="839788" y="1681163"/>
-            <a:ext cx="5157787" cy="823912"/>
-          </a:xfrm>
-        </p:spPr>
-        <p:txBody>
-          <a:bodyPr anchor="b"/>
+          <a:bodyPr anchor="b" anchorCtr="1">
+            <a:normAutofit/>
+          </a:bodyPr>
           <a:lstStyle>
-            <a:lvl1pPr marL="0" indent="0">
-              <a:buNone/>
-              <a:defRPr sz="2400" b="1"/>
+            <a:lvl1pPr marL="0" indent="0" algn="ctr">
+              <a:buNone/>
+              <a:defRPr sz="1900" b="0" cap="all" spc="100" baseline="0">
+                <a:solidFill>
+                  <a:schemeClr val="accent2">
+                    <a:lumMod val="75000"/>
+                  </a:schemeClr>
+                </a:solidFill>
+              </a:defRPr>
             </a:lvl1pPr>
             <a:lvl2pPr marL="457200" indent="0">
               <a:buNone/>
-              <a:defRPr sz="2000" b="1"/>
+              <a:defRPr sz="1900" b="1"/>
             </a:lvl2pPr>
             <a:lvl3pPr marL="914400" indent="0">
               <a:buNone/>
@@ -1594,13 +1449,7 @@
       </p:sp>
       <p:sp>
         <p:nvSpPr>
-          <p:cNvPr id="4" name="Tartalom helye 3">
-            <a:extLst>
-              <a:ext uri="{FF2B5EF4-FFF2-40B4-BE49-F238E27FC236}">
-                <a16:creationId xmlns:a16="http://schemas.microsoft.com/office/drawing/2014/main" id="{47FE7E3E-21F4-3FDB-FE9F-A72D3C5E653A}"/>
-              </a:ext>
-            </a:extLst>
-          </p:cNvPr>
+          <p:cNvPr id="4" name="Content Placeholder 3"/>
           <p:cNvSpPr>
             <a:spLocks noGrp="1"/>
           </p:cNvSpPr>
@@ -1610,8 +1459,8 @@
         </p:nvSpPr>
         <p:spPr>
           <a:xfrm>
-            <a:off x="839788" y="2505075"/>
-            <a:ext cx="5157787" cy="3684588"/>
+            <a:off x="1583436" y="3143250"/>
+            <a:ext cx="4270248" cy="2596776"/>
           </a:xfrm>
         </p:spPr>
         <p:txBody>
@@ -1651,41 +1500,105 @@
               <a:rPr lang="hu-HU"/>
               <a:t>Ötödik szint</a:t>
             </a:r>
-          </a:p>
-        </p:txBody>
-      </p:sp>
-      <p:sp>
-        <p:nvSpPr>
-          <p:cNvPr id="5" name="Szöveg helye 4">
-            <a:extLst>
-              <a:ext uri="{FF2B5EF4-FFF2-40B4-BE49-F238E27FC236}">
-                <a16:creationId xmlns:a16="http://schemas.microsoft.com/office/drawing/2014/main" id="{BA200786-D5F2-0C8E-9B2D-AF221A07D2F2}"/>
-              </a:ext>
-            </a:extLst>
-          </p:cNvPr>
-          <p:cNvSpPr>
-            <a:spLocks noGrp="1"/>
-          </p:cNvSpPr>
-          <p:nvPr>
-            <p:ph type="body" sz="quarter" idx="3"/>
+            <a:endParaRPr lang="en-US" dirty="0"/>
+          </a:p>
+        </p:txBody>
+      </p:sp>
+      <p:sp>
+        <p:nvSpPr>
+          <p:cNvPr id="6" name="Content Placeholder 5"/>
+          <p:cNvSpPr>
+            <a:spLocks noGrp="1"/>
+          </p:cNvSpPr>
+          <p:nvPr>
+            <p:ph sz="quarter" idx="4"/>
           </p:nvPr>
         </p:nvSpPr>
         <p:spPr>
           <a:xfrm>
-            <a:off x="6172200" y="1681163"/>
-            <a:ext cx="5183188" cy="823912"/>
+            <a:off x="6338316" y="3143250"/>
+            <a:ext cx="4253484" cy="2596776"/>
           </a:xfrm>
         </p:spPr>
         <p:txBody>
-          <a:bodyPr anchor="b"/>
+          <a:bodyPr/>
           <a:lstStyle>
-            <a:lvl1pPr marL="0" indent="0">
-              <a:buNone/>
-              <a:defRPr sz="2400" b="1"/>
+            <a:lvl5pPr>
+              <a:defRPr/>
+            </a:lvl5pPr>
+          </a:lstStyle>
+          <a:p>
+            <a:pPr lvl="0"/>
+            <a:r>
+              <a:rPr lang="hu-HU"/>
+              <a:t>Mintaszöveg szerkesztése</a:t>
+            </a:r>
+          </a:p>
+          <a:p>
+            <a:pPr lvl="1"/>
+            <a:r>
+              <a:rPr lang="hu-HU"/>
+              <a:t>Második szint</a:t>
+            </a:r>
+          </a:p>
+          <a:p>
+            <a:pPr lvl="2"/>
+            <a:r>
+              <a:rPr lang="hu-HU"/>
+              <a:t>Harmadik szint</a:t>
+            </a:r>
+          </a:p>
+          <a:p>
+            <a:pPr lvl="3"/>
+            <a:r>
+              <a:rPr lang="hu-HU"/>
+              <a:t>Negyedik szint</a:t>
+            </a:r>
+          </a:p>
+          <a:p>
+            <a:pPr lvl="4"/>
+            <a:r>
+              <a:rPr lang="hu-HU"/>
+              <a:t>Ötödik szint</a:t>
+            </a:r>
+            <a:endParaRPr lang="en-US" dirty="0"/>
+          </a:p>
+        </p:txBody>
+      </p:sp>
+      <p:sp>
+        <p:nvSpPr>
+          <p:cNvPr id="11" name="Text Placeholder 4"/>
+          <p:cNvSpPr>
+            <a:spLocks noGrp="1"/>
+          </p:cNvSpPr>
+          <p:nvPr>
+            <p:ph type="body" sz="quarter" idx="13"/>
+          </p:nvPr>
+        </p:nvSpPr>
+        <p:spPr>
+          <a:xfrm>
+            <a:off x="6338316" y="2313433"/>
+            <a:ext cx="4270248" cy="704087"/>
+          </a:xfrm>
+        </p:spPr>
+        <p:txBody>
+          <a:bodyPr anchor="b" anchorCtr="1">
+            <a:normAutofit/>
+          </a:bodyPr>
+          <a:lstStyle>
+            <a:lvl1pPr marL="0" indent="0" algn="ctr">
+              <a:buNone/>
+              <a:defRPr sz="1900" b="0" cap="all" spc="100" baseline="0">
+                <a:solidFill>
+                  <a:schemeClr val="accent2">
+                    <a:lumMod val="75000"/>
+                  </a:schemeClr>
+                </a:solidFill>
+              </a:defRPr>
             </a:lvl1pPr>
             <a:lvl2pPr marL="457200" indent="0">
               <a:buNone/>
-              <a:defRPr sz="2000" b="1"/>
+              <a:defRPr sz="1900" b="1"/>
             </a:lvl2pPr>
             <a:lvl3pPr marL="914400" indent="0">
               <a:buNone/>
@@ -1727,75 +1640,7 @@
       </p:sp>
       <p:sp>
         <p:nvSpPr>
-          <p:cNvPr id="6" name="Tartalom helye 5">
-            <a:extLst>
-              <a:ext uri="{FF2B5EF4-FFF2-40B4-BE49-F238E27FC236}">
-                <a16:creationId xmlns:a16="http://schemas.microsoft.com/office/drawing/2014/main" id="{D98083AE-727B-F47A-EDBA-35583D7726AD}"/>
-              </a:ext>
-            </a:extLst>
-          </p:cNvPr>
-          <p:cNvSpPr>
-            <a:spLocks noGrp="1"/>
-          </p:cNvSpPr>
-          <p:nvPr>
-            <p:ph sz="quarter" idx="4"/>
-          </p:nvPr>
-        </p:nvSpPr>
-        <p:spPr>
-          <a:xfrm>
-            <a:off x="6172200" y="2505075"/>
-            <a:ext cx="5183188" cy="3684588"/>
-          </a:xfrm>
-        </p:spPr>
-        <p:txBody>
-          <a:bodyPr/>
-          <a:lstStyle/>
-          <a:p>
-            <a:pPr lvl="0"/>
-            <a:r>
-              <a:rPr lang="hu-HU"/>
-              <a:t>Mintaszöveg szerkesztése</a:t>
-            </a:r>
-          </a:p>
-          <a:p>
-            <a:pPr lvl="1"/>
-            <a:r>
-              <a:rPr lang="hu-HU"/>
-              <a:t>Második szint</a:t>
-            </a:r>
-          </a:p>
-          <a:p>
-            <a:pPr lvl="2"/>
-            <a:r>
-              <a:rPr lang="hu-HU"/>
-              <a:t>Harmadik szint</a:t>
-            </a:r>
-          </a:p>
-          <a:p>
-            <a:pPr lvl="3"/>
-            <a:r>
-              <a:rPr lang="hu-HU"/>
-              <a:t>Negyedik szint</a:t>
-            </a:r>
-          </a:p>
-          <a:p>
-            <a:pPr lvl="4"/>
-            <a:r>
-              <a:rPr lang="hu-HU"/>
-              <a:t>Ötödik szint</a:t>
-            </a:r>
-          </a:p>
-        </p:txBody>
-      </p:sp>
-      <p:sp>
-        <p:nvSpPr>
-          <p:cNvPr id="7" name="Dátum helye 6">
-            <a:extLst>
-              <a:ext uri="{FF2B5EF4-FFF2-40B4-BE49-F238E27FC236}">
-                <a16:creationId xmlns:a16="http://schemas.microsoft.com/office/drawing/2014/main" id="{C191F21E-DFF0-0067-14A7-1CF31D7F8280}"/>
-              </a:ext>
-            </a:extLst>
-          </p:cNvPr>
+          <p:cNvPr id="7" name="Date Placeholder 6"/>
           <p:cNvSpPr>
             <a:spLocks noGrp="1"/>
           </p:cNvSpPr>
@@ -1818,13 +1663,7 @@
       </p:sp>
       <p:sp>
         <p:nvSpPr>
-          <p:cNvPr id="8" name="Élőláb helye 7">
-            <a:extLst>
-              <a:ext uri="{FF2B5EF4-FFF2-40B4-BE49-F238E27FC236}">
-                <a16:creationId xmlns:a16="http://schemas.microsoft.com/office/drawing/2014/main" id="{28A9090E-3102-34D8-B68B-ED61BE5471D2}"/>
-              </a:ext>
-            </a:extLst>
-          </p:cNvPr>
+          <p:cNvPr id="8" name="Footer Placeholder 7"/>
           <p:cNvSpPr>
             <a:spLocks noGrp="1"/>
           </p:cNvSpPr>
@@ -1843,13 +1682,7 @@
       </p:sp>
       <p:sp>
         <p:nvSpPr>
-          <p:cNvPr id="9" name="Dia számának helye 8">
-            <a:extLst>
-              <a:ext uri="{FF2B5EF4-FFF2-40B4-BE49-F238E27FC236}">
-                <a16:creationId xmlns:a16="http://schemas.microsoft.com/office/drawing/2014/main" id="{F139A97E-C6D0-8DCB-AB9F-450ACC09AE6E}"/>
-              </a:ext>
-            </a:extLst>
-          </p:cNvPr>
+          <p:cNvPr id="9" name="Slide Number Placeholder 8"/>
           <p:cNvSpPr>
             <a:spLocks noGrp="1"/>
           </p:cNvSpPr>
@@ -1870,10 +1703,33 @@
           </a:p>
         </p:txBody>
       </p:sp>
+      <p:sp>
+        <p:nvSpPr>
+          <p:cNvPr id="10" name="Title 9"/>
+          <p:cNvSpPr>
+            <a:spLocks noGrp="1"/>
+          </p:cNvSpPr>
+          <p:nvPr>
+            <p:ph type="title"/>
+          </p:nvPr>
+        </p:nvSpPr>
+        <p:spPr/>
+        <p:txBody>
+          <a:bodyPr/>
+          <a:lstStyle/>
+          <a:p>
+            <a:r>
+              <a:rPr lang="hu-HU"/>
+              <a:t>Mintacím szerkesztése</a:t>
+            </a:r>
+            <a:endParaRPr lang="en-US" dirty="0"/>
+          </a:p>
+        </p:txBody>
+      </p:sp>
     </p:spTree>
     <p:extLst>
       <p:ext uri="{BB962C8B-B14F-4D97-AF65-F5344CB8AC3E}">
-        <p14:creationId xmlns:p14="http://schemas.microsoft.com/office/powerpoint/2010/main" val="1246473988"/>
+        <p14:creationId xmlns:p14="http://schemas.microsoft.com/office/powerpoint/2010/main" val="516668237"/>
       </p:ext>
     </p:extLst>
   </p:cSld>
@@ -1902,13 +1758,7 @@
       </p:grpSpPr>
       <p:sp>
         <p:nvSpPr>
-          <p:cNvPr id="2" name="Cím 1">
-            <a:extLst>
-              <a:ext uri="{FF2B5EF4-FFF2-40B4-BE49-F238E27FC236}">
-                <a16:creationId xmlns:a16="http://schemas.microsoft.com/office/drawing/2014/main" id="{2B85F209-DCE1-B396-6FB3-AF54204AFC69}"/>
-              </a:ext>
-            </a:extLst>
-          </p:cNvPr>
+          <p:cNvPr id="2" name="Title 1"/>
           <p:cNvSpPr>
             <a:spLocks noGrp="1"/>
           </p:cNvSpPr>
@@ -1925,18 +1775,13 @@
               <a:rPr lang="hu-HU"/>
               <a:t>Mintacím szerkesztése</a:t>
             </a:r>
-          </a:p>
-        </p:txBody>
-      </p:sp>
-      <p:sp>
-        <p:nvSpPr>
-          <p:cNvPr id="3" name="Dátum helye 2">
-            <a:extLst>
-              <a:ext uri="{FF2B5EF4-FFF2-40B4-BE49-F238E27FC236}">
-                <a16:creationId xmlns:a16="http://schemas.microsoft.com/office/drawing/2014/main" id="{71F9B09B-CF16-F0F8-D142-944900EA2FF6}"/>
-              </a:ext>
-            </a:extLst>
-          </p:cNvPr>
+            <a:endParaRPr lang="en-US" dirty="0"/>
+          </a:p>
+        </p:txBody>
+      </p:sp>
+      <p:sp>
+        <p:nvSpPr>
+          <p:cNvPr id="3" name="Date Placeholder 2"/>
           <p:cNvSpPr>
             <a:spLocks noGrp="1"/>
           </p:cNvSpPr>
@@ -1959,13 +1804,7 @@
       </p:sp>
       <p:sp>
         <p:nvSpPr>
-          <p:cNvPr id="4" name="Élőláb helye 3">
-            <a:extLst>
-              <a:ext uri="{FF2B5EF4-FFF2-40B4-BE49-F238E27FC236}">
-                <a16:creationId xmlns:a16="http://schemas.microsoft.com/office/drawing/2014/main" id="{A956D601-260C-3F58-3511-CC0715FA955C}"/>
-              </a:ext>
-            </a:extLst>
-          </p:cNvPr>
+          <p:cNvPr id="4" name="Footer Placeholder 3"/>
           <p:cNvSpPr>
             <a:spLocks noGrp="1"/>
           </p:cNvSpPr>
@@ -1984,13 +1823,7 @@
       </p:sp>
       <p:sp>
         <p:nvSpPr>
-          <p:cNvPr id="5" name="Dia számának helye 4">
-            <a:extLst>
-              <a:ext uri="{FF2B5EF4-FFF2-40B4-BE49-F238E27FC236}">
-                <a16:creationId xmlns:a16="http://schemas.microsoft.com/office/drawing/2014/main" id="{F9CBAF9A-004A-621A-2CEF-B825CB111443}"/>
-              </a:ext>
-            </a:extLst>
-          </p:cNvPr>
+          <p:cNvPr id="5" name="Slide Number Placeholder 4"/>
           <p:cNvSpPr>
             <a:spLocks noGrp="1"/>
           </p:cNvSpPr>
@@ -2014,7 +1847,7 @@
     </p:spTree>
     <p:extLst>
       <p:ext uri="{BB962C8B-B14F-4D97-AF65-F5344CB8AC3E}">
-        <p14:creationId xmlns:p14="http://schemas.microsoft.com/office/powerpoint/2010/main" val="3509757916"/>
+        <p14:creationId xmlns:p14="http://schemas.microsoft.com/office/powerpoint/2010/main" val="873152569"/>
       </p:ext>
     </p:extLst>
   </p:cSld>
@@ -2043,13 +1876,7 @@
       </p:grpSpPr>
       <p:sp>
         <p:nvSpPr>
-          <p:cNvPr id="2" name="Dátum helye 1">
-            <a:extLst>
-              <a:ext uri="{FF2B5EF4-FFF2-40B4-BE49-F238E27FC236}">
-                <a16:creationId xmlns:a16="http://schemas.microsoft.com/office/drawing/2014/main" id="{63A33249-B57F-7184-51E1-5801258327F8}"/>
-              </a:ext>
-            </a:extLst>
-          </p:cNvPr>
+          <p:cNvPr id="2" name="Date Placeholder 1"/>
           <p:cNvSpPr>
             <a:spLocks noGrp="1"/>
           </p:cNvSpPr>
@@ -2072,13 +1899,7 @@
       </p:sp>
       <p:sp>
         <p:nvSpPr>
-          <p:cNvPr id="3" name="Élőláb helye 2">
-            <a:extLst>
-              <a:ext uri="{FF2B5EF4-FFF2-40B4-BE49-F238E27FC236}">
-                <a16:creationId xmlns:a16="http://schemas.microsoft.com/office/drawing/2014/main" id="{9D73566B-B393-DC65-C624-2F484B745C78}"/>
-              </a:ext>
-            </a:extLst>
-          </p:cNvPr>
+          <p:cNvPr id="3" name="Footer Placeholder 2"/>
           <p:cNvSpPr>
             <a:spLocks noGrp="1"/>
           </p:cNvSpPr>
@@ -2097,13 +1918,7 @@
       </p:sp>
       <p:sp>
         <p:nvSpPr>
-          <p:cNvPr id="4" name="Dia számának helye 3">
-            <a:extLst>
-              <a:ext uri="{FF2B5EF4-FFF2-40B4-BE49-F238E27FC236}">
-                <a16:creationId xmlns:a16="http://schemas.microsoft.com/office/drawing/2014/main" id="{0C234A1E-F2FC-3ECF-74B5-986F0558C962}"/>
-              </a:ext>
-            </a:extLst>
-          </p:cNvPr>
+          <p:cNvPr id="4" name="Slide Number Placeholder 3"/>
           <p:cNvSpPr>
             <a:spLocks noGrp="1"/>
           </p:cNvSpPr>
@@ -2127,7 +1942,7 @@
     </p:spTree>
     <p:extLst>
       <p:ext uri="{BB962C8B-B14F-4D97-AF65-F5344CB8AC3E}">
-        <p14:creationId xmlns:p14="http://schemas.microsoft.com/office/powerpoint/2010/main" val="3166555630"/>
+        <p14:creationId xmlns:p14="http://schemas.microsoft.com/office/powerpoint/2010/main" val="2173511695"/>
       </p:ext>
     </p:extLst>
   </p:cSld>
@@ -2156,159 +1971,223 @@
       </p:grpSpPr>
       <p:sp>
         <p:nvSpPr>
-          <p:cNvPr id="2" name="Cím 1">
-            <a:extLst>
-              <a:ext uri="{FF2B5EF4-FFF2-40B4-BE49-F238E27FC236}">
-                <a16:creationId xmlns:a16="http://schemas.microsoft.com/office/drawing/2014/main" id="{F4ECF531-1E06-DA2A-37E4-45750D54FFA1}"/>
-              </a:ext>
-            </a:extLst>
-          </p:cNvPr>
-          <p:cNvSpPr>
-            <a:spLocks noGrp="1"/>
-          </p:cNvSpPr>
-          <p:nvPr>
-            <p:ph type="title"/>
-          </p:nvPr>
+          <p:cNvPr id="26" name="Rectangle 25"/>
+          <p:cNvSpPr/>
+          <p:nvPr/>
         </p:nvSpPr>
         <p:spPr>
           <a:xfrm>
-            <a:off x="839788" y="457200"/>
-            <a:ext cx="3932237" cy="1600200"/>
+            <a:off x="0" y="0"/>
+            <a:ext cx="6096000" cy="6858000"/>
+          </a:xfrm>
+          <a:prstGeom prst="rect">
+            <a:avLst/>
+          </a:prstGeom>
+          <a:solidFill>
+            <a:schemeClr val="accent2"/>
+          </a:solidFill>
+          <a:ln>
+            <a:noFill/>
+          </a:ln>
+        </p:spPr>
+        <p:style>
+          <a:lnRef idx="2">
+            <a:schemeClr val="accent1">
+              <a:shade val="50000"/>
+            </a:schemeClr>
+          </a:lnRef>
+          <a:fillRef idx="1">
+            <a:schemeClr val="accent1"/>
+          </a:fillRef>
+          <a:effectRef idx="0">
+            <a:schemeClr val="accent1"/>
+          </a:effectRef>
+          <a:fontRef idx="minor">
+            <a:schemeClr val="lt1"/>
+          </a:fontRef>
+        </p:style>
+      </p:sp>
+      <p:sp>
+        <p:nvSpPr>
+          <p:cNvPr id="2" name="Title 1"/>
+          <p:cNvSpPr>
+            <a:spLocks noGrp="1"/>
+          </p:cNvSpPr>
+          <p:nvPr>
+            <p:ph type="title"/>
+          </p:nvPr>
+        </p:nvSpPr>
+        <p:spPr bwMode="blackWhite">
+          <a:xfrm>
+            <a:off x="804672" y="2243828"/>
+            <a:ext cx="4486656" cy="1141497"/>
+          </a:xfrm>
+          <a:solidFill>
+            <a:srgbClr val="FFFFFF"/>
+          </a:solidFill>
+          <a:ln>
+            <a:solidFill>
+              <a:srgbClr val="404040"/>
+            </a:solidFill>
+          </a:ln>
+        </p:spPr>
+        <p:txBody>
+          <a:bodyPr anchor="ctr" anchorCtr="1">
+            <a:normAutofit/>
+          </a:bodyPr>
+          <a:lstStyle>
+            <a:lvl1pPr>
+              <a:defRPr sz="2200">
+                <a:solidFill>
+                  <a:srgbClr val="262626"/>
+                </a:solidFill>
+              </a:defRPr>
+            </a:lvl1pPr>
+          </a:lstStyle>
+          <a:p>
+            <a:r>
+              <a:rPr lang="hu-HU"/>
+              <a:t>Mintacím szerkesztése</a:t>
+            </a:r>
+            <a:endParaRPr lang="en-US" dirty="0"/>
+          </a:p>
+        </p:txBody>
+      </p:sp>
+      <p:sp>
+        <p:nvSpPr>
+          <p:cNvPr id="3" name="Content Placeholder 2"/>
+          <p:cNvSpPr>
+            <a:spLocks noGrp="1"/>
+          </p:cNvSpPr>
+          <p:nvPr>
+            <p:ph idx="1"/>
+          </p:nvPr>
+        </p:nvSpPr>
+        <p:spPr>
+          <a:xfrm>
+            <a:off x="6736080" y="804672"/>
+            <a:ext cx="4815840" cy="5248656"/>
           </a:xfrm>
         </p:spPr>
         <p:txBody>
-          <a:bodyPr anchor="b"/>
+          <a:bodyPr>
+            <a:normAutofit/>
+          </a:bodyPr>
           <a:lstStyle>
             <a:lvl1pPr>
-              <a:defRPr sz="3200"/>
+              <a:defRPr sz="1900">
+                <a:solidFill>
+                  <a:schemeClr val="tx1"/>
+                </a:solidFill>
+              </a:defRPr>
             </a:lvl1pPr>
+            <a:lvl2pPr>
+              <a:defRPr sz="1600">
+                <a:solidFill>
+                  <a:schemeClr val="tx1"/>
+                </a:solidFill>
+              </a:defRPr>
+            </a:lvl2pPr>
+            <a:lvl3pPr>
+              <a:defRPr sz="1600">
+                <a:solidFill>
+                  <a:schemeClr val="tx1"/>
+                </a:solidFill>
+              </a:defRPr>
+            </a:lvl3pPr>
+            <a:lvl4pPr>
+              <a:defRPr sz="1600">
+                <a:solidFill>
+                  <a:schemeClr val="tx1"/>
+                </a:solidFill>
+              </a:defRPr>
+            </a:lvl4pPr>
+            <a:lvl5pPr>
+              <a:defRPr sz="1600">
+                <a:solidFill>
+                  <a:schemeClr val="tx1"/>
+                </a:solidFill>
+              </a:defRPr>
+            </a:lvl5pPr>
+            <a:lvl6pPr>
+              <a:defRPr sz="1600"/>
+            </a:lvl6pPr>
+            <a:lvl7pPr>
+              <a:defRPr sz="1600"/>
+            </a:lvl7pPr>
+            <a:lvl8pPr>
+              <a:defRPr sz="1600"/>
+            </a:lvl8pPr>
+            <a:lvl9pPr>
+              <a:defRPr sz="1600"/>
+            </a:lvl9pPr>
           </a:lstStyle>
           <a:p>
-            <a:r>
-              <a:rPr lang="hu-HU"/>
-              <a:t>Mintacím szerkesztése</a:t>
-            </a:r>
-          </a:p>
-        </p:txBody>
-      </p:sp>
-      <p:sp>
-        <p:nvSpPr>
-          <p:cNvPr id="3" name="Tartalom helye 2">
-            <a:extLst>
-              <a:ext uri="{FF2B5EF4-FFF2-40B4-BE49-F238E27FC236}">
-                <a16:creationId xmlns:a16="http://schemas.microsoft.com/office/drawing/2014/main" id="{0D77944B-BCBD-4548-ADA5-1F310E50FE71}"/>
-              </a:ext>
-            </a:extLst>
-          </p:cNvPr>
-          <p:cNvSpPr>
-            <a:spLocks noGrp="1"/>
-          </p:cNvSpPr>
-          <p:nvPr>
-            <p:ph idx="1"/>
+            <a:pPr lvl="0"/>
+            <a:r>
+              <a:rPr lang="hu-HU"/>
+              <a:t>Mintaszöveg szerkesztése</a:t>
+            </a:r>
+          </a:p>
+          <a:p>
+            <a:pPr lvl="1"/>
+            <a:r>
+              <a:rPr lang="hu-HU"/>
+              <a:t>Második szint</a:t>
+            </a:r>
+          </a:p>
+          <a:p>
+            <a:pPr lvl="2"/>
+            <a:r>
+              <a:rPr lang="hu-HU"/>
+              <a:t>Harmadik szint</a:t>
+            </a:r>
+          </a:p>
+          <a:p>
+            <a:pPr lvl="3"/>
+            <a:r>
+              <a:rPr lang="hu-HU"/>
+              <a:t>Negyedik szint</a:t>
+            </a:r>
+          </a:p>
+          <a:p>
+            <a:pPr lvl="4"/>
+            <a:r>
+              <a:rPr lang="hu-HU"/>
+              <a:t>Ötödik szint</a:t>
+            </a:r>
+            <a:endParaRPr lang="en-US" dirty="0"/>
+          </a:p>
+        </p:txBody>
+      </p:sp>
+      <p:sp>
+        <p:nvSpPr>
+          <p:cNvPr id="4" name="Text Placeholder 3"/>
+          <p:cNvSpPr>
+            <a:spLocks noGrp="1"/>
+          </p:cNvSpPr>
+          <p:nvPr>
+            <p:ph type="body" sz="half" idx="2"/>
           </p:nvPr>
         </p:nvSpPr>
         <p:spPr>
           <a:xfrm>
-            <a:off x="5183188" y="987425"/>
-            <a:ext cx="6172200" cy="4873625"/>
+            <a:off x="1115568" y="3549918"/>
+            <a:ext cx="3794760" cy="2194036"/>
           </a:xfrm>
         </p:spPr>
         <p:txBody>
-          <a:bodyPr/>
+          <a:bodyPr anchor="t" anchorCtr="1">
+            <a:normAutofit/>
+          </a:bodyPr>
           <a:lstStyle>
-            <a:lvl1pPr>
-              <a:defRPr sz="3200"/>
-            </a:lvl1pPr>
-            <a:lvl2pPr>
-              <a:defRPr sz="2800"/>
-            </a:lvl2pPr>
-            <a:lvl3pPr>
-              <a:defRPr sz="2400"/>
-            </a:lvl3pPr>
-            <a:lvl4pPr>
-              <a:defRPr sz="2000"/>
-            </a:lvl4pPr>
-            <a:lvl5pPr>
-              <a:defRPr sz="2000"/>
-            </a:lvl5pPr>
-            <a:lvl6pPr>
-              <a:defRPr sz="2000"/>
-            </a:lvl6pPr>
-            <a:lvl7pPr>
-              <a:defRPr sz="2000"/>
-            </a:lvl7pPr>
-            <a:lvl8pPr>
-              <a:defRPr sz="2000"/>
-            </a:lvl8pPr>
-            <a:lvl9pPr>
-              <a:defRPr sz="2000"/>
-            </a:lvl9pPr>
-          </a:lstStyle>
-          <a:p>
-            <a:pPr lvl="0"/>
-            <a:r>
-              <a:rPr lang="hu-HU"/>
-              <a:t>Mintaszöveg szerkesztése</a:t>
-            </a:r>
-          </a:p>
-          <a:p>
-            <a:pPr lvl="1"/>
-            <a:r>
-              <a:rPr lang="hu-HU"/>
-              <a:t>Második szint</a:t>
-            </a:r>
-          </a:p>
-          <a:p>
-            <a:pPr lvl="2"/>
-            <a:r>
-              <a:rPr lang="hu-HU"/>
-              <a:t>Harmadik szint</a:t>
-            </a:r>
-          </a:p>
-          <a:p>
-            <a:pPr lvl="3"/>
-            <a:r>
-              <a:rPr lang="hu-HU"/>
-              <a:t>Negyedik szint</a:t>
-            </a:r>
-          </a:p>
-          <a:p>
-            <a:pPr lvl="4"/>
-            <a:r>
-              <a:rPr lang="hu-HU"/>
-              <a:t>Ötödik szint</a:t>
-            </a:r>
-          </a:p>
-        </p:txBody>
-      </p:sp>
-      <p:sp>
-        <p:nvSpPr>
-          <p:cNvPr id="4" name="Szöveg helye 3">
-            <a:extLst>
-              <a:ext uri="{FF2B5EF4-FFF2-40B4-BE49-F238E27FC236}">
-                <a16:creationId xmlns:a16="http://schemas.microsoft.com/office/drawing/2014/main" id="{C0CA7CC2-315E-B0B3-16EF-DDB85A2C16C5}"/>
-              </a:ext>
-            </a:extLst>
-          </p:cNvPr>
-          <p:cNvSpPr>
-            <a:spLocks noGrp="1"/>
-          </p:cNvSpPr>
-          <p:nvPr>
-            <p:ph type="body" sz="half" idx="2"/>
-          </p:nvPr>
-        </p:nvSpPr>
-        <p:spPr>
-          <a:xfrm>
-            <a:off x="839788" y="2057400"/>
-            <a:ext cx="3932237" cy="3811588"/>
-          </a:xfrm>
-        </p:spPr>
-        <p:txBody>
-          <a:bodyPr/>
-          <a:lstStyle>
-            <a:lvl1pPr marL="0" indent="0">
-              <a:buNone/>
-              <a:defRPr sz="1600"/>
+            <a:lvl1pPr marL="0" indent="0" algn="ctr">
+              <a:buNone/>
+              <a:defRPr sz="1500">
+                <a:solidFill>
+                  <a:srgbClr val="FFFFFF"/>
+                </a:solidFill>
+              </a:defRPr>
             </a:lvl1pPr>
             <a:lvl2pPr marL="457200" indent="0">
               <a:buNone/>
@@ -2354,13 +2233,7 @@
       </p:sp>
       <p:sp>
         <p:nvSpPr>
-          <p:cNvPr id="5" name="Dátum helye 4">
-            <a:extLst>
-              <a:ext uri="{FF2B5EF4-FFF2-40B4-BE49-F238E27FC236}">
-                <a16:creationId xmlns:a16="http://schemas.microsoft.com/office/drawing/2014/main" id="{19B80BED-2DA0-2A22-9A51-C4661D879F5D}"/>
-              </a:ext>
-            </a:extLst>
-          </p:cNvPr>
+          <p:cNvPr id="9" name="Date Placeholder 8"/>
           <p:cNvSpPr>
             <a:spLocks noGrp="1"/>
           </p:cNvSpPr>
@@ -2383,13 +2256,7 @@
       </p:sp>
       <p:sp>
         <p:nvSpPr>
-          <p:cNvPr id="6" name="Élőláb helye 5">
-            <a:extLst>
-              <a:ext uri="{FF2B5EF4-FFF2-40B4-BE49-F238E27FC236}">
-                <a16:creationId xmlns:a16="http://schemas.microsoft.com/office/drawing/2014/main" id="{E846989A-ADF3-6D77-55DE-AF9201E3E13A}"/>
-              </a:ext>
-            </a:extLst>
-          </p:cNvPr>
+          <p:cNvPr id="10" name="Footer Placeholder 9"/>
           <p:cNvSpPr>
             <a:spLocks noGrp="1"/>
           </p:cNvSpPr>
@@ -2397,10 +2264,25 @@
             <p:ph type="ftr" sz="quarter" idx="11"/>
           </p:nvPr>
         </p:nvSpPr>
-        <p:spPr/>
+        <p:spPr>
+          <a:xfrm>
+            <a:off x="804672" y="6236208"/>
+            <a:ext cx="5124797" cy="320040"/>
+          </a:xfrm>
+        </p:spPr>
         <p:txBody>
           <a:bodyPr/>
-          <a:lstStyle/>
+          <a:lstStyle>
+            <a:lvl1pPr>
+              <a:defRPr>
+                <a:solidFill>
+                  <a:srgbClr val="FFFFFF">
+                    <a:alpha val="70000"/>
+                  </a:srgbClr>
+                </a:solidFill>
+              </a:defRPr>
+            </a:lvl1pPr>
+          </a:lstStyle>
           <a:p>
             <a:endParaRPr lang="hu-HU"/>
           </a:p>
@@ -2408,13 +2290,7 @@
       </p:sp>
       <p:sp>
         <p:nvSpPr>
-          <p:cNvPr id="7" name="Dia számának helye 6">
-            <a:extLst>
-              <a:ext uri="{FF2B5EF4-FFF2-40B4-BE49-F238E27FC236}">
-                <a16:creationId xmlns:a16="http://schemas.microsoft.com/office/drawing/2014/main" id="{945716D9-88B5-5356-FF55-6067901B2D5B}"/>
-              </a:ext>
-            </a:extLst>
-          </p:cNvPr>
+          <p:cNvPr id="11" name="Slide Number Placeholder 10"/>
           <p:cNvSpPr>
             <a:spLocks noGrp="1"/>
           </p:cNvSpPr>
@@ -2438,7 +2314,7 @@
     </p:spTree>
     <p:extLst>
       <p:ext uri="{BB962C8B-B14F-4D97-AF65-F5344CB8AC3E}">
-        <p14:creationId xmlns:p14="http://schemas.microsoft.com/office/powerpoint/2010/main" val="2547831704"/>
+        <p14:creationId xmlns:p14="http://schemas.microsoft.com/office/powerpoint/2010/main" val="3555772588"/>
       </p:ext>
     </p:extLst>
   </p:cSld>
@@ -2467,31 +2343,77 @@
       </p:grpSpPr>
       <p:sp>
         <p:nvSpPr>
-          <p:cNvPr id="2" name="Cím 1">
-            <a:extLst>
-              <a:ext uri="{FF2B5EF4-FFF2-40B4-BE49-F238E27FC236}">
-                <a16:creationId xmlns:a16="http://schemas.microsoft.com/office/drawing/2014/main" id="{3341FFD8-AB83-0485-55D2-908899D8614C}"/>
-              </a:ext>
-            </a:extLst>
-          </p:cNvPr>
-          <p:cNvSpPr>
-            <a:spLocks noGrp="1"/>
-          </p:cNvSpPr>
-          <p:nvPr>
-            <p:ph type="title"/>
-          </p:nvPr>
+          <p:cNvPr id="18" name="Rectangle 17"/>
+          <p:cNvSpPr/>
+          <p:nvPr/>
         </p:nvSpPr>
         <p:spPr>
           <a:xfrm>
-            <a:off x="839788" y="457200"/>
-            <a:ext cx="3932237" cy="1600200"/>
+            <a:off x="0" y="0"/>
+            <a:ext cx="6095999" cy="6858000"/>
           </a:xfrm>
+          <a:prstGeom prst="rect">
+            <a:avLst/>
+          </a:prstGeom>
+          <a:solidFill>
+            <a:schemeClr val="accent2"/>
+          </a:solidFill>
+          <a:ln>
+            <a:noFill/>
+          </a:ln>
         </p:spPr>
-        <p:txBody>
-          <a:bodyPr anchor="b"/>
+        <p:style>
+          <a:lnRef idx="2">
+            <a:schemeClr val="accent1">
+              <a:shade val="50000"/>
+            </a:schemeClr>
+          </a:lnRef>
+          <a:fillRef idx="1">
+            <a:schemeClr val="accent1"/>
+          </a:fillRef>
+          <a:effectRef idx="0">
+            <a:schemeClr val="accent1"/>
+          </a:effectRef>
+          <a:fontRef idx="minor">
+            <a:schemeClr val="lt1"/>
+          </a:fontRef>
+        </p:style>
+      </p:sp>
+      <p:sp>
+        <p:nvSpPr>
+          <p:cNvPr id="2" name="Title 1"/>
+          <p:cNvSpPr>
+            <a:spLocks noGrp="1"/>
+          </p:cNvSpPr>
+          <p:nvPr>
+            <p:ph type="title"/>
+          </p:nvPr>
+        </p:nvSpPr>
+        <p:spPr bwMode="blackWhite">
+          <a:xfrm>
+            <a:off x="808523" y="2243828"/>
+            <a:ext cx="4494998" cy="1134640"/>
+          </a:xfrm>
+          <a:solidFill>
+            <a:srgbClr val="FFFFFF"/>
+          </a:solidFill>
+          <a:ln>
+            <a:solidFill>
+              <a:srgbClr val="404040"/>
+            </a:solidFill>
+          </a:ln>
+        </p:spPr>
+        <p:txBody>
+          <a:bodyPr anchor="ctr" anchorCtr="1">
+            <a:noAutofit/>
+          </a:bodyPr>
           <a:lstStyle>
             <a:lvl1pPr>
-              <a:defRPr sz="3200"/>
+              <a:defRPr sz="2200">
+                <a:solidFill>
+                  <a:srgbClr val="262626"/>
+                </a:solidFill>
+              </a:defRPr>
             </a:lvl1pPr>
           </a:lstStyle>
           <a:p>
@@ -2499,20 +2421,15 @@
               <a:rPr lang="hu-HU"/>
               <a:t>Mintacím szerkesztése</a:t>
             </a:r>
-          </a:p>
-        </p:txBody>
-      </p:sp>
-      <p:sp>
-        <p:nvSpPr>
-          <p:cNvPr id="3" name="Kép helye 2">
-            <a:extLst>
-              <a:ext uri="{FF2B5EF4-FFF2-40B4-BE49-F238E27FC236}">
-                <a16:creationId xmlns:a16="http://schemas.microsoft.com/office/drawing/2014/main" id="{0FBFE1AB-6687-1E32-787F-95ADFBADCCC1}"/>
-              </a:ext>
-            </a:extLst>
-          </p:cNvPr>
-          <p:cNvSpPr>
-            <a:spLocks noGrp="1"/>
+            <a:endParaRPr lang="en-US" dirty="0"/>
+          </a:p>
+        </p:txBody>
+      </p:sp>
+      <p:sp>
+        <p:nvSpPr>
+          <p:cNvPr id="3" name="Picture Placeholder 2"/>
+          <p:cNvSpPr>
+            <a:spLocks noGrp="1" noChangeAspect="1"/>
           </p:cNvSpPr>
           <p:nvPr>
             <p:ph type="pic" idx="1"/>
@@ -2520,16 +2437,28 @@
         </p:nvSpPr>
         <p:spPr>
           <a:xfrm>
-            <a:off x="5183188" y="987425"/>
-            <a:ext cx="6172200" cy="4873625"/>
+            <a:off x="6095999" y="0"/>
+            <a:ext cx="6102097" cy="6858000"/>
           </a:xfrm>
+          <a:solidFill>
+            <a:schemeClr val="bg1">
+              <a:lumMod val="75000"/>
+            </a:schemeClr>
+          </a:solidFill>
         </p:spPr>
         <p:txBody>
-          <a:bodyPr/>
+          <a:bodyPr anchor="t"/>
           <a:lstStyle>
             <a:lvl1pPr marL="0" indent="0">
               <a:buNone/>
-              <a:defRPr sz="3200"/>
+              <a:defRPr sz="3200">
+                <a:solidFill>
+                  <a:schemeClr val="bg1">
+                    <a:lumMod val="85000"/>
+                    <a:lumOff val="15000"/>
+                  </a:schemeClr>
+                </a:solidFill>
+              </a:defRPr>
             </a:lvl1pPr>
             <a:lvl2pPr marL="457200" indent="0">
               <a:buNone/>
@@ -2565,19 +2494,17 @@
             </a:lvl9pPr>
           </a:lstStyle>
           <a:p>
-            <a:endParaRPr lang="hu-HU"/>
-          </a:p>
-        </p:txBody>
-      </p:sp>
-      <p:sp>
-        <p:nvSpPr>
-          <p:cNvPr id="4" name="Szöveg helye 3">
-            <a:extLst>
-              <a:ext uri="{FF2B5EF4-FFF2-40B4-BE49-F238E27FC236}">
-                <a16:creationId xmlns:a16="http://schemas.microsoft.com/office/drawing/2014/main" id="{D6700F51-4E1A-0739-FBC5-627873F3F417}"/>
-              </a:ext>
-            </a:extLst>
-          </p:cNvPr>
+            <a:r>
+              <a:rPr lang="hu-HU"/>
+              <a:t>Kép beszúrásához kattintson az ikonra</a:t>
+            </a:r>
+            <a:endParaRPr lang="en-US" dirty="0"/>
+          </a:p>
+        </p:txBody>
+      </p:sp>
+      <p:sp>
+        <p:nvSpPr>
+          <p:cNvPr id="4" name="Text Placeholder 3"/>
           <p:cNvSpPr>
             <a:spLocks noGrp="1"/>
           </p:cNvSpPr>
@@ -2587,16 +2514,22 @@
         </p:nvSpPr>
         <p:spPr>
           <a:xfrm>
-            <a:off x="839788" y="2057400"/>
-            <a:ext cx="3932237" cy="3811588"/>
+            <a:off x="1115568" y="3549918"/>
+            <a:ext cx="3794760" cy="2194037"/>
           </a:xfrm>
         </p:spPr>
         <p:txBody>
-          <a:bodyPr/>
+          <a:bodyPr anchor="t" anchorCtr="1">
+            <a:normAutofit/>
+          </a:bodyPr>
           <a:lstStyle>
-            <a:lvl1pPr marL="0" indent="0">
-              <a:buNone/>
-              <a:defRPr sz="1600"/>
+            <a:lvl1pPr marL="0" indent="0" algn="ctr">
+              <a:buNone/>
+              <a:defRPr sz="1500">
+                <a:solidFill>
+                  <a:srgbClr val="FFFFFF"/>
+                </a:solidFill>
+              </a:defRPr>
             </a:lvl1pPr>
             <a:lvl2pPr marL="457200" indent="0">
               <a:buNone/>
@@ -2642,13 +2575,7 @@
       </p:sp>
       <p:sp>
         <p:nvSpPr>
-          <p:cNvPr id="5" name="Dátum helye 4">
-            <a:extLst>
-              <a:ext uri="{FF2B5EF4-FFF2-40B4-BE49-F238E27FC236}">
-                <a16:creationId xmlns:a16="http://schemas.microsoft.com/office/drawing/2014/main" id="{3D010332-9DAA-2A3B-4FF7-F4193A76ECAF}"/>
-              </a:ext>
-            </a:extLst>
-          </p:cNvPr>
+          <p:cNvPr id="8" name="Date Placeholder 7"/>
           <p:cNvSpPr>
             <a:spLocks noGrp="1"/>
           </p:cNvSpPr>
@@ -2659,7 +2586,22 @@
         <p:spPr/>
         <p:txBody>
           <a:bodyPr/>
-          <a:lstStyle/>
+          <a:lstStyle>
+            <a:lvl1pPr>
+              <a:defRPr>
+                <a:solidFill>
+                  <a:srgbClr val="FFFFFF"/>
+                </a:solidFill>
+                <a:effectLst>
+                  <a:outerShdw blurRad="50800" dist="38100" dir="2700000" algn="tl" rotWithShape="0">
+                    <a:prstClr val="black">
+                      <a:alpha val="43000"/>
+                    </a:prstClr>
+                  </a:outerShdw>
+                </a:effectLst>
+              </a:defRPr>
+            </a:lvl1pPr>
+          </a:lstStyle>
           <a:p>
             <a:fld id="{FA10541F-FAB3-4D4C-A740-91C12CD871DF}" type="datetimeFigureOut">
               <a:rPr lang="hu-HU" smtClean="0"/>
@@ -2671,13 +2613,7 @@
       </p:sp>
       <p:sp>
         <p:nvSpPr>
-          <p:cNvPr id="6" name="Élőláb helye 5">
-            <a:extLst>
-              <a:ext uri="{FF2B5EF4-FFF2-40B4-BE49-F238E27FC236}">
-                <a16:creationId xmlns:a16="http://schemas.microsoft.com/office/drawing/2014/main" id="{D7F374DB-056E-B28F-4810-20DBB4507C27}"/>
-              </a:ext>
-            </a:extLst>
-          </p:cNvPr>
+          <p:cNvPr id="9" name="Footer Placeholder 8"/>
           <p:cNvSpPr>
             <a:spLocks noGrp="1"/>
           </p:cNvSpPr>
@@ -2685,24 +2621,33 @@
             <p:ph type="ftr" sz="quarter" idx="11"/>
           </p:nvPr>
         </p:nvSpPr>
-        <p:spPr/>
+        <p:spPr>
+          <a:xfrm>
+            <a:off x="804672" y="6236208"/>
+            <a:ext cx="5124797" cy="320040"/>
+          </a:xfrm>
+        </p:spPr>
         <p:txBody>
           <a:bodyPr/>
-          <a:lstStyle/>
-          <a:p>
-            <a:endParaRPr lang="hu-HU"/>
-          </a:p>
-        </p:txBody>
-      </p:sp>
-      <p:sp>
-        <p:nvSpPr>
-          <p:cNvPr id="7" name="Dia számának helye 6">
-            <a:extLst>
-              <a:ext uri="{FF2B5EF4-FFF2-40B4-BE49-F238E27FC236}">
-                <a16:creationId xmlns:a16="http://schemas.microsoft.com/office/drawing/2014/main" id="{FC6CBA6E-B092-FE7F-513B-A68012D99B93}"/>
-              </a:ext>
-            </a:extLst>
-          </p:cNvPr>
+          <a:lstStyle>
+            <a:lvl1pPr>
+              <a:defRPr>
+                <a:solidFill>
+                  <a:srgbClr val="FFFFFF">
+                    <a:alpha val="70000"/>
+                  </a:srgbClr>
+                </a:solidFill>
+              </a:defRPr>
+            </a:lvl1pPr>
+          </a:lstStyle>
+          <a:p>
+            <a:endParaRPr lang="en-US" dirty="0"/>
+          </a:p>
+        </p:txBody>
+      </p:sp>
+      <p:sp>
+        <p:nvSpPr>
+          <p:cNvPr id="10" name="Slide Number Placeholder 9"/>
           <p:cNvSpPr>
             <a:spLocks noGrp="1"/>
           </p:cNvSpPr>
@@ -2726,7 +2671,7 @@
     </p:spTree>
     <p:extLst>
       <p:ext uri="{BB962C8B-B14F-4D97-AF65-F5344CB8AC3E}">
-        <p14:creationId xmlns:p14="http://schemas.microsoft.com/office/powerpoint/2010/main" val="3730834509"/>
+        <p14:creationId xmlns:p14="http://schemas.microsoft.com/office/powerpoint/2010/main" val="287127997"/>
       </p:ext>
     </p:extLst>
   </p:cSld>
@@ -2740,9 +2685,14 @@
 <p:sldMaster xmlns:a="http://schemas.openxmlformats.org/drawingml/2006/main" xmlns:r="http://schemas.openxmlformats.org/officeDocument/2006/relationships" xmlns:p="http://schemas.openxmlformats.org/presentationml/2006/main">
   <p:cSld>
     <p:bg>
-      <p:bgRef idx="1001">
-        <a:schemeClr val="bg1"/>
-      </p:bgRef>
+      <p:bgPr>
+        <a:solidFill>
+          <a:schemeClr val="bg1">
+            <a:lumMod val="95000"/>
+          </a:schemeClr>
+        </a:solidFill>
+        <a:effectLst/>
+      </p:bgPr>
     </p:bg>
     <p:spTree>
       <p:nvGrpSpPr>
@@ -2760,129 +2710,163 @@
       </p:grpSpPr>
       <p:sp>
         <p:nvSpPr>
-          <p:cNvPr id="2" name="Cím helye 1">
-            <a:extLst>
-              <a:ext uri="{FF2B5EF4-FFF2-40B4-BE49-F238E27FC236}">
-                <a16:creationId xmlns:a16="http://schemas.microsoft.com/office/drawing/2014/main" id="{B53DE591-C700-7ACA-F544-AFA9838CD1E5}"/>
-              </a:ext>
-            </a:extLst>
-          </p:cNvPr>
+          <p:cNvPr id="2" name="Title Placeholder 1"/>
           <p:cNvSpPr>
             <a:spLocks noGrp="1"/>
           </p:cNvSpPr>
           <p:nvPr>
             <p:ph type="title"/>
+          </p:nvPr>
+        </p:nvSpPr>
+        <p:spPr bwMode="black">
+          <a:xfrm>
+            <a:off x="2231136" y="964692"/>
+            <a:ext cx="7729728" cy="1188720"/>
+          </a:xfrm>
+          <a:prstGeom prst="rect">
+            <a:avLst/>
+          </a:prstGeom>
+          <a:solidFill>
+            <a:srgbClr val="FFFFFF"/>
+          </a:solidFill>
+          <a:ln w="31750" cap="sq">
+            <a:solidFill>
+              <a:srgbClr val="404040"/>
+            </a:solidFill>
+            <a:miter lim="800000"/>
+          </a:ln>
+        </p:spPr>
+        <p:txBody>
+          <a:bodyPr vert="horz" lIns="182880" tIns="182880" rIns="182880" bIns="182880" rtlCol="0" anchor="ctr">
+            <a:normAutofit/>
+          </a:bodyPr>
+          <a:lstStyle/>
+          <a:p>
+            <a:r>
+              <a:rPr lang="hu-HU"/>
+              <a:t>Mintacím szerkesztése</a:t>
+            </a:r>
+            <a:endParaRPr lang="en-US" dirty="0"/>
+          </a:p>
+        </p:txBody>
+      </p:sp>
+      <p:sp>
+        <p:nvSpPr>
+          <p:cNvPr id="3" name="Text Placeholder 2"/>
+          <p:cNvSpPr>
+            <a:spLocks noGrp="1"/>
+          </p:cNvSpPr>
+          <p:nvPr>
+            <p:ph type="body" idx="1"/>
           </p:nvPr>
         </p:nvSpPr>
         <p:spPr>
           <a:xfrm>
-            <a:off x="838200" y="365125"/>
-            <a:ext cx="10515600" cy="1325563"/>
+            <a:off x="2231136" y="2638044"/>
+            <a:ext cx="7729728" cy="3101983"/>
           </a:xfrm>
           <a:prstGeom prst="rect">
             <a:avLst/>
           </a:prstGeom>
         </p:spPr>
         <p:txBody>
-          <a:bodyPr vert="horz" lIns="91440" tIns="45720" rIns="91440" bIns="45720" rtlCol="0" anchor="ctr">
+          <a:bodyPr vert="horz" lIns="91440" tIns="45720" rIns="91440" bIns="45720" rtlCol="0">
             <a:normAutofit/>
           </a:bodyPr>
           <a:lstStyle/>
           <a:p>
-            <a:r>
-              <a:rPr lang="hu-HU"/>
-              <a:t>Mintacím szerkesztése</a:t>
-            </a:r>
-          </a:p>
-        </p:txBody>
-      </p:sp>
-      <p:sp>
-        <p:nvSpPr>
-          <p:cNvPr id="3" name="Szöveg helye 2">
-            <a:extLst>
-              <a:ext uri="{FF2B5EF4-FFF2-40B4-BE49-F238E27FC236}">
-                <a16:creationId xmlns:a16="http://schemas.microsoft.com/office/drawing/2014/main" id="{11BB1520-4C11-F996-5ABA-D509A05A35A6}"/>
-              </a:ext>
-            </a:extLst>
-          </p:cNvPr>
-          <p:cNvSpPr>
-            <a:spLocks noGrp="1"/>
-          </p:cNvSpPr>
-          <p:nvPr>
-            <p:ph type="body" idx="1"/>
+            <a:pPr lvl="0"/>
+            <a:r>
+              <a:rPr lang="hu-HU"/>
+              <a:t>Mintaszöveg szerkesztése</a:t>
+            </a:r>
+          </a:p>
+          <a:p>
+            <a:pPr lvl="1"/>
+            <a:r>
+              <a:rPr lang="hu-HU"/>
+              <a:t>Második szint</a:t>
+            </a:r>
+          </a:p>
+          <a:p>
+            <a:pPr lvl="2"/>
+            <a:r>
+              <a:rPr lang="hu-HU"/>
+              <a:t>Harmadik szint</a:t>
+            </a:r>
+          </a:p>
+          <a:p>
+            <a:pPr lvl="3"/>
+            <a:r>
+              <a:rPr lang="hu-HU"/>
+              <a:t>Negyedik szint</a:t>
+            </a:r>
+          </a:p>
+          <a:p>
+            <a:pPr lvl="4"/>
+            <a:r>
+              <a:rPr lang="hu-HU"/>
+              <a:t>Ötödik szint</a:t>
+            </a:r>
+            <a:endParaRPr lang="en-US" dirty="0"/>
+          </a:p>
+        </p:txBody>
+      </p:sp>
+      <p:sp>
+        <p:nvSpPr>
+          <p:cNvPr id="4" name="Date Placeholder 3"/>
+          <p:cNvSpPr>
+            <a:spLocks noGrp="1"/>
+          </p:cNvSpPr>
+          <p:nvPr>
+            <p:ph type="dt" sz="half" idx="2"/>
           </p:nvPr>
         </p:nvSpPr>
         <p:spPr>
           <a:xfrm>
-            <a:off x="838200" y="1825625"/>
-            <a:ext cx="10515600" cy="4351338"/>
+            <a:off x="7821429" y="6238816"/>
+            <a:ext cx="2753746" cy="323968"/>
           </a:xfrm>
           <a:prstGeom prst="rect">
             <a:avLst/>
           </a:prstGeom>
         </p:spPr>
         <p:txBody>
-          <a:bodyPr vert="horz" lIns="91440" tIns="45720" rIns="91440" bIns="45720" rtlCol="0">
-            <a:normAutofit/>
-          </a:bodyPr>
-          <a:lstStyle/>
-          <a:p>
-            <a:pPr lvl="0"/>
-            <a:r>
-              <a:rPr lang="hu-HU"/>
-              <a:t>Mintaszöveg szerkesztése</a:t>
-            </a:r>
-          </a:p>
-          <a:p>
-            <a:pPr lvl="1"/>
-            <a:r>
-              <a:rPr lang="hu-HU"/>
-              <a:t>Második szint</a:t>
-            </a:r>
-          </a:p>
-          <a:p>
-            <a:pPr lvl="2"/>
-            <a:r>
-              <a:rPr lang="hu-HU"/>
-              <a:t>Harmadik szint</a:t>
-            </a:r>
-          </a:p>
-          <a:p>
-            <a:pPr lvl="3"/>
-            <a:r>
-              <a:rPr lang="hu-HU"/>
-              <a:t>Negyedik szint</a:t>
-            </a:r>
-          </a:p>
-          <a:p>
-            <a:pPr lvl="4"/>
-            <a:r>
-              <a:rPr lang="hu-HU"/>
-              <a:t>Ötödik szint</a:t>
-            </a:r>
-          </a:p>
-        </p:txBody>
-      </p:sp>
-      <p:sp>
-        <p:nvSpPr>
-          <p:cNvPr id="4" name="Dátum helye 3">
-            <a:extLst>
-              <a:ext uri="{FF2B5EF4-FFF2-40B4-BE49-F238E27FC236}">
-                <a16:creationId xmlns:a16="http://schemas.microsoft.com/office/drawing/2014/main" id="{A009FFBE-0DE0-AD22-EA43-3F5D425B1C06}"/>
-              </a:ext>
-            </a:extLst>
-          </p:cNvPr>
-          <p:cNvSpPr>
-            <a:spLocks noGrp="1"/>
-          </p:cNvSpPr>
-          <p:nvPr>
-            <p:ph type="dt" sz="half" idx="2"/>
+          <a:bodyPr vert="horz" lIns="91440" tIns="45720" rIns="91440" bIns="45720" rtlCol="0" anchor="ctr"/>
+          <a:lstStyle>
+            <a:lvl1pPr algn="r">
+              <a:defRPr sz="1050">
+                <a:solidFill>
+                  <a:schemeClr val="tx1">
+                    <a:alpha val="70000"/>
+                  </a:schemeClr>
+                </a:solidFill>
+              </a:defRPr>
+            </a:lvl1pPr>
+          </a:lstStyle>
+          <a:p>
+            <a:fld id="{FA10541F-FAB3-4D4C-A740-91C12CD871DF}" type="datetimeFigureOut">
+              <a:rPr lang="hu-HU" smtClean="0"/>
+              <a:t>2023. 05. 28.</a:t>
+            </a:fld>
+            <a:endParaRPr lang="hu-HU"/>
+          </a:p>
+        </p:txBody>
+      </p:sp>
+      <p:sp>
+        <p:nvSpPr>
+          <p:cNvPr id="5" name="Footer Placeholder 4"/>
+          <p:cNvSpPr>
+            <a:spLocks noGrp="1"/>
+          </p:cNvSpPr>
+          <p:nvPr>
+            <p:ph type="ftr" sz="quarter" idx="3"/>
           </p:nvPr>
         </p:nvSpPr>
         <p:spPr>
           <a:xfrm>
-            <a:off x="838200" y="6356350"/>
-            <a:ext cx="2743200" cy="365125"/>
+            <a:off x="1600200" y="6236208"/>
+            <a:ext cx="5901189" cy="320040"/>
           </a:xfrm>
           <a:prstGeom prst="rect">
             <a:avLst/>
@@ -2892,101 +2876,53 @@
           <a:bodyPr vert="horz" lIns="91440" tIns="45720" rIns="91440" bIns="45720" rtlCol="0" anchor="ctr"/>
           <a:lstStyle>
             <a:lvl1pPr algn="l">
-              <a:defRPr sz="1200">
+              <a:defRPr sz="1050">
                 <a:solidFill>
                   <a:schemeClr val="tx1">
-                    <a:tint val="75000"/>
+                    <a:alpha val="70000"/>
                   </a:schemeClr>
                 </a:solidFill>
               </a:defRPr>
             </a:lvl1pPr>
           </a:lstStyle>
           <a:p>
-            <a:fld id="{FA10541F-FAB3-4D4C-A740-91C12CD871DF}" type="datetimeFigureOut">
-              <a:rPr lang="hu-HU" smtClean="0"/>
-              <a:t>2023. 05. 28.</a:t>
-            </a:fld>
             <a:endParaRPr lang="hu-HU"/>
           </a:p>
         </p:txBody>
       </p:sp>
       <p:sp>
         <p:nvSpPr>
-          <p:cNvPr id="5" name="Élőláb helye 4">
-            <a:extLst>
-              <a:ext uri="{FF2B5EF4-FFF2-40B4-BE49-F238E27FC236}">
-                <a16:creationId xmlns:a16="http://schemas.microsoft.com/office/drawing/2014/main" id="{92C4940C-76F8-162A-B06C-0F268AF5923D}"/>
-              </a:ext>
-            </a:extLst>
-          </p:cNvPr>
-          <p:cNvSpPr>
-            <a:spLocks noGrp="1"/>
-          </p:cNvSpPr>
-          <p:nvPr>
-            <p:ph type="ftr" sz="quarter" idx="3"/>
+          <p:cNvPr id="6" name="Slide Number Placeholder 5"/>
+          <p:cNvSpPr>
+            <a:spLocks noGrp="1"/>
+          </p:cNvSpPr>
+          <p:nvPr>
+            <p:ph type="sldNum" sz="quarter" idx="4"/>
           </p:nvPr>
         </p:nvSpPr>
         <p:spPr>
           <a:xfrm>
-            <a:off x="4038600" y="6356350"/>
-            <a:ext cx="4114800" cy="365125"/>
+            <a:off x="10758922" y="6217920"/>
+            <a:ext cx="365760" cy="365760"/>
           </a:xfrm>
-          <a:prstGeom prst="rect">
+          <a:prstGeom prst="ellipse">
             <a:avLst/>
           </a:prstGeom>
+          <a:solidFill>
+            <a:srgbClr val="1D1D1D">
+              <a:alpha val="70000"/>
+            </a:srgbClr>
+          </a:solidFill>
         </p:spPr>
         <p:txBody>
-          <a:bodyPr vert="horz" lIns="91440" tIns="45720" rIns="91440" bIns="45720" rtlCol="0" anchor="ctr"/>
+          <a:bodyPr vert="horz" lIns="18288" tIns="45720" rIns="18288" bIns="45720" rtlCol="0" anchor="ctr">
+            <a:noAutofit/>
+          </a:bodyPr>
           <a:lstStyle>
             <a:lvl1pPr algn="ctr">
-              <a:defRPr sz="1200">
+              <a:defRPr sz="1100" spc="0" baseline="0">
                 <a:solidFill>
-                  <a:schemeClr val="tx1">
-                    <a:tint val="75000"/>
-                  </a:schemeClr>
-                </a:solidFill>
-              </a:defRPr>
-            </a:lvl1pPr>
-          </a:lstStyle>
-          <a:p>
-            <a:endParaRPr lang="hu-HU"/>
-          </a:p>
-        </p:txBody>
-      </p:sp>
-      <p:sp>
-        <p:nvSpPr>
-          <p:cNvPr id="6" name="Dia számának helye 5">
-            <a:extLst>
-              <a:ext uri="{FF2B5EF4-FFF2-40B4-BE49-F238E27FC236}">
-                <a16:creationId xmlns:a16="http://schemas.microsoft.com/office/drawing/2014/main" id="{D7898DD5-4849-6BC1-B803-59790C1F9BC6}"/>
-              </a:ext>
-            </a:extLst>
-          </p:cNvPr>
-          <p:cNvSpPr>
-            <a:spLocks noGrp="1"/>
-          </p:cNvSpPr>
-          <p:nvPr>
-            <p:ph type="sldNum" sz="quarter" idx="4"/>
-          </p:nvPr>
-        </p:nvSpPr>
-        <p:spPr>
-          <a:xfrm>
-            <a:off x="8610600" y="6356350"/>
-            <a:ext cx="2743200" cy="365125"/>
-          </a:xfrm>
-          <a:prstGeom prst="rect">
-            <a:avLst/>
-          </a:prstGeom>
-        </p:spPr>
-        <p:txBody>
-          <a:bodyPr vert="horz" lIns="91440" tIns="45720" rIns="91440" bIns="45720" rtlCol="0" anchor="ctr"/>
-          <a:lstStyle>
-            <a:lvl1pPr algn="r">
-              <a:defRPr sz="1200">
-                <a:solidFill>
-                  <a:schemeClr val="tx1">
-                    <a:tint val="75000"/>
-                  </a:schemeClr>
+                  <a:srgbClr val="FFFFFF"/>
                 </a:solidFill>
               </a:defRPr>
             </a:lvl1pPr>
@@ -3003,27 +2939,27 @@
     </p:spTree>
     <p:extLst>
       <p:ext uri="{BB962C8B-B14F-4D97-AF65-F5344CB8AC3E}">
-        <p14:creationId xmlns:p14="http://schemas.microsoft.com/office/powerpoint/2010/main" val="3256754056"/>
+        <p14:creationId xmlns:p14="http://schemas.microsoft.com/office/powerpoint/2010/main" val="2733741711"/>
       </p:ext>
     </p:extLst>
   </p:cSld>
   <p:clrMap bg1="lt1" tx1="dk1" bg2="lt2" tx2="dk2" accent1="accent1" accent2="accent2" accent3="accent3" accent4="accent4" accent5="accent5" accent6="accent6" hlink="hlink" folHlink="folHlink"/>
   <p:sldLayoutIdLst>
-    <p:sldLayoutId id="2147483649" r:id="rId1"/>
-    <p:sldLayoutId id="2147483650" r:id="rId2"/>
-    <p:sldLayoutId id="2147483651" r:id="rId3"/>
-    <p:sldLayoutId id="2147483652" r:id="rId4"/>
-    <p:sldLayoutId id="2147483653" r:id="rId5"/>
-    <p:sldLayoutId id="2147483654" r:id="rId6"/>
-    <p:sldLayoutId id="2147483655" r:id="rId7"/>
-    <p:sldLayoutId id="2147483656" r:id="rId8"/>
-    <p:sldLayoutId id="2147483657" r:id="rId9"/>
-    <p:sldLayoutId id="2147483658" r:id="rId10"/>
-    <p:sldLayoutId id="2147483659" r:id="rId11"/>
+    <p:sldLayoutId id="2147483796" r:id="rId1"/>
+    <p:sldLayoutId id="2147483797" r:id="rId2"/>
+    <p:sldLayoutId id="2147483798" r:id="rId3"/>
+    <p:sldLayoutId id="2147483799" r:id="rId4"/>
+    <p:sldLayoutId id="2147483800" r:id="rId5"/>
+    <p:sldLayoutId id="2147483801" r:id="rId6"/>
+    <p:sldLayoutId id="2147483802" r:id="rId7"/>
+    <p:sldLayoutId id="2147483803" r:id="rId8"/>
+    <p:sldLayoutId id="2147483804" r:id="rId9"/>
+    <p:sldLayoutId id="2147483805" r:id="rId10"/>
+    <p:sldLayoutId id="2147483806" r:id="rId11"/>
   </p:sldLayoutIdLst>
   <p:txStyles>
     <p:titleStyle>
-      <a:lvl1pPr algn="l" defTabSz="914400" rtl="0" eaLnBrk="1" latinLnBrk="0" hangingPunct="1">
+      <a:lvl1pPr algn="ctr" defTabSz="914400" rtl="0" eaLnBrk="1" latinLnBrk="0" hangingPunct="1">
         <a:lnSpc>
           <a:spcPct val="90000"/>
         </a:lnSpc>
@@ -3031,9 +2967,9 @@
           <a:spcPct val="0"/>
         </a:spcBef>
         <a:buNone/>
-        <a:defRPr sz="4400" kern="1200">
+        <a:defRPr sz="2800" kern="1200" cap="all" spc="200" baseline="0">
           <a:solidFill>
-            <a:schemeClr val="tx1"/>
+            <a:srgbClr val="262626"/>
           </a:solidFill>
           <a:latin typeface="+mj-lt"/>
           <a:ea typeface="+mj-ea"/>
@@ -3044,104 +2980,137 @@
     <p:bodyStyle>
       <a:lvl1pPr marL="228600" indent="-228600" algn="l" defTabSz="914400" rtl="0" eaLnBrk="1" latinLnBrk="0" hangingPunct="1">
         <a:lnSpc>
-          <a:spcPct val="90000"/>
+          <a:spcPct val="100000"/>
         </a:lnSpc>
         <a:spcBef>
           <a:spcPts val="1000"/>
         </a:spcBef>
+        <a:buClr>
+          <a:schemeClr val="accent2"/>
+        </a:buClr>
         <a:buFont typeface="Arial" panose="020B0604020202020204" pitchFamily="34" charset="0"/>
         <a:buChar char="•"/>
-        <a:defRPr sz="2800" kern="1200">
+        <a:defRPr sz="1800" kern="1200">
           <a:solidFill>
-            <a:schemeClr val="tx1"/>
+            <a:schemeClr val="tx1">
+              <a:lumMod val="85000"/>
+              <a:lumOff val="15000"/>
+            </a:schemeClr>
           </a:solidFill>
           <a:latin typeface="+mn-lt"/>
           <a:ea typeface="+mn-ea"/>
           <a:cs typeface="+mn-cs"/>
         </a:defRPr>
       </a:lvl1pPr>
-      <a:lvl2pPr marL="685800" indent="-228600" algn="l" defTabSz="914400" rtl="0" eaLnBrk="1" latinLnBrk="0" hangingPunct="1">
+      <a:lvl2pPr marL="457200" indent="-228600" algn="l" defTabSz="914400" rtl="0" eaLnBrk="1" latinLnBrk="0" hangingPunct="1">
         <a:lnSpc>
-          <a:spcPct val="90000"/>
+          <a:spcPct val="100000"/>
         </a:lnSpc>
         <a:spcBef>
-          <a:spcPts val="500"/>
+          <a:spcPts val="1000"/>
         </a:spcBef>
+        <a:buClr>
+          <a:schemeClr val="accent2"/>
+        </a:buClr>
         <a:buFont typeface="Arial" panose="020B0604020202020204" pitchFamily="34" charset="0"/>
         <a:buChar char="•"/>
-        <a:defRPr sz="2400" kern="1200">
+        <a:defRPr sz="1600" kern="1200">
           <a:solidFill>
-            <a:schemeClr val="tx1"/>
+            <a:schemeClr val="tx1">
+              <a:lumMod val="85000"/>
+              <a:lumOff val="15000"/>
+            </a:schemeClr>
           </a:solidFill>
           <a:latin typeface="+mn-lt"/>
           <a:ea typeface="+mn-ea"/>
           <a:cs typeface="+mn-cs"/>
         </a:defRPr>
       </a:lvl2pPr>
-      <a:lvl3pPr marL="1143000" indent="-228600" algn="l" defTabSz="914400" rtl="0" eaLnBrk="1" latinLnBrk="0" hangingPunct="1">
+      <a:lvl3pPr marL="685800" indent="-228600" algn="l" defTabSz="914400" rtl="0" eaLnBrk="1" latinLnBrk="0" hangingPunct="1">
         <a:lnSpc>
-          <a:spcPct val="90000"/>
+          <a:spcPct val="100000"/>
         </a:lnSpc>
         <a:spcBef>
-          <a:spcPts val="500"/>
+          <a:spcPts val="1000"/>
         </a:spcBef>
+        <a:buClr>
+          <a:schemeClr val="accent2"/>
+        </a:buClr>
         <a:buFont typeface="Arial" panose="020B0604020202020204" pitchFamily="34" charset="0"/>
         <a:buChar char="•"/>
-        <a:defRPr sz="2000" kern="1200">
+        <a:defRPr sz="1600" kern="1200">
           <a:solidFill>
-            <a:schemeClr val="tx1"/>
+            <a:schemeClr val="tx1">
+              <a:lumMod val="85000"/>
+              <a:lumOff val="15000"/>
+            </a:schemeClr>
           </a:solidFill>
           <a:latin typeface="+mn-lt"/>
           <a:ea typeface="+mn-ea"/>
           <a:cs typeface="+mn-cs"/>
         </a:defRPr>
       </a:lvl3pPr>
-      <a:lvl4pPr marL="1600200" indent="-228600" algn="l" defTabSz="914400" rtl="0" eaLnBrk="1" latinLnBrk="0" hangingPunct="1">
+      <a:lvl4pPr marL="914400" indent="-228600" algn="l" defTabSz="914400" rtl="0" eaLnBrk="1" latinLnBrk="0" hangingPunct="1">
         <a:lnSpc>
-          <a:spcPct val="90000"/>
+          <a:spcPct val="100000"/>
         </a:lnSpc>
         <a:spcBef>
-          <a:spcPts val="500"/>
+          <a:spcPts val="1000"/>
         </a:spcBef>
+        <a:buClr>
+          <a:schemeClr val="accent2"/>
+        </a:buClr>
         <a:buFont typeface="Arial" panose="020B0604020202020204" pitchFamily="34" charset="0"/>
         <a:buChar char="•"/>
-        <a:defRPr sz="1800" kern="1200">
+        <a:defRPr sz="1600" kern="1200">
           <a:solidFill>
-            <a:schemeClr val="tx1"/>
+            <a:schemeClr val="tx1">
+              <a:lumMod val="85000"/>
+              <a:lumOff val="15000"/>
+            </a:schemeClr>
           </a:solidFill>
           <a:latin typeface="+mn-lt"/>
           <a:ea typeface="+mn-ea"/>
           <a:cs typeface="+mn-cs"/>
         </a:defRPr>
       </a:lvl4pPr>
-      <a:lvl5pPr marL="2057400" indent="-228600" algn="l" defTabSz="914400" rtl="0" eaLnBrk="1" latinLnBrk="0" hangingPunct="1">
+      <a:lvl5pPr marL="1143000" indent="-228600" algn="l" defTabSz="914400" rtl="0" eaLnBrk="1" latinLnBrk="0" hangingPunct="1">
         <a:lnSpc>
-          <a:spcPct val="90000"/>
+          <a:spcPct val="100000"/>
         </a:lnSpc>
         <a:spcBef>
-          <a:spcPts val="500"/>
+          <a:spcPts val="1000"/>
         </a:spcBef>
+        <a:buClr>
+          <a:schemeClr val="accent2"/>
+        </a:buClr>
         <a:buFont typeface="Arial" panose="020B0604020202020204" pitchFamily="34" charset="0"/>
         <a:buChar char="•"/>
-        <a:defRPr sz="1800" kern="1200">
+        <a:defRPr sz="1600" kern="1200">
           <a:solidFill>
-            <a:schemeClr val="tx1"/>
+            <a:schemeClr val="tx1">
+              <a:lumMod val="85000"/>
+              <a:lumOff val="15000"/>
+            </a:schemeClr>
           </a:solidFill>
           <a:latin typeface="+mn-lt"/>
           <a:ea typeface="+mn-ea"/>
           <a:cs typeface="+mn-cs"/>
         </a:defRPr>
       </a:lvl5pPr>
-      <a:lvl6pPr marL="2514600" indent="-228600" algn="l" defTabSz="914400" rtl="0" eaLnBrk="1" latinLnBrk="0" hangingPunct="1">
+      <a:lvl6pPr marL="1312863" indent="-228600" algn="l" defTabSz="914400" rtl="0" eaLnBrk="1" latinLnBrk="0" hangingPunct="1">
         <a:lnSpc>
-          <a:spcPct val="90000"/>
+          <a:spcPct val="100000"/>
         </a:lnSpc>
         <a:spcBef>
-          <a:spcPts val="500"/>
+          <a:spcPts val="1000"/>
         </a:spcBef>
+        <a:buClr>
+          <a:schemeClr val="accent2"/>
+        </a:buClr>
         <a:buFont typeface="Arial" panose="020B0604020202020204" pitchFamily="34" charset="0"/>
         <a:buChar char="•"/>
-        <a:defRPr sz="1800" kern="1200">
+        <a:defRPr sz="1600" kern="1200">
           <a:solidFill>
             <a:schemeClr val="tx1"/>
           </a:solidFill>
@@ -3150,16 +3119,19 @@
           <a:cs typeface="+mn-cs"/>
         </a:defRPr>
       </a:lvl6pPr>
-      <a:lvl7pPr marL="2971800" indent="-228600" algn="l" defTabSz="914400" rtl="0" eaLnBrk="1" latinLnBrk="0" hangingPunct="1">
+      <a:lvl7pPr marL="1484313" indent="-228600" algn="l" defTabSz="914400" rtl="0" eaLnBrk="1" latinLnBrk="0" hangingPunct="1">
         <a:lnSpc>
-          <a:spcPct val="90000"/>
+          <a:spcPct val="100000"/>
         </a:lnSpc>
         <a:spcBef>
-          <a:spcPts val="500"/>
+          <a:spcPts val="1000"/>
         </a:spcBef>
+        <a:buClr>
+          <a:schemeClr val="accent2"/>
+        </a:buClr>
         <a:buFont typeface="Arial" panose="020B0604020202020204" pitchFamily="34" charset="0"/>
         <a:buChar char="•"/>
-        <a:defRPr sz="1800" kern="1200">
+        <a:defRPr sz="1600" kern="1200">
           <a:solidFill>
             <a:schemeClr val="tx1"/>
           </a:solidFill>
@@ -3168,16 +3140,19 @@
           <a:cs typeface="+mn-cs"/>
         </a:defRPr>
       </a:lvl7pPr>
-      <a:lvl8pPr marL="3429000" indent="-228600" algn="l" defTabSz="914400" rtl="0" eaLnBrk="1" latinLnBrk="0" hangingPunct="1">
+      <a:lvl8pPr marL="1657350" indent="-228600" algn="l" defTabSz="914400" rtl="0" eaLnBrk="1" latinLnBrk="0" hangingPunct="1">
         <a:lnSpc>
-          <a:spcPct val="90000"/>
+          <a:spcPct val="100000"/>
         </a:lnSpc>
         <a:spcBef>
-          <a:spcPts val="500"/>
+          <a:spcPts val="1000"/>
         </a:spcBef>
+        <a:buClr>
+          <a:schemeClr val="accent2"/>
+        </a:buClr>
         <a:buFont typeface="Arial" panose="020B0604020202020204" pitchFamily="34" charset="0"/>
         <a:buChar char="•"/>
-        <a:defRPr sz="1800" kern="1200">
+        <a:defRPr sz="1600" kern="1200" baseline="0">
           <a:solidFill>
             <a:schemeClr val="tx1"/>
           </a:solidFill>
@@ -3186,16 +3161,19 @@
           <a:cs typeface="+mn-cs"/>
         </a:defRPr>
       </a:lvl8pPr>
-      <a:lvl9pPr marL="3886200" indent="-228600" algn="l" defTabSz="914400" rtl="0" eaLnBrk="1" latinLnBrk="0" hangingPunct="1">
+      <a:lvl9pPr marL="1882775" indent="-228600" algn="l" defTabSz="914400" rtl="0" eaLnBrk="1" latinLnBrk="0" hangingPunct="1">
         <a:lnSpc>
-          <a:spcPct val="90000"/>
+          <a:spcPct val="100000"/>
         </a:lnSpc>
         <a:spcBef>
-          <a:spcPts val="500"/>
+          <a:spcPts val="1000"/>
         </a:spcBef>
+        <a:buClr>
+          <a:schemeClr val="accent2"/>
+        </a:buClr>
         <a:buFont typeface="Arial" panose="020B0604020202020204" pitchFamily="34" charset="0"/>
         <a:buChar char="•"/>
-        <a:defRPr sz="1800" kern="1200">
+        <a:defRPr sz="1600" kern="1200" baseline="0">
           <a:solidFill>
             <a:schemeClr val="tx1"/>
           </a:solidFill>
@@ -3207,7 +3185,7 @@
     </p:bodyStyle>
     <p:otherStyle>
       <a:defPPr>
-        <a:defRPr lang="hu-HU"/>
+        <a:defRPr lang="en-US"/>
       </a:defPPr>
       <a:lvl1pPr marL="0" algn="l" defTabSz="914400" rtl="0" eaLnBrk="1" latinLnBrk="0" hangingPunct="1">
         <a:defRPr sz="1800" kern="1200">
@@ -3418,13 +3396,95 @@
         </p:nvSpPr>
         <p:spPr/>
         <p:txBody>
-          <a:bodyPr/>
+          <a:bodyPr>
+            <a:normAutofit fontScale="85000" lnSpcReduction="20000"/>
+          </a:bodyPr>
           <a:lstStyle/>
           <a:p>
             <a:r>
               <a:rPr lang="hu-HU" dirty="0"/>
               <a:t>Kiss Dániel Márk</a:t>
             </a:r>
+          </a:p>
+          <a:p>
+            <a:r>
+              <a:rPr lang="hu-HU" sz="1800" b="0" dirty="0">
+                <a:effectLst/>
+                <a:latin typeface="NimbusRomNo9L"/>
+              </a:rPr>
+              <a:t>Project </a:t>
+            </a:r>
+            <a:r>
+              <a:rPr lang="hu-HU" sz="1800" b="0" dirty="0" err="1">
+                <a:effectLst/>
+                <a:latin typeface="NimbusRomNo9L"/>
+              </a:rPr>
+              <a:t>Laboratory</a:t>
+            </a:r>
+            <a:r>
+              <a:rPr lang="hu-HU" sz="1800" b="0" dirty="0">
+                <a:effectLst/>
+                <a:latin typeface="NimbusRomNo9L"/>
+              </a:rPr>
+              <a:t> 1 </a:t>
+            </a:r>
+          </a:p>
+          <a:p>
+            <a:r>
+              <a:rPr lang="hu-HU" sz="1800" dirty="0" err="1">
+                <a:latin typeface="NimbusRomNo9L"/>
+              </a:rPr>
+              <a:t>MSc</a:t>
+            </a:r>
+            <a:endParaRPr lang="hu-HU" dirty="0"/>
+          </a:p>
+          <a:p>
+            <a:r>
+              <a:rPr lang="hu-HU" sz="1800" dirty="0" err="1">
+                <a:effectLst/>
+                <a:latin typeface="NimbusRomNo9L"/>
+              </a:rPr>
+              <a:t>Department</a:t>
+            </a:r>
+            <a:r>
+              <a:rPr lang="hu-HU" sz="1800" dirty="0">
+                <a:effectLst/>
+                <a:latin typeface="NimbusRomNo9L"/>
+              </a:rPr>
+              <a:t> of </a:t>
+            </a:r>
+            <a:r>
+              <a:rPr lang="hu-HU" sz="1800" dirty="0" err="1">
+                <a:effectLst/>
+                <a:latin typeface="NimbusRomNo9L"/>
+              </a:rPr>
+              <a:t>Telecommunications</a:t>
+            </a:r>
+            <a:r>
+              <a:rPr lang="hu-HU" sz="1800" dirty="0">
+                <a:effectLst/>
+                <a:latin typeface="NimbusRomNo9L"/>
+              </a:rPr>
+              <a:t> and Media </a:t>
+            </a:r>
+            <a:r>
+              <a:rPr lang="hu-HU" sz="1800" dirty="0" err="1">
+                <a:effectLst/>
+                <a:latin typeface="NimbusRomNo9L"/>
+              </a:rPr>
+              <a:t>Informatics</a:t>
+            </a:r>
+            <a:r>
+              <a:rPr lang="hu-HU" sz="1800" dirty="0">
+                <a:effectLst/>
+                <a:latin typeface="NimbusRomNo9L"/>
+              </a:rPr>
+              <a:t> </a:t>
+            </a:r>
+            <a:endParaRPr lang="hu-HU" dirty="0"/>
+          </a:p>
+          <a:p>
+            <a:endParaRPr lang="hu-HU" dirty="0"/>
           </a:p>
         </p:txBody>
       </p:sp>
@@ -3441,109 +3501,1076 @@
 </p:sld>
 </file>
 
+<file path=ppt/slides/slide2.xml><?xml version="1.0" encoding="utf-8"?>
+<p:sld xmlns:a="http://schemas.openxmlformats.org/drawingml/2006/main" xmlns:r="http://schemas.openxmlformats.org/officeDocument/2006/relationships" xmlns:p="http://schemas.openxmlformats.org/presentationml/2006/main">
+  <p:cSld>
+    <p:spTree>
+      <p:nvGrpSpPr>
+        <p:cNvPr id="1" name=""/>
+        <p:cNvGrpSpPr/>
+        <p:nvPr/>
+      </p:nvGrpSpPr>
+      <p:grpSpPr>
+        <a:xfrm>
+          <a:off x="0" y="0"/>
+          <a:ext cx="0" cy="0"/>
+          <a:chOff x="0" y="0"/>
+          <a:chExt cx="0" cy="0"/>
+        </a:xfrm>
+      </p:grpSpPr>
+      <p:sp>
+        <p:nvSpPr>
+          <p:cNvPr id="2" name="Cím 1">
+            <a:extLst>
+              <a:ext uri="{FF2B5EF4-FFF2-40B4-BE49-F238E27FC236}">
+                <a16:creationId xmlns:a16="http://schemas.microsoft.com/office/drawing/2014/main" id="{D3CB99E4-2011-AC75-ED22-734846BFD59A}"/>
+              </a:ext>
+            </a:extLst>
+          </p:cNvPr>
+          <p:cNvSpPr>
+            <a:spLocks noGrp="1"/>
+          </p:cNvSpPr>
+          <p:nvPr>
+            <p:ph type="title"/>
+          </p:nvPr>
+        </p:nvSpPr>
+        <p:spPr/>
+        <p:txBody>
+          <a:bodyPr/>
+          <a:lstStyle/>
+          <a:p>
+            <a:r>
+              <a:rPr lang="hu-HU" dirty="0" err="1"/>
+              <a:t>Introduction</a:t>
+            </a:r>
+            <a:endParaRPr lang="hu-HU" dirty="0"/>
+          </a:p>
+        </p:txBody>
+      </p:sp>
+      <p:pic>
+        <p:nvPicPr>
+          <p:cNvPr id="5" name="Tartalom helye 4">
+            <a:extLst>
+              <a:ext uri="{FF2B5EF4-FFF2-40B4-BE49-F238E27FC236}">
+                <a16:creationId xmlns:a16="http://schemas.microsoft.com/office/drawing/2014/main" id="{363FD21A-83EF-0B5A-210F-AFDB3B07DC96}"/>
+              </a:ext>
+            </a:extLst>
+          </p:cNvPr>
+          <p:cNvPicPr>
+            <a:picLocks noGrp="1" noChangeAspect="1"/>
+          </p:cNvPicPr>
+          <p:nvPr>
+            <p:ph idx="1"/>
+          </p:nvPr>
+        </p:nvPicPr>
+        <p:blipFill>
+          <a:blip r:embed="rId2"/>
+          <a:stretch>
+            <a:fillRect/>
+          </a:stretch>
+        </p:blipFill>
+        <p:spPr>
+          <a:xfrm>
+            <a:off x="2955718" y="2652386"/>
+            <a:ext cx="6280563" cy="3593783"/>
+          </a:xfrm>
+        </p:spPr>
+      </p:pic>
+    </p:spTree>
+    <p:extLst>
+      <p:ext uri="{BB962C8B-B14F-4D97-AF65-F5344CB8AC3E}">
+        <p14:creationId xmlns:p14="http://schemas.microsoft.com/office/powerpoint/2010/main" val="3693211041"/>
+      </p:ext>
+    </p:extLst>
+  </p:cSld>
+  <p:clrMapOvr>
+    <a:masterClrMapping/>
+  </p:clrMapOvr>
+</p:sld>
+</file>
+
+<file path=ppt/slides/slide3.xml><?xml version="1.0" encoding="utf-8"?>
+<p:sld xmlns:a="http://schemas.openxmlformats.org/drawingml/2006/main" xmlns:r="http://schemas.openxmlformats.org/officeDocument/2006/relationships" xmlns:p="http://schemas.openxmlformats.org/presentationml/2006/main">
+  <p:cSld>
+    <p:spTree>
+      <p:nvGrpSpPr>
+        <p:cNvPr id="1" name=""/>
+        <p:cNvGrpSpPr/>
+        <p:nvPr/>
+      </p:nvGrpSpPr>
+      <p:grpSpPr>
+        <a:xfrm>
+          <a:off x="0" y="0"/>
+          <a:ext cx="0" cy="0"/>
+          <a:chOff x="0" y="0"/>
+          <a:chExt cx="0" cy="0"/>
+        </a:xfrm>
+      </p:grpSpPr>
+      <p:sp>
+        <p:nvSpPr>
+          <p:cNvPr id="2" name="Cím 1">
+            <a:extLst>
+              <a:ext uri="{FF2B5EF4-FFF2-40B4-BE49-F238E27FC236}">
+                <a16:creationId xmlns:a16="http://schemas.microsoft.com/office/drawing/2014/main" id="{7B68419B-6FBC-BB71-2314-3B2C8208A7AC}"/>
+              </a:ext>
+            </a:extLst>
+          </p:cNvPr>
+          <p:cNvSpPr>
+            <a:spLocks noGrp="1"/>
+          </p:cNvSpPr>
+          <p:nvPr>
+            <p:ph type="title"/>
+          </p:nvPr>
+        </p:nvSpPr>
+        <p:spPr/>
+        <p:txBody>
+          <a:bodyPr/>
+          <a:lstStyle/>
+          <a:p>
+            <a:r>
+              <a:rPr lang="hu-HU" dirty="0" err="1"/>
+              <a:t>Used</a:t>
+            </a:r>
+            <a:r>
+              <a:rPr lang="hu-HU" dirty="0"/>
+              <a:t> </a:t>
+            </a:r>
+            <a:r>
+              <a:rPr lang="hu-HU" dirty="0" err="1"/>
+              <a:t>technologies</a:t>
+            </a:r>
+            <a:endParaRPr lang="hu-HU" dirty="0"/>
+          </a:p>
+        </p:txBody>
+      </p:sp>
+      <p:pic>
+        <p:nvPicPr>
+          <p:cNvPr id="5" name="Kép 4">
+            <a:extLst>
+              <a:ext uri="{FF2B5EF4-FFF2-40B4-BE49-F238E27FC236}">
+                <a16:creationId xmlns:a16="http://schemas.microsoft.com/office/drawing/2014/main" id="{C5A9764B-DC28-AD13-33DB-75EDBF35A9BC}"/>
+              </a:ext>
+            </a:extLst>
+          </p:cNvPr>
+          <p:cNvPicPr>
+            <a:picLocks noChangeAspect="1"/>
+          </p:cNvPicPr>
+          <p:nvPr/>
+        </p:nvPicPr>
+        <p:blipFill rotWithShape="1">
+          <a:blip r:embed="rId2">
+            <a:extLst>
+              <a:ext uri="{BEBA8EAE-BF5A-486C-A8C5-ECC9F3942E4B}">
+                <a14:imgProps xmlns:a14="http://schemas.microsoft.com/office/drawing/2010/main">
+                  <a14:imgLayer r:embed="rId3">
+                    <a14:imgEffect>
+                      <a14:backgroundRemoval t="9037" b="89926" l="10000" r="90000">
+                        <a14:foregroundMark x1="29333" y1="86667" x2="29333" y2="86667"/>
+                        <a14:foregroundMark x1="36250" y1="80889" x2="36250" y2="80889"/>
+                        <a14:foregroundMark x1="37333" y1="77185" x2="37333" y2="77185"/>
+                        <a14:foregroundMark x1="42667" y1="74370" x2="42667" y2="74370"/>
+                        <a14:foregroundMark x1="48500" y1="77630" x2="48500" y2="77630"/>
+                        <a14:foregroundMark x1="37083" y1="69037" x2="37083" y2="69037"/>
+                        <a14:foregroundMark x1="58083" y1="78519" x2="58083" y2="78519"/>
+                        <a14:foregroundMark x1="73250" y1="78519" x2="73250" y2="78519"/>
+                        <a14:foregroundMark x1="49583" y1="10519" x2="49583" y2="10519"/>
+                        <a14:foregroundMark x1="49583" y1="9037" x2="49583" y2="9037"/>
+                      </a14:backgroundRemoval>
+                    </a14:imgEffect>
+                  </a14:imgLayer>
+                </a14:imgProps>
+              </a:ext>
+            </a:extLst>
+          </a:blip>
+          <a:srcRect l="21951" r="20752"/>
+          <a:stretch/>
+        </p:blipFill>
+        <p:spPr>
+          <a:xfrm>
+            <a:off x="7607526" y="2411518"/>
+            <a:ext cx="2073897" cy="2034963"/>
+          </a:xfrm>
+          <a:prstGeom prst="rect">
+            <a:avLst/>
+          </a:prstGeom>
+        </p:spPr>
+      </p:pic>
+      <p:pic>
+        <p:nvPicPr>
+          <p:cNvPr id="7" name="Kép 6">
+            <a:extLst>
+              <a:ext uri="{FF2B5EF4-FFF2-40B4-BE49-F238E27FC236}">
+                <a16:creationId xmlns:a16="http://schemas.microsoft.com/office/drawing/2014/main" id="{5EF74E51-22F5-C419-D4CC-F13F6C54C535}"/>
+              </a:ext>
+            </a:extLst>
+          </p:cNvPr>
+          <p:cNvPicPr>
+            <a:picLocks noChangeAspect="1"/>
+          </p:cNvPicPr>
+          <p:nvPr/>
+        </p:nvPicPr>
+        <p:blipFill>
+          <a:blip r:embed="rId4">
+            <a:extLst>
+              <a:ext uri="{BEBA8EAE-BF5A-486C-A8C5-ECC9F3942E4B}">
+                <a14:imgProps xmlns:a14="http://schemas.microsoft.com/office/drawing/2010/main">
+                  <a14:imgLayer r:embed="rId5">
+                    <a14:imgEffect>
+                      <a14:backgroundRemoval t="9655" b="89655" l="7759" r="89943">
+                        <a14:foregroundMark x1="7759" y1="27586" x2="7759" y2="27586"/>
+                        <a14:foregroundMark x1="25000" y1="31724" x2="25000" y2="31724"/>
+                        <a14:foregroundMark x1="21552" y1="37931" x2="21552" y2="37931"/>
+                        <a14:foregroundMark x1="69828" y1="86207" x2="69828" y2="86207"/>
+                        <a14:foregroundMark x1="21839" y1="55172" x2="21839" y2="55172"/>
+                        <a14:foregroundMark x1="18103" y1="30345" x2="18103" y2="30345"/>
+                      </a14:backgroundRemoval>
+                    </a14:imgEffect>
+                  </a14:imgLayer>
+                </a14:imgProps>
+              </a:ext>
+            </a:extLst>
+          </a:blip>
+          <a:stretch>
+            <a:fillRect/>
+          </a:stretch>
+        </p:blipFill>
+        <p:spPr>
+          <a:xfrm>
+            <a:off x="7607526" y="5368746"/>
+            <a:ext cx="2535382" cy="1049123"/>
+          </a:xfrm>
+          <a:prstGeom prst="rect">
+            <a:avLst/>
+          </a:prstGeom>
+        </p:spPr>
+      </p:pic>
+      <p:pic>
+        <p:nvPicPr>
+          <p:cNvPr id="9" name="Kép 8">
+            <a:extLst>
+              <a:ext uri="{FF2B5EF4-FFF2-40B4-BE49-F238E27FC236}">
+                <a16:creationId xmlns:a16="http://schemas.microsoft.com/office/drawing/2014/main" id="{D7551E7F-50D5-7692-BBF6-28F113694B8E}"/>
+              </a:ext>
+            </a:extLst>
+          </p:cNvPr>
+          <p:cNvPicPr>
+            <a:picLocks noChangeAspect="1"/>
+          </p:cNvPicPr>
+          <p:nvPr/>
+        </p:nvPicPr>
+        <p:blipFill>
+          <a:blip r:embed="rId6"/>
+          <a:stretch>
+            <a:fillRect/>
+          </a:stretch>
+        </p:blipFill>
+        <p:spPr>
+          <a:xfrm>
+            <a:off x="5098772" y="3568701"/>
+            <a:ext cx="1736889" cy="1736889"/>
+          </a:xfrm>
+          <a:prstGeom prst="rect">
+            <a:avLst/>
+          </a:prstGeom>
+        </p:spPr>
+      </p:pic>
+      <p:pic>
+        <p:nvPicPr>
+          <p:cNvPr id="11" name="Kép 10">
+            <a:extLst>
+              <a:ext uri="{FF2B5EF4-FFF2-40B4-BE49-F238E27FC236}">
+                <a16:creationId xmlns:a16="http://schemas.microsoft.com/office/drawing/2014/main" id="{A0AF0662-FD30-68E8-2D07-B2B803FEF8DD}"/>
+              </a:ext>
+            </a:extLst>
+          </p:cNvPr>
+          <p:cNvPicPr>
+            <a:picLocks noChangeAspect="1"/>
+          </p:cNvPicPr>
+          <p:nvPr/>
+        </p:nvPicPr>
+        <p:blipFill rotWithShape="1">
+          <a:blip r:embed="rId7">
+            <a:extLst>
+              <a:ext uri="{BEBA8EAE-BF5A-486C-A8C5-ECC9F3942E4B}">
+                <a14:imgProps xmlns:a14="http://schemas.microsoft.com/office/drawing/2010/main">
+                  <a14:imgLayer r:embed="rId8">
+                    <a14:imgEffect>
+                      <a14:backgroundRemoval t="10000" b="90000" l="10000" r="90000"/>
+                    </a14:imgEffect>
+                  </a14:imgLayer>
+                </a14:imgProps>
+              </a:ext>
+            </a:extLst>
+          </a:blip>
+          <a:srcRect l="28105" r="28548" b="7717"/>
+          <a:stretch/>
+        </p:blipFill>
+        <p:spPr>
+          <a:xfrm>
+            <a:off x="2231136" y="4598244"/>
+            <a:ext cx="1888377" cy="2010162"/>
+          </a:xfrm>
+          <a:prstGeom prst="rect">
+            <a:avLst/>
+          </a:prstGeom>
+        </p:spPr>
+      </p:pic>
+      <p:pic>
+        <p:nvPicPr>
+          <p:cNvPr id="13" name="Kép 12">
+            <a:extLst>
+              <a:ext uri="{FF2B5EF4-FFF2-40B4-BE49-F238E27FC236}">
+                <a16:creationId xmlns:a16="http://schemas.microsoft.com/office/drawing/2014/main" id="{AF586A74-8FF3-0788-E44D-50B05E2D415C}"/>
+              </a:ext>
+            </a:extLst>
+          </p:cNvPr>
+          <p:cNvPicPr>
+            <a:picLocks noChangeAspect="1"/>
+          </p:cNvPicPr>
+          <p:nvPr/>
+        </p:nvPicPr>
+        <p:blipFill rotWithShape="1">
+          <a:blip r:embed="rId9">
+            <a:extLst>
+              <a:ext uri="{BEBA8EAE-BF5A-486C-A8C5-ECC9F3942E4B}">
+                <a14:imgProps xmlns:a14="http://schemas.microsoft.com/office/drawing/2010/main">
+                  <a14:imgLayer r:embed="rId10">
+                    <a14:imgEffect>
+                      <a14:backgroundRemoval t="10000" b="90000" l="10000" r="90000"/>
+                    </a14:imgEffect>
+                  </a14:imgLayer>
+                </a14:imgProps>
+              </a:ext>
+            </a:extLst>
+          </a:blip>
+          <a:srcRect l="26204" r="27941"/>
+          <a:stretch/>
+        </p:blipFill>
+        <p:spPr>
+          <a:xfrm>
+            <a:off x="2231136" y="2539159"/>
+            <a:ext cx="1888377" cy="2059085"/>
+          </a:xfrm>
+          <a:prstGeom prst="rect">
+            <a:avLst/>
+          </a:prstGeom>
+        </p:spPr>
+      </p:pic>
+    </p:spTree>
+    <p:extLst>
+      <p:ext uri="{BB962C8B-B14F-4D97-AF65-F5344CB8AC3E}">
+        <p14:creationId xmlns:p14="http://schemas.microsoft.com/office/powerpoint/2010/main" val="2751163600"/>
+      </p:ext>
+    </p:extLst>
+  </p:cSld>
+  <p:clrMapOvr>
+    <a:masterClrMapping/>
+  </p:clrMapOvr>
+</p:sld>
+</file>
+
+<file path=ppt/slides/slide4.xml><?xml version="1.0" encoding="utf-8"?>
+<p:sld xmlns:a="http://schemas.openxmlformats.org/drawingml/2006/main" xmlns:r="http://schemas.openxmlformats.org/officeDocument/2006/relationships" xmlns:p="http://schemas.openxmlformats.org/presentationml/2006/main">
+  <p:cSld>
+    <p:spTree>
+      <p:nvGrpSpPr>
+        <p:cNvPr id="1" name=""/>
+        <p:cNvGrpSpPr/>
+        <p:nvPr/>
+      </p:nvGrpSpPr>
+      <p:grpSpPr>
+        <a:xfrm>
+          <a:off x="0" y="0"/>
+          <a:ext cx="0" cy="0"/>
+          <a:chOff x="0" y="0"/>
+          <a:chExt cx="0" cy="0"/>
+        </a:xfrm>
+      </p:grpSpPr>
+      <p:sp>
+        <p:nvSpPr>
+          <p:cNvPr id="2" name="Cím 1">
+            <a:extLst>
+              <a:ext uri="{FF2B5EF4-FFF2-40B4-BE49-F238E27FC236}">
+                <a16:creationId xmlns:a16="http://schemas.microsoft.com/office/drawing/2014/main" id="{F1BF1F6B-05BE-1FAE-E162-FD461A64A2FE}"/>
+              </a:ext>
+            </a:extLst>
+          </p:cNvPr>
+          <p:cNvSpPr>
+            <a:spLocks noGrp="1"/>
+          </p:cNvSpPr>
+          <p:nvPr>
+            <p:ph type="title"/>
+          </p:nvPr>
+        </p:nvSpPr>
+        <p:spPr/>
+        <p:txBody>
+          <a:bodyPr/>
+          <a:lstStyle/>
+          <a:p>
+            <a:r>
+              <a:rPr lang="hu-HU" dirty="0" err="1"/>
+              <a:t>Development</a:t>
+            </a:r>
+            <a:endParaRPr lang="hu-HU" dirty="0"/>
+          </a:p>
+        </p:txBody>
+      </p:sp>
+      <p:pic>
+        <p:nvPicPr>
+          <p:cNvPr id="4" name="Tartalom helye 4">
+            <a:extLst>
+              <a:ext uri="{FF2B5EF4-FFF2-40B4-BE49-F238E27FC236}">
+                <a16:creationId xmlns:a16="http://schemas.microsoft.com/office/drawing/2014/main" id="{25826D78-2D47-F1C9-F265-030C4F90F03A}"/>
+              </a:ext>
+            </a:extLst>
+          </p:cNvPr>
+          <p:cNvPicPr>
+            <a:picLocks noChangeAspect="1"/>
+          </p:cNvPicPr>
+          <p:nvPr/>
+        </p:nvPicPr>
+        <p:blipFill>
+          <a:blip r:embed="rId2"/>
+          <a:stretch>
+            <a:fillRect/>
+          </a:stretch>
+        </p:blipFill>
+        <p:spPr>
+          <a:xfrm>
+            <a:off x="2222479" y="2919413"/>
+            <a:ext cx="3873521" cy="2498189"/>
+          </a:xfrm>
+          <a:prstGeom prst="rect">
+            <a:avLst/>
+          </a:prstGeom>
+        </p:spPr>
+      </p:pic>
+      <p:pic>
+        <p:nvPicPr>
+          <p:cNvPr id="8" name="Kép 7">
+            <a:extLst>
+              <a:ext uri="{FF2B5EF4-FFF2-40B4-BE49-F238E27FC236}">
+                <a16:creationId xmlns:a16="http://schemas.microsoft.com/office/drawing/2014/main" id="{3F747A7B-A94B-ED2F-F9E9-56A33481E94A}"/>
+              </a:ext>
+            </a:extLst>
+          </p:cNvPr>
+          <p:cNvPicPr>
+            <a:picLocks noChangeAspect="1"/>
+          </p:cNvPicPr>
+          <p:nvPr/>
+        </p:nvPicPr>
+        <p:blipFill>
+          <a:blip r:embed="rId3"/>
+          <a:stretch>
+            <a:fillRect/>
+          </a:stretch>
+        </p:blipFill>
+        <p:spPr>
+          <a:xfrm>
+            <a:off x="6824864" y="2443708"/>
+            <a:ext cx="3136000" cy="3449600"/>
+          </a:xfrm>
+          <a:prstGeom prst="rect">
+            <a:avLst/>
+          </a:prstGeom>
+        </p:spPr>
+      </p:pic>
+    </p:spTree>
+    <p:extLst>
+      <p:ext uri="{BB962C8B-B14F-4D97-AF65-F5344CB8AC3E}">
+        <p14:creationId xmlns:p14="http://schemas.microsoft.com/office/powerpoint/2010/main" val="2700539929"/>
+      </p:ext>
+    </p:extLst>
+  </p:cSld>
+  <p:clrMapOvr>
+    <a:masterClrMapping/>
+  </p:clrMapOvr>
+</p:sld>
+</file>
+
+<file path=ppt/slides/slide5.xml><?xml version="1.0" encoding="utf-8"?>
+<p:sld xmlns:a="http://schemas.openxmlformats.org/drawingml/2006/main" xmlns:r="http://schemas.openxmlformats.org/officeDocument/2006/relationships" xmlns:p="http://schemas.openxmlformats.org/presentationml/2006/main">
+  <p:cSld>
+    <p:spTree>
+      <p:nvGrpSpPr>
+        <p:cNvPr id="1" name=""/>
+        <p:cNvGrpSpPr/>
+        <p:nvPr/>
+      </p:nvGrpSpPr>
+      <p:grpSpPr>
+        <a:xfrm>
+          <a:off x="0" y="0"/>
+          <a:ext cx="0" cy="0"/>
+          <a:chOff x="0" y="0"/>
+          <a:chExt cx="0" cy="0"/>
+        </a:xfrm>
+      </p:grpSpPr>
+      <p:sp>
+        <p:nvSpPr>
+          <p:cNvPr id="2" name="Cím 1">
+            <a:extLst>
+              <a:ext uri="{FF2B5EF4-FFF2-40B4-BE49-F238E27FC236}">
+                <a16:creationId xmlns:a16="http://schemas.microsoft.com/office/drawing/2014/main" id="{EE0BD912-C2E4-92D7-2470-BDDB6B830F6B}"/>
+              </a:ext>
+            </a:extLst>
+          </p:cNvPr>
+          <p:cNvSpPr>
+            <a:spLocks noGrp="1"/>
+          </p:cNvSpPr>
+          <p:nvPr>
+            <p:ph type="title"/>
+          </p:nvPr>
+        </p:nvSpPr>
+        <p:spPr/>
+        <p:txBody>
+          <a:bodyPr/>
+          <a:lstStyle/>
+          <a:p>
+            <a:r>
+              <a:rPr lang="hu-HU" dirty="0" err="1"/>
+              <a:t>Finished</a:t>
+            </a:r>
+            <a:r>
+              <a:rPr lang="hu-HU" dirty="0"/>
+              <a:t> </a:t>
+            </a:r>
+            <a:r>
+              <a:rPr lang="hu-HU" dirty="0" err="1"/>
+              <a:t>work</a:t>
+            </a:r>
+            <a:endParaRPr lang="hu-HU" dirty="0"/>
+          </a:p>
+        </p:txBody>
+      </p:sp>
+      <p:pic>
+        <p:nvPicPr>
+          <p:cNvPr id="13" name="Tartalom helye 12">
+            <a:extLst>
+              <a:ext uri="{FF2B5EF4-FFF2-40B4-BE49-F238E27FC236}">
+                <a16:creationId xmlns:a16="http://schemas.microsoft.com/office/drawing/2014/main" id="{21BC9646-B28B-6A98-684B-79FC152509CB}"/>
+              </a:ext>
+            </a:extLst>
+          </p:cNvPr>
+          <p:cNvPicPr>
+            <a:picLocks noGrp="1" noChangeAspect="1"/>
+          </p:cNvPicPr>
+          <p:nvPr>
+            <p:ph idx="1"/>
+          </p:nvPr>
+        </p:nvPicPr>
+        <p:blipFill>
+          <a:blip r:embed="rId2"/>
+          <a:stretch>
+            <a:fillRect/>
+          </a:stretch>
+        </p:blipFill>
+        <p:spPr>
+          <a:xfrm>
+            <a:off x="8107052" y="2410591"/>
+            <a:ext cx="1853812" cy="4012117"/>
+          </a:xfrm>
+        </p:spPr>
+      </p:pic>
+      <p:pic>
+        <p:nvPicPr>
+          <p:cNvPr id="7" name="Kép 6">
+            <a:extLst>
+              <a:ext uri="{FF2B5EF4-FFF2-40B4-BE49-F238E27FC236}">
+                <a16:creationId xmlns:a16="http://schemas.microsoft.com/office/drawing/2014/main" id="{0FFCBF1A-6812-B002-D014-A8B788FB680E}"/>
+              </a:ext>
+            </a:extLst>
+          </p:cNvPr>
+          <p:cNvPicPr>
+            <a:picLocks noChangeAspect="1"/>
+          </p:cNvPicPr>
+          <p:nvPr/>
+        </p:nvPicPr>
+        <p:blipFill>
+          <a:blip r:embed="rId3"/>
+          <a:stretch>
+            <a:fillRect/>
+          </a:stretch>
+        </p:blipFill>
+        <p:spPr>
+          <a:xfrm>
+            <a:off x="2231136" y="2410595"/>
+            <a:ext cx="1853811" cy="4012113"/>
+          </a:xfrm>
+          <a:prstGeom prst="rect">
+            <a:avLst/>
+          </a:prstGeom>
+        </p:spPr>
+      </p:pic>
+      <p:pic>
+        <p:nvPicPr>
+          <p:cNvPr id="9" name="Kép 8">
+            <a:extLst>
+              <a:ext uri="{FF2B5EF4-FFF2-40B4-BE49-F238E27FC236}">
+                <a16:creationId xmlns:a16="http://schemas.microsoft.com/office/drawing/2014/main" id="{856BF880-D945-BB38-3041-64FF1477DD65}"/>
+              </a:ext>
+            </a:extLst>
+          </p:cNvPr>
+          <p:cNvPicPr>
+            <a:picLocks noChangeAspect="1"/>
+          </p:cNvPicPr>
+          <p:nvPr/>
+        </p:nvPicPr>
+        <p:blipFill>
+          <a:blip r:embed="rId4"/>
+          <a:stretch>
+            <a:fillRect/>
+          </a:stretch>
+        </p:blipFill>
+        <p:spPr>
+          <a:xfrm>
+            <a:off x="5169093" y="2410591"/>
+            <a:ext cx="1853813" cy="4012118"/>
+          </a:xfrm>
+          <a:prstGeom prst="rect">
+            <a:avLst/>
+          </a:prstGeom>
+        </p:spPr>
+      </p:pic>
+    </p:spTree>
+    <p:extLst>
+      <p:ext uri="{BB962C8B-B14F-4D97-AF65-F5344CB8AC3E}">
+        <p14:creationId xmlns:p14="http://schemas.microsoft.com/office/powerpoint/2010/main" val="2222599755"/>
+      </p:ext>
+    </p:extLst>
+  </p:cSld>
+  <p:clrMapOvr>
+    <a:masterClrMapping/>
+  </p:clrMapOvr>
+</p:sld>
+</file>
+
+<file path=ppt/slides/slide6.xml><?xml version="1.0" encoding="utf-8"?>
+<p:sld xmlns:a="http://schemas.openxmlformats.org/drawingml/2006/main" xmlns:r="http://schemas.openxmlformats.org/officeDocument/2006/relationships" xmlns:p="http://schemas.openxmlformats.org/presentationml/2006/main">
+  <p:cSld>
+    <p:spTree>
+      <p:nvGrpSpPr>
+        <p:cNvPr id="1" name=""/>
+        <p:cNvGrpSpPr/>
+        <p:nvPr/>
+      </p:nvGrpSpPr>
+      <p:grpSpPr>
+        <a:xfrm>
+          <a:off x="0" y="0"/>
+          <a:ext cx="0" cy="0"/>
+          <a:chOff x="0" y="0"/>
+          <a:chExt cx="0" cy="0"/>
+        </a:xfrm>
+      </p:grpSpPr>
+      <p:sp>
+        <p:nvSpPr>
+          <p:cNvPr id="2" name="Cím 1">
+            <a:extLst>
+              <a:ext uri="{FF2B5EF4-FFF2-40B4-BE49-F238E27FC236}">
+                <a16:creationId xmlns:a16="http://schemas.microsoft.com/office/drawing/2014/main" id="{52DC0BCE-1ED8-5170-AE07-B50B92FF33E7}"/>
+              </a:ext>
+            </a:extLst>
+          </p:cNvPr>
+          <p:cNvSpPr>
+            <a:spLocks noGrp="1"/>
+          </p:cNvSpPr>
+          <p:nvPr>
+            <p:ph type="title"/>
+          </p:nvPr>
+        </p:nvSpPr>
+        <p:spPr/>
+        <p:txBody>
+          <a:bodyPr/>
+          <a:lstStyle/>
+          <a:p>
+            <a:r>
+              <a:rPr lang="hu-HU" dirty="0" err="1"/>
+              <a:t>Future</a:t>
+            </a:r>
+            <a:r>
+              <a:rPr lang="hu-HU" dirty="0"/>
+              <a:t> </a:t>
+            </a:r>
+            <a:r>
+              <a:rPr lang="hu-HU" dirty="0" err="1"/>
+              <a:t>updates</a:t>
+            </a:r>
+            <a:endParaRPr lang="hu-HU" dirty="0"/>
+          </a:p>
+        </p:txBody>
+      </p:sp>
+      <p:pic>
+        <p:nvPicPr>
+          <p:cNvPr id="9" name="Tartalom helye 8">
+            <a:extLst>
+              <a:ext uri="{FF2B5EF4-FFF2-40B4-BE49-F238E27FC236}">
+                <a16:creationId xmlns:a16="http://schemas.microsoft.com/office/drawing/2014/main" id="{010F280B-852E-DB11-9511-11E1586BA6A2}"/>
+              </a:ext>
+            </a:extLst>
+          </p:cNvPr>
+          <p:cNvPicPr>
+            <a:picLocks noGrp="1" noChangeAspect="1"/>
+          </p:cNvPicPr>
+          <p:nvPr>
+            <p:ph idx="1"/>
+          </p:nvPr>
+        </p:nvPicPr>
+        <p:blipFill>
+          <a:blip r:embed="rId2">
+            <a:extLst>
+              <a:ext uri="{BEBA8EAE-BF5A-486C-A8C5-ECC9F3942E4B}">
+                <a14:imgProps xmlns:a14="http://schemas.microsoft.com/office/drawing/2010/main">
+                  <a14:imgLayer r:embed="rId3">
+                    <a14:imgEffect>
+                      <a14:backgroundRemoval t="3684" b="94737" l="10000" r="90000">
+                        <a14:foregroundMark x1="35500" y1="13684" x2="35500" y2="13684"/>
+                        <a14:foregroundMark x1="33750" y1="13684" x2="44000" y2="8947"/>
+                        <a14:foregroundMark x1="59000" y1="7105" x2="59000" y2="7105"/>
+                        <a14:foregroundMark x1="61250" y1="6842" x2="63250" y2="7105"/>
+                        <a14:foregroundMark x1="65500" y1="6842" x2="67250" y2="6842"/>
+                        <a14:foregroundMark x1="67250" y1="3947" x2="67250" y2="3947"/>
+                        <a14:foregroundMark x1="42000" y1="74211" x2="42000" y2="74211"/>
+                        <a14:foregroundMark x1="42000" y1="74211" x2="76250" y2="80263"/>
+                        <a14:foregroundMark x1="52500" y1="87368" x2="33750" y2="86579"/>
+                        <a14:foregroundMark x1="33750" y1="86579" x2="25000" y2="89211"/>
+                        <a14:foregroundMark x1="22500" y1="81842" x2="25750" y2="63684"/>
+                        <a14:foregroundMark x1="22000" y1="69211" x2="13750" y2="69211"/>
+                        <a14:foregroundMark x1="12000" y1="68158" x2="19500" y2="82895"/>
+                        <a14:foregroundMark x1="19500" y1="82895" x2="19500" y2="83158"/>
+                        <a14:foregroundMark x1="31250" y1="94737" x2="31250" y2="94737"/>
+                        <a14:foregroundMark x1="76000" y1="65789" x2="76000" y2="65789"/>
+                        <a14:foregroundMark x1="79250" y1="76579" x2="79250" y2="76579"/>
+                        <a14:foregroundMark x1="79250" y1="76842" x2="80500" y2="83158"/>
+                        <a14:foregroundMark x1="81750" y1="86053" x2="57750" y2="85263"/>
+                        <a14:foregroundMark x1="55500" y1="84737" x2="54000" y2="77632"/>
+                        <a14:foregroundMark x1="63250" y1="85000" x2="63250" y2="85000"/>
+                        <a14:foregroundMark x1="64000" y1="83684" x2="64000" y2="83684"/>
+                        <a14:foregroundMark x1="64000" y1="83684" x2="64000" y2="83684"/>
+                        <a14:foregroundMark x1="24250" y1="61053" x2="24250" y2="61053"/>
+                        <a14:foregroundMark x1="24250" y1="58684" x2="28250" y2="58684"/>
+                        <a14:foregroundMark x1="30250" y1="58421" x2="30250" y2="58421"/>
+                        <a14:foregroundMark x1="27250" y1="58421" x2="27250" y2="58421"/>
+                        <a14:foregroundMark x1="25500" y1="58158" x2="25500" y2="58158"/>
+                        <a14:foregroundMark x1="27000" y1="57632" x2="30250" y2="58158"/>
+                        <a14:foregroundMark x1="17250" y1="66316" x2="17250" y2="66316"/>
+                        <a14:foregroundMark x1="15250" y1="66316" x2="15250" y2="66316"/>
+                        <a14:foregroundMark x1="12750" y1="67105" x2="12750" y2="67105"/>
+                        <a14:foregroundMark x1="10000" y1="67105" x2="10000" y2="67105"/>
+                        <a14:foregroundMark x1="13000" y1="66316" x2="13000" y2="66316"/>
+                        <a14:foregroundMark x1="14000" y1="66316" x2="30000" y2="57105"/>
+                        <a14:foregroundMark x1="75750" y1="62368" x2="83250" y2="87368"/>
+                        <a14:foregroundMark x1="39250" y1="89474" x2="39250" y2="89474"/>
+                        <a14:foregroundMark x1="67500" y1="3947" x2="67500" y2="3947"/>
+                        <a14:foregroundMark x1="67500" y1="3947" x2="67500" y2="3947"/>
+                      </a14:backgroundRemoval>
+                    </a14:imgEffect>
+                  </a14:imgLayer>
+                </a14:imgProps>
+              </a:ext>
+            </a:extLst>
+          </a:blip>
+          <a:stretch>
+            <a:fillRect/>
+          </a:stretch>
+        </p:blipFill>
+        <p:spPr>
+          <a:xfrm>
+            <a:off x="2155722" y="2988564"/>
+            <a:ext cx="3057625" cy="2904744"/>
+          </a:xfrm>
+        </p:spPr>
+      </p:pic>
+      <p:pic>
+        <p:nvPicPr>
+          <p:cNvPr id="11" name="Kép 10">
+            <a:extLst>
+              <a:ext uri="{FF2B5EF4-FFF2-40B4-BE49-F238E27FC236}">
+                <a16:creationId xmlns:a16="http://schemas.microsoft.com/office/drawing/2014/main" id="{9608B9AF-59FD-389B-890A-F046EC5DB68E}"/>
+              </a:ext>
+            </a:extLst>
+          </p:cNvPr>
+          <p:cNvPicPr>
+            <a:picLocks noChangeAspect="1"/>
+          </p:cNvPicPr>
+          <p:nvPr/>
+        </p:nvPicPr>
+        <p:blipFill rotWithShape="1">
+          <a:blip r:embed="rId4">
+            <a:extLst>
+              <a:ext uri="{BEBA8EAE-BF5A-486C-A8C5-ECC9F3942E4B}">
+                <a14:imgProps xmlns:a14="http://schemas.microsoft.com/office/drawing/2010/main">
+                  <a14:imgLayer r:embed="rId5">
+                    <a14:imgEffect>
+                      <a14:backgroundRemoval t="10000" b="90000" l="10000" r="90000">
+                        <a14:foregroundMark x1="38103" y1="45333" x2="38103" y2="45333"/>
+                        <a14:foregroundMark x1="38103" y1="45333" x2="38103" y2="42167"/>
+                        <a14:foregroundMark x1="38793" y1="41833" x2="38793" y2="41833"/>
+                        <a14:foregroundMark x1="54224" y1="51833" x2="54224" y2="51833"/>
+                        <a14:foregroundMark x1="61207" y1="44333" x2="61207" y2="44333"/>
+                        <a14:foregroundMark x1="55690" y1="43667" x2="55690" y2="43667"/>
+                        <a14:foregroundMark x1="66638" y1="44333" x2="66638" y2="44333"/>
+                        <a14:foregroundMark x1="56121" y1="46000" x2="56121" y2="46000"/>
+                        <a14:foregroundMark x1="60172" y1="44833" x2="60172" y2="44833"/>
+                        <a14:foregroundMark x1="38276" y1="30833" x2="38276" y2="30833"/>
+                        <a14:foregroundMark x1="33017" y1="35333" x2="33017" y2="35333"/>
+                        <a14:foregroundMark x1="30948" y1="45667" x2="30948" y2="45667"/>
+                        <a14:foregroundMark x1="66207" y1="43333" x2="66207" y2="43333"/>
+                        <a14:foregroundMark x1="65603" y1="44000" x2="65603" y2="44000"/>
+                        <a14:backgroundMark x1="53879" y1="52000" x2="53879" y2="52000"/>
+                        <a14:backgroundMark x1="53879" y1="52000" x2="53621" y2="52833"/>
+                      </a14:backgroundRemoval>
+                    </a14:imgEffect>
+                  </a14:imgLayer>
+                </a14:imgProps>
+              </a:ext>
+            </a:extLst>
+          </a:blip>
+          <a:srcRect l="25647" t="16520" r="25105" b="7240"/>
+          <a:stretch/>
+        </p:blipFill>
+        <p:spPr>
+          <a:xfrm>
+            <a:off x="6683569" y="2983592"/>
+            <a:ext cx="3277295" cy="2624228"/>
+          </a:xfrm>
+          <a:prstGeom prst="rect">
+            <a:avLst/>
+          </a:prstGeom>
+        </p:spPr>
+      </p:pic>
+    </p:spTree>
+    <p:extLst>
+      <p:ext uri="{BB962C8B-B14F-4D97-AF65-F5344CB8AC3E}">
+        <p14:creationId xmlns:p14="http://schemas.microsoft.com/office/powerpoint/2010/main" val="3536314756"/>
+      </p:ext>
+    </p:extLst>
+  </p:cSld>
+  <p:clrMapOvr>
+    <a:masterClrMapping/>
+  </p:clrMapOvr>
+</p:sld>
+</file>
+
+<file path=ppt/slides/slide7.xml><?xml version="1.0" encoding="utf-8"?>
+<p:sld xmlns:a="http://schemas.openxmlformats.org/drawingml/2006/main" xmlns:r="http://schemas.openxmlformats.org/officeDocument/2006/relationships" xmlns:p="http://schemas.openxmlformats.org/presentationml/2006/main">
+  <p:cSld>
+    <p:spTree>
+      <p:nvGrpSpPr>
+        <p:cNvPr id="1" name=""/>
+        <p:cNvGrpSpPr/>
+        <p:nvPr/>
+      </p:nvGrpSpPr>
+      <p:grpSpPr>
+        <a:xfrm>
+          <a:off x="0" y="0"/>
+          <a:ext cx="0" cy="0"/>
+          <a:chOff x="0" y="0"/>
+          <a:chExt cx="0" cy="0"/>
+        </a:xfrm>
+      </p:grpSpPr>
+      <p:sp>
+        <p:nvSpPr>
+          <p:cNvPr id="2" name="Cím 1">
+            <a:extLst>
+              <a:ext uri="{FF2B5EF4-FFF2-40B4-BE49-F238E27FC236}">
+                <a16:creationId xmlns:a16="http://schemas.microsoft.com/office/drawing/2014/main" id="{0A527A64-88EC-0CC1-53E4-95392BAE8279}"/>
+              </a:ext>
+            </a:extLst>
+          </p:cNvPr>
+          <p:cNvSpPr>
+            <a:spLocks noGrp="1"/>
+          </p:cNvSpPr>
+          <p:nvPr>
+            <p:ph type="title"/>
+          </p:nvPr>
+        </p:nvSpPr>
+        <p:spPr>
+          <a:xfrm>
+            <a:off x="2663058" y="2253319"/>
+            <a:ext cx="6865883" cy="1175681"/>
+          </a:xfrm>
+        </p:spPr>
+        <p:txBody>
+          <a:bodyPr>
+            <a:normAutofit/>
+          </a:bodyPr>
+          <a:lstStyle/>
+          <a:p>
+            <a:r>
+              <a:rPr lang="hu-HU" dirty="0" err="1"/>
+              <a:t>Thank</a:t>
+            </a:r>
+            <a:r>
+              <a:rPr lang="hu-HU" dirty="0"/>
+              <a:t> </a:t>
+            </a:r>
+            <a:r>
+              <a:rPr lang="hu-HU" dirty="0" err="1"/>
+              <a:t>you</a:t>
+            </a:r>
+            <a:r>
+              <a:rPr lang="hu-HU" dirty="0"/>
+              <a:t> </a:t>
+            </a:r>
+            <a:r>
+              <a:rPr lang="hu-HU" dirty="0" err="1"/>
+              <a:t>for</a:t>
+            </a:r>
+            <a:r>
+              <a:rPr lang="hu-HU" dirty="0"/>
+              <a:t> </a:t>
+            </a:r>
+            <a:r>
+              <a:rPr lang="hu-HU" dirty="0" err="1"/>
+              <a:t>your</a:t>
+            </a:r>
+            <a:r>
+              <a:rPr lang="hu-HU" dirty="0"/>
+              <a:t> </a:t>
+            </a:r>
+            <a:r>
+              <a:rPr lang="hu-HU" dirty="0" err="1"/>
+              <a:t>attention</a:t>
+            </a:r>
+            <a:r>
+              <a:rPr lang="hu-HU" dirty="0"/>
+              <a:t>!</a:t>
+            </a:r>
+          </a:p>
+        </p:txBody>
+      </p:sp>
+      <p:sp>
+        <p:nvSpPr>
+          <p:cNvPr id="4" name="Cím 1">
+            <a:extLst>
+              <a:ext uri="{FF2B5EF4-FFF2-40B4-BE49-F238E27FC236}">
+                <a16:creationId xmlns:a16="http://schemas.microsoft.com/office/drawing/2014/main" id="{B6DDD740-37E9-51AD-2068-36C974F52480}"/>
+              </a:ext>
+            </a:extLst>
+          </p:cNvPr>
+          <p:cNvSpPr txBox="1">
+            <a:spLocks/>
+          </p:cNvSpPr>
+          <p:nvPr/>
+        </p:nvSpPr>
+        <p:spPr>
+          <a:xfrm>
+            <a:off x="2663057" y="3429000"/>
+            <a:ext cx="6865883" cy="1175681"/>
+          </a:xfrm>
+          <a:prstGeom prst="rect">
+            <a:avLst/>
+          </a:prstGeom>
+        </p:spPr>
+        <p:txBody>
+          <a:bodyPr vert="horz" lIns="91440" tIns="45720" rIns="91440" bIns="45720" rtlCol="0" anchor="ctr">
+            <a:normAutofit/>
+          </a:bodyPr>
+          <a:lstStyle>
+            <a:lvl1pPr algn="l" defTabSz="914400" rtl="0" eaLnBrk="1" latinLnBrk="0" hangingPunct="1">
+              <a:lnSpc>
+                <a:spcPct val="90000"/>
+              </a:lnSpc>
+              <a:spcBef>
+                <a:spcPct val="0"/>
+              </a:spcBef>
+              <a:buNone/>
+              <a:defRPr sz="4400" kern="1200">
+                <a:solidFill>
+                  <a:schemeClr val="tx1"/>
+                </a:solidFill>
+                <a:latin typeface="+mj-lt"/>
+                <a:ea typeface="+mj-ea"/>
+                <a:cs typeface="+mj-cs"/>
+              </a:defRPr>
+            </a:lvl1pPr>
+          </a:lstStyle>
+          <a:p>
+            <a:pPr algn="ctr"/>
+            <a:r>
+              <a:rPr lang="hu-HU" dirty="0" err="1"/>
+              <a:t>Any</a:t>
+            </a:r>
+            <a:r>
+              <a:rPr lang="hu-HU" dirty="0"/>
+              <a:t> </a:t>
+            </a:r>
+            <a:r>
+              <a:rPr lang="hu-HU" dirty="0" err="1"/>
+              <a:t>questions</a:t>
+            </a:r>
+            <a:r>
+              <a:rPr lang="hu-HU" dirty="0"/>
+              <a:t>?</a:t>
+            </a:r>
+          </a:p>
+        </p:txBody>
+      </p:sp>
+    </p:spTree>
+    <p:extLst>
+      <p:ext uri="{BB962C8B-B14F-4D97-AF65-F5344CB8AC3E}">
+        <p14:creationId xmlns:p14="http://schemas.microsoft.com/office/powerpoint/2010/main" val="3861128731"/>
+      </p:ext>
+    </p:extLst>
+  </p:cSld>
+  <p:clrMapOvr>
+    <a:masterClrMapping/>
+  </p:clrMapOvr>
+</p:sld>
+</file>
+
 <file path=ppt/theme/theme1.xml><?xml version="1.0" encoding="utf-8"?>
-<a:theme xmlns:a="http://schemas.openxmlformats.org/drawingml/2006/main" name="Office-téma">
+<a:theme xmlns:a="http://schemas.openxmlformats.org/drawingml/2006/main" name="Csomag">
   <a:themeElements>
-    <a:clrScheme name="Office">
+    <a:clrScheme name="Csomag">
       <a:dk1>
-        <a:sysClr val="windowText" lastClr="000000"/>
+        <a:srgbClr val="000000"/>
       </a:dk1>
       <a:lt1>
-        <a:sysClr val="window" lastClr="FFFFFF"/>
+        <a:srgbClr val="FFFFFF"/>
       </a:lt1>
       <a:dk2>
-        <a:srgbClr val="44546A"/>
+        <a:srgbClr val="4A5356"/>
       </a:dk2>
       <a:lt2>
-        <a:srgbClr val="E7E6E6"/>
+        <a:srgbClr val="E8E3CE"/>
       </a:lt2>
       <a:accent1>
-        <a:srgbClr val="4472C4"/>
+        <a:srgbClr val="F6A21D"/>
       </a:accent1>
       <a:accent2>
-        <a:srgbClr val="ED7D31"/>
+        <a:srgbClr val="9BAFB5"/>
       </a:accent2>
       <a:accent3>
-        <a:srgbClr val="A5A5A5"/>
+        <a:srgbClr val="C96731"/>
       </a:accent3>
       <a:accent4>
-        <a:srgbClr val="FFC000"/>
+        <a:srgbClr val="9CA383"/>
       </a:accent4>
       <a:accent5>
-        <a:srgbClr val="5B9BD5"/>
+        <a:srgbClr val="87795D"/>
       </a:accent5>
       <a:accent6>
-        <a:srgbClr val="70AD47"/>
+        <a:srgbClr val="A0988C"/>
       </a:accent6>
       <a:hlink>
-        <a:srgbClr val="0563C1"/>
+        <a:srgbClr val="00B0F0"/>
       </a:hlink>
       <a:folHlink>
-        <a:srgbClr val="954F72"/>
+        <a:srgbClr val="738F97"/>
       </a:folHlink>
     </a:clrScheme>
-    <a:fontScheme name="Office">
+    <a:fontScheme name="Csomag">
       <a:majorFont>
-        <a:latin typeface="Calibri Light" panose="020F0302020204030204"/>
+        <a:latin typeface="Gill Sans MT" panose="020B0502020104020203"/>
         <a:ea typeface=""/>
         <a:cs typeface=""/>
-        <a:font script="Jpan" typeface="游ゴシック Light"/>
-        <a:font script="Hang" typeface="맑은 고딕"/>
-        <a:font script="Hans" typeface="等线 Light"/>
-        <a:font script="Hant" typeface="新細明體"/>
-        <a:font script="Arab" typeface="Times New Roman"/>
-        <a:font script="Hebr" typeface="Times New Roman"/>
-        <a:font script="Thai" typeface="Angsana New"/>
-        <a:font script="Ethi" typeface="Nyala"/>
-        <a:font script="Beng" typeface="Vrinda"/>
-        <a:font script="Gujr" typeface="Shruti"/>
-        <a:font script="Khmr" typeface="MoolBoran"/>
-        <a:font script="Knda" typeface="Tunga"/>
-        <a:font script="Guru" typeface="Raavi"/>
-        <a:font script="Cans" typeface="Euphemia"/>
-        <a:font script="Cher" typeface="Plantagenet Cherokee"/>
-        <a:font script="Yiii" typeface="Microsoft Yi Baiti"/>
-        <a:font script="Tibt" typeface="Microsoft Himalaya"/>
-        <a:font script="Thaa" typeface="MV Boli"/>
-        <a:font script="Deva" typeface="Mangal"/>
-        <a:font script="Telu" typeface="Gautami"/>
-        <a:font script="Taml" typeface="Latha"/>
-        <a:font script="Syrc" typeface="Estrangelo Edessa"/>
-        <a:font script="Orya" typeface="Kalinga"/>
-        <a:font script="Mlym" typeface="Kartika"/>
-        <a:font script="Laoo" typeface="DokChampa"/>
-        <a:font script="Sinh" typeface="Iskoola Pota"/>
-        <a:font script="Mong" typeface="Mongolian Baiti"/>
-        <a:font script="Viet" typeface="Times New Roman"/>
-        <a:font script="Uigh" typeface="Microsoft Uighur"/>
-        <a:font script="Geor" typeface="Sylfaen"/>
-        <a:font script="Armn" typeface="Arial"/>
-        <a:font script="Bugi" typeface="Leelawadee UI"/>
-        <a:font script="Bopo" typeface="Microsoft JhengHei"/>
-        <a:font script="Java" typeface="Javanese Text"/>
-        <a:font script="Lisu" typeface="Segoe UI"/>
-        <a:font script="Mymr" typeface="Myanmar Text"/>
-        <a:font script="Nkoo" typeface="Ebrima"/>
-        <a:font script="Olck" typeface="Nirmala UI"/>
-        <a:font script="Osma" typeface="Ebrima"/>
-        <a:font script="Phag" typeface="Phagspa"/>
-        <a:font script="Syrn" typeface="Estrangelo Edessa"/>
-        <a:font script="Syrj" typeface="Estrangelo Edessa"/>
-        <a:font script="Syre" typeface="Estrangelo Edessa"/>
-        <a:font script="Sora" typeface="Nirmala UI"/>
-        <a:font script="Tale" typeface="Microsoft Tai Le"/>
-        <a:font script="Talu" typeface="Microsoft New Tai Lue"/>
-        <a:font script="Tfng" typeface="Ebrima"/>
-      </a:majorFont>
-      <a:minorFont>
-        <a:latin typeface="Calibri" panose="020F0502020204030204"/>
-        <a:ea typeface=""/>
-        <a:cs typeface=""/>
-        <a:font script="Jpan" typeface="游ゴシック"/>
-        <a:font script="Hang" typeface="맑은 고딕"/>
-        <a:font script="Hans" typeface="等线"/>
-        <a:font script="Hant" typeface="新細明體"/>
-        <a:font script="Arab" typeface="Arial"/>
+        <a:font script="Grek" typeface="Corbel"/>
+        <a:font script="Cyrl" typeface="Corbel"/>
+        <a:font script="Jpan" typeface="HGｺﾞｼｯｸE"/>
+        <a:font script="Hang" typeface="휴먼매직체"/>
+        <a:font script="Hans" typeface="华文中宋"/>
+        <a:font script="Hant" typeface="微軟正黑體"/>
+        <a:font script="Arab" typeface="Majalla UI"/>
         <a:font script="Hebr" typeface="Arial"/>
         <a:font script="Thai" typeface="Cordia New"/>
         <a:font script="Ethi" typeface="Nyala"/>
@@ -3566,29 +4593,49 @@
         <a:font script="Laoo" typeface="DokChampa"/>
         <a:font script="Sinh" typeface="Iskoola Pota"/>
         <a:font script="Mong" typeface="Mongolian Baiti"/>
-        <a:font script="Viet" typeface="Arial"/>
+        <a:font script="Viet" typeface="Tahoma"/>
         <a:font script="Uigh" typeface="Microsoft Uighur"/>
         <a:font script="Geor" typeface="Sylfaen"/>
-        <a:font script="Armn" typeface="Arial"/>
-        <a:font script="Bugi" typeface="Leelawadee UI"/>
-        <a:font script="Bopo" typeface="Microsoft JhengHei"/>
-        <a:font script="Java" typeface="Javanese Text"/>
-        <a:font script="Lisu" typeface="Segoe UI"/>
-        <a:font script="Mymr" typeface="Myanmar Text"/>
-        <a:font script="Nkoo" typeface="Ebrima"/>
-        <a:font script="Olck" typeface="Nirmala UI"/>
-        <a:font script="Osma" typeface="Ebrima"/>
-        <a:font script="Phag" typeface="Phagspa"/>
-        <a:font script="Syrn" typeface="Estrangelo Edessa"/>
-        <a:font script="Syrj" typeface="Estrangelo Edessa"/>
-        <a:font script="Syre" typeface="Estrangelo Edessa"/>
-        <a:font script="Sora" typeface="Nirmala UI"/>
-        <a:font script="Tale" typeface="Microsoft Tai Le"/>
-        <a:font script="Talu" typeface="Microsoft New Tai Lue"/>
-        <a:font script="Tfng" typeface="Ebrima"/>
+      </a:majorFont>
+      <a:minorFont>
+        <a:latin typeface="Gill Sans MT" panose="020B0502020104020203"/>
+        <a:ea typeface=""/>
+        <a:cs typeface=""/>
+        <a:font script="Grek" typeface="Corbel"/>
+        <a:font script="Cyrl" typeface="Corbel"/>
+        <a:font script="Jpan" typeface="HGｺﾞｼｯｸE"/>
+        <a:font script="Hang" typeface="휴먼매직체"/>
+        <a:font script="Hans" typeface="华文中宋"/>
+        <a:font script="Hant" typeface="微軟正黑體"/>
+        <a:font script="Arab" typeface="Majalla UI"/>
+        <a:font script="Hebr" typeface="Arial"/>
+        <a:font script="Thai" typeface="Cordia New"/>
+        <a:font script="Ethi" typeface="Nyala"/>
+        <a:font script="Beng" typeface="Vrinda"/>
+        <a:font script="Gujr" typeface="Shruti"/>
+        <a:font script="Khmr" typeface="DaunPenh"/>
+        <a:font script="Knda" typeface="Tunga"/>
+        <a:font script="Guru" typeface="Raavi"/>
+        <a:font script="Cans" typeface="Euphemia"/>
+        <a:font script="Cher" typeface="Plantagenet Cherokee"/>
+        <a:font script="Yiii" typeface="Microsoft Yi Baiti"/>
+        <a:font script="Tibt" typeface="Microsoft Himalaya"/>
+        <a:font script="Thaa" typeface="MV Boli"/>
+        <a:font script="Deva" typeface="Mangal"/>
+        <a:font script="Telu" typeface="Gautami"/>
+        <a:font script="Taml" typeface="Latha"/>
+        <a:font script="Syrc" typeface="Estrangelo Edessa"/>
+        <a:font script="Orya" typeface="Kalinga"/>
+        <a:font script="Mlym" typeface="Kartika"/>
+        <a:font script="Laoo" typeface="DokChampa"/>
+        <a:font script="Sinh" typeface="Iskoola Pota"/>
+        <a:font script="Mong" typeface="Mongolian Baiti"/>
+        <a:font script="Viet" typeface="Tahoma"/>
+        <a:font script="Uigh" typeface="Microsoft Uighur"/>
+        <a:font script="Geor" typeface="Sylfaen"/>
       </a:minorFont>
     </a:fontScheme>
-    <a:fmtScheme name="Office">
+    <a:fmtScheme name="Csomag">
       <a:fillStyleLst>
         <a:solidFill>
           <a:schemeClr val="phClr"/>
@@ -3597,23 +4644,16 @@
           <a:gsLst>
             <a:gs pos="0">
               <a:schemeClr val="phClr">
-                <a:lumMod val="110000"/>
-                <a:satMod val="105000"/>
-                <a:tint val="67000"/>
-              </a:schemeClr>
-            </a:gs>
-            <a:gs pos="50000">
-              <a:schemeClr val="phClr">
-                <a:lumMod val="105000"/>
-                <a:satMod val="103000"/>
-                <a:tint val="73000"/>
+                <a:tint val="80000"/>
+                <a:satMod val="107000"/>
+                <a:lumMod val="103000"/>
               </a:schemeClr>
             </a:gs>
             <a:gs pos="100000">
               <a:schemeClr val="phClr">
-                <a:lumMod val="105000"/>
+                <a:tint val="82000"/>
                 <a:satMod val="109000"/>
-                <a:tint val="81000"/>
+                <a:lumMod val="103000"/>
               </a:schemeClr>
             </a:gs>
           </a:gsLst>
@@ -3623,23 +4663,23 @@
           <a:gsLst>
             <a:gs pos="0">
               <a:schemeClr val="phClr">
-                <a:satMod val="103000"/>
+                <a:tint val="97000"/>
+                <a:satMod val="100000"/>
                 <a:lumMod val="102000"/>
-                <a:tint val="94000"/>
               </a:schemeClr>
             </a:gs>
             <a:gs pos="50000">
               <a:schemeClr val="phClr">
-                <a:satMod val="110000"/>
+                <a:shade val="100000"/>
+                <a:satMod val="103000"/>
                 <a:lumMod val="100000"/>
-                <a:shade val="100000"/>
               </a:schemeClr>
             </a:gs>
             <a:gs pos="100000">
               <a:schemeClr val="phClr">
+                <a:shade val="93000"/>
+                <a:satMod val="110000"/>
                 <a:lumMod val="99000"/>
-                <a:satMod val="120000"/>
-                <a:shade val="78000"/>
               </a:schemeClr>
             </a:gs>
           </a:gsLst>
@@ -3652,21 +4692,18 @@
             <a:schemeClr val="phClr"/>
           </a:solidFill>
           <a:prstDash val="solid"/>
-          <a:miter lim="800000"/>
         </a:ln>
         <a:ln w="12700" cap="flat" cmpd="sng" algn="ctr">
           <a:solidFill>
             <a:schemeClr val="phClr"/>
           </a:solidFill>
           <a:prstDash val="solid"/>
-          <a:miter lim="800000"/>
         </a:ln>
-        <a:ln w="19050" cap="flat" cmpd="sng" algn="ctr">
+        <a:ln w="31750" cap="flat" cmpd="sng" algn="ctr">
           <a:solidFill>
             <a:schemeClr val="phClr"/>
           </a:solidFill>
           <a:prstDash val="solid"/>
-          <a:miter lim="800000"/>
         </a:ln>
       </a:lnStyleLst>
       <a:effectStyleLst>
@@ -3678,12 +4715,21 @@
         </a:effectStyle>
         <a:effectStyle>
           <a:effectLst>
-            <a:outerShdw blurRad="57150" dist="19050" dir="5400000" algn="ctr" rotWithShape="0">
+            <a:outerShdw blurRad="55880" dist="15240" dir="5400000" algn="ctr" rotWithShape="0">
               <a:srgbClr val="000000">
-                <a:alpha val="63000"/>
+                <a:alpha val="45000"/>
               </a:srgbClr>
             </a:outerShdw>
           </a:effectLst>
+          <a:scene3d>
+            <a:camera prst="orthographicFront">
+              <a:rot lat="0" lon="0" rev="0"/>
+            </a:camera>
+            <a:lightRig rig="brightRoom" dir="tl"/>
+          </a:scene3d>
+          <a:sp3d prstMaterial="dkEdge">
+            <a:bevelT w="0" h="0"/>
+          </a:sp3d>
         </a:effectStyle>
       </a:effectStyleLst>
       <a:bgFillStyleLst>
@@ -3700,28 +4746,24 @@
           <a:gsLst>
             <a:gs pos="0">
               <a:schemeClr val="phClr">
-                <a:tint val="93000"/>
-                <a:satMod val="150000"/>
-                <a:shade val="98000"/>
-                <a:lumMod val="102000"/>
-              </a:schemeClr>
-            </a:gs>
-            <a:gs pos="50000">
-              <a:schemeClr val="phClr">
-                <a:tint val="98000"/>
-                <a:satMod val="130000"/>
-                <a:shade val="90000"/>
-                <a:lumMod val="103000"/>
+                <a:tint val="97000"/>
+                <a:shade val="100000"/>
+                <a:satMod val="185000"/>
+                <a:lumMod val="120000"/>
               </a:schemeClr>
             </a:gs>
             <a:gs pos="100000">
               <a:schemeClr val="phClr">
-                <a:shade val="63000"/>
-                <a:satMod val="120000"/>
+                <a:tint val="96000"/>
+                <a:shade val="95000"/>
+                <a:satMod val="215000"/>
+                <a:lumMod val="80000"/>
               </a:schemeClr>
             </a:gs>
           </a:gsLst>
-          <a:lin ang="5400000" scaled="0"/>
+          <a:path path="circle">
+            <a:fillToRect l="50000" t="55000" r="125000" b="100000"/>
+          </a:path>
         </a:gradFill>
       </a:bgFillStyleLst>
     </a:fmtScheme>
@@ -3730,7 +4772,7 @@
   <a:extraClrSchemeLst/>
   <a:extLst>
     <a:ext uri="{05A4C25C-085E-4340-85A3-A5531E510DB2}">
-      <thm15:themeFamily xmlns:thm15="http://schemas.microsoft.com/office/thememl/2012/main" name="Office Theme" id="{62F939B6-93AF-4DB8-9C6B-D6C7DFDC589F}" vid="{4A3C46E8-61CC-4603-A589-7422A47A8E4A}"/>
+      <thm15:themeFamily xmlns:thm15="http://schemas.microsoft.com/office/thememl/2012/main" name="Parcel" id="{8BEC4385-4EB9-4D53-BFB5-0EA123736B6D}" vid="{4DB32801-28C0-48B0-8C1D-A9A58613615A}"/>
     </a:ext>
   </a:extLst>
 </a:theme>

--- a/Presentation/WP871Q_Presentation.pptx
+++ b/Presentation/WP871Q_Presentation.pptx
@@ -11,7 +11,6 @@
     <p:sldId id="259" r:id="rId5"/>
     <p:sldId id="260" r:id="rId6"/>
     <p:sldId id="262" r:id="rId7"/>
-    <p:sldId id="261" r:id="rId8"/>
   </p:sldIdLst>
   <p:sldSz cx="12192000" cy="6858000"/>
   <p:notesSz cx="6858000" cy="9144000"/>
@@ -110,6 +109,11 @@
       </a:defRPr>
     </a:lvl9pPr>
   </p:defaultTextStyle>
+  <p:extLst>
+    <p:ext uri="{EFAFB233-063F-42B5-8137-9DF3F51BA10A}">
+      <p15:sldGuideLst xmlns:p15="http://schemas.microsoft.com/office/powerpoint/2012/main"/>
+    </p:ext>
+  </p:extLst>
 </p:presentation>
 </file>
 
@@ -276,7 +280,7 @@
           <a:p>
             <a:fld id="{FA10541F-FAB3-4D4C-A740-91C12CD871DF}" type="datetimeFigureOut">
               <a:rPr lang="hu-HU" smtClean="0"/>
-              <a:t>2023. 05. 28.</a:t>
+              <a:t>2023. 05. 31.</a:t>
             </a:fld>
             <a:endParaRPr lang="hu-HU"/>
           </a:p>
@@ -446,7 +450,7 @@
           <a:p>
             <a:fld id="{FA10541F-FAB3-4D4C-A740-91C12CD871DF}" type="datetimeFigureOut">
               <a:rPr lang="hu-HU" smtClean="0"/>
-              <a:t>2023. 05. 28.</a:t>
+              <a:t>2023. 05. 31.</a:t>
             </a:fld>
             <a:endParaRPr lang="hu-HU"/>
           </a:p>
@@ -626,7 +630,7 @@
           <a:p>
             <a:fld id="{FA10541F-FAB3-4D4C-A740-91C12CD871DF}" type="datetimeFigureOut">
               <a:rPr lang="hu-HU" smtClean="0"/>
-              <a:t>2023. 05. 28.</a:t>
+              <a:t>2023. 05. 31.</a:t>
             </a:fld>
             <a:endParaRPr lang="hu-HU"/>
           </a:p>
@@ -796,7 +800,7 @@
           <a:p>
             <a:fld id="{FA10541F-FAB3-4D4C-A740-91C12CD871DF}" type="datetimeFigureOut">
               <a:rPr lang="hu-HU" smtClean="0"/>
-              <a:t>2023. 05. 28.</a:t>
+              <a:t>2023. 05. 31.</a:t>
             </a:fld>
             <a:endParaRPr lang="hu-HU"/>
           </a:p>
@@ -1064,7 +1068,7 @@
           <a:p>
             <a:fld id="{FA10541F-FAB3-4D4C-A740-91C12CD871DF}" type="datetimeFigureOut">
               <a:rPr lang="hu-HU" smtClean="0"/>
-              <a:t>2023. 05. 28.</a:t>
+              <a:t>2023. 05. 31.</a:t>
             </a:fld>
             <a:endParaRPr lang="hu-HU"/>
           </a:p>
@@ -1296,7 +1300,7 @@
           <a:p>
             <a:fld id="{FA10541F-FAB3-4D4C-A740-91C12CD871DF}" type="datetimeFigureOut">
               <a:rPr lang="hu-HU" smtClean="0"/>
-              <a:t>2023. 05. 28.</a:t>
+              <a:t>2023. 05. 31.</a:t>
             </a:fld>
             <a:endParaRPr lang="hu-HU"/>
           </a:p>
@@ -1655,7 +1659,7 @@
           <a:p>
             <a:fld id="{FA10541F-FAB3-4D4C-A740-91C12CD871DF}" type="datetimeFigureOut">
               <a:rPr lang="hu-HU" smtClean="0"/>
-              <a:t>2023. 05. 28.</a:t>
+              <a:t>2023. 05. 31.</a:t>
             </a:fld>
             <a:endParaRPr lang="hu-HU"/>
           </a:p>
@@ -1796,7 +1800,7 @@
           <a:p>
             <a:fld id="{FA10541F-FAB3-4D4C-A740-91C12CD871DF}" type="datetimeFigureOut">
               <a:rPr lang="hu-HU" smtClean="0"/>
-              <a:t>2023. 05. 28.</a:t>
+              <a:t>2023. 05. 31.</a:t>
             </a:fld>
             <a:endParaRPr lang="hu-HU"/>
           </a:p>
@@ -1891,7 +1895,7 @@
           <a:p>
             <a:fld id="{FA10541F-FAB3-4D4C-A740-91C12CD871DF}" type="datetimeFigureOut">
               <a:rPr lang="hu-HU" smtClean="0"/>
-              <a:t>2023. 05. 28.</a:t>
+              <a:t>2023. 05. 31.</a:t>
             </a:fld>
             <a:endParaRPr lang="hu-HU"/>
           </a:p>
@@ -2248,7 +2252,7 @@
           <a:p>
             <a:fld id="{FA10541F-FAB3-4D4C-A740-91C12CD871DF}" type="datetimeFigureOut">
               <a:rPr lang="hu-HU" smtClean="0"/>
-              <a:t>2023. 05. 28.</a:t>
+              <a:t>2023. 05. 31.</a:t>
             </a:fld>
             <a:endParaRPr lang="hu-HU"/>
           </a:p>
@@ -2605,7 +2609,7 @@
           <a:p>
             <a:fld id="{FA10541F-FAB3-4D4C-A740-91C12CD871DF}" type="datetimeFigureOut">
               <a:rPr lang="hu-HU" smtClean="0"/>
-              <a:t>2023. 05. 28.</a:t>
+              <a:t>2023. 05. 31.</a:t>
             </a:fld>
             <a:endParaRPr lang="hu-HU"/>
           </a:p>
@@ -2847,7 +2851,7 @@
           <a:p>
             <a:fld id="{FA10541F-FAB3-4D4C-A740-91C12CD871DF}" type="datetimeFigureOut">
               <a:rPr lang="hu-HU" smtClean="0"/>
-              <a:t>2023. 05. 28.</a:t>
+              <a:t>2023. 05. 31.</a:t>
             </a:fld>
             <a:endParaRPr lang="hu-HU"/>
           </a:p>
@@ -3547,6 +3551,71 @@
           </a:p>
         </p:txBody>
       </p:sp>
+      <p:sp>
+        <p:nvSpPr>
+          <p:cNvPr id="3" name="Szövegdoboz 2">
+            <a:extLst>
+              <a:ext uri="{FF2B5EF4-FFF2-40B4-BE49-F238E27FC236}">
+                <a16:creationId xmlns:a16="http://schemas.microsoft.com/office/drawing/2014/main" id="{76236698-465E-89AC-D420-DE3A1EA6DB9A}"/>
+              </a:ext>
+            </a:extLst>
+          </p:cNvPr>
+          <p:cNvSpPr txBox="1"/>
+          <p:nvPr/>
+        </p:nvSpPr>
+        <p:spPr>
+          <a:xfrm>
+            <a:off x="5856190" y="6488668"/>
+            <a:ext cx="479618" cy="369332"/>
+          </a:xfrm>
+          <a:prstGeom prst="rect">
+            <a:avLst/>
+          </a:prstGeom>
+          <a:noFill/>
+        </p:spPr>
+        <p:txBody>
+          <a:bodyPr wrap="none" rtlCol="0">
+            <a:spAutoFit/>
+          </a:bodyPr>
+          <a:lstStyle/>
+          <a:p>
+            <a:r>
+              <a:rPr lang="hu-HU" dirty="0"/>
+              <a:t>1/5</a:t>
+            </a:r>
+          </a:p>
+        </p:txBody>
+      </p:sp>
+      <p:pic>
+        <p:nvPicPr>
+          <p:cNvPr id="9" name="Kép 8" descr="A képen személy, Mobiltelefon, ruházat, kütyü látható&#10;&#10;Automatikusan generált leírás">
+            <a:extLst>
+              <a:ext uri="{FF2B5EF4-FFF2-40B4-BE49-F238E27FC236}">
+                <a16:creationId xmlns:a16="http://schemas.microsoft.com/office/drawing/2014/main" id="{66B993A4-5FAE-2BED-EBA0-217DB8E7AF5F}"/>
+              </a:ext>
+            </a:extLst>
+          </p:cNvPr>
+          <p:cNvPicPr>
+            <a:picLocks noChangeAspect="1"/>
+          </p:cNvPicPr>
+          <p:nvPr/>
+        </p:nvPicPr>
+        <p:blipFill>
+          <a:blip r:embed="rId2"/>
+          <a:stretch>
+            <a:fillRect/>
+          </a:stretch>
+        </p:blipFill>
+        <p:spPr>
+          <a:xfrm>
+            <a:off x="2231136" y="2579581"/>
+            <a:ext cx="4259683" cy="2391707"/>
+          </a:xfrm>
+          <a:prstGeom prst="rect">
+            <a:avLst/>
+          </a:prstGeom>
+        </p:spPr>
+      </p:pic>
       <p:pic>
         <p:nvPicPr>
           <p:cNvPr id="5" name="Tartalom helye 4">
@@ -3564,18 +3633,124 @@
           </p:nvPr>
         </p:nvPicPr>
         <p:blipFill>
-          <a:blip r:embed="rId2"/>
+          <a:blip r:embed="rId3"/>
           <a:stretch>
             <a:fillRect/>
           </a:stretch>
         </p:blipFill>
         <p:spPr>
           <a:xfrm>
-            <a:off x="2955718" y="2652386"/>
-            <a:ext cx="6280563" cy="3593783"/>
+            <a:off x="5781072" y="4039049"/>
+            <a:ext cx="4179792" cy="2391707"/>
           </a:xfrm>
         </p:spPr>
       </p:pic>
+      <p:cxnSp>
+        <p:nvCxnSpPr>
+          <p:cNvPr id="11" name="Görbe összekötő 10">
+            <a:extLst>
+              <a:ext uri="{FF2B5EF4-FFF2-40B4-BE49-F238E27FC236}">
+                <a16:creationId xmlns:a16="http://schemas.microsoft.com/office/drawing/2014/main" id="{1EC9E0C5-A649-A184-7898-4098608AD339}"/>
+              </a:ext>
+            </a:extLst>
+          </p:cNvPr>
+          <p:cNvCxnSpPr>
+            <a:cxnSpLocks/>
+            <a:stCxn id="9" idx="2"/>
+            <a:endCxn id="5" idx="0"/>
+          </p:cNvCxnSpPr>
+          <p:nvPr/>
+        </p:nvCxnSpPr>
+        <p:spPr>
+          <a:xfrm rot="5400000" flipH="1" flipV="1">
+            <a:off x="5649853" y="2750174"/>
+            <a:ext cx="932239" cy="3509990"/>
+          </a:xfrm>
+          <a:prstGeom prst="curvedConnector5">
+            <a:avLst>
+              <a:gd name="adj1" fmla="val -24522"/>
+              <a:gd name="adj2" fmla="val 38511"/>
+              <a:gd name="adj3" fmla="val 124522"/>
+            </a:avLst>
+          </a:prstGeom>
+          <a:ln w="57150">
+            <a:tailEnd type="triangle"/>
+          </a:ln>
+        </p:spPr>
+        <p:style>
+          <a:lnRef idx="1">
+            <a:schemeClr val="accent1"/>
+          </a:lnRef>
+          <a:fillRef idx="0">
+            <a:schemeClr val="accent1"/>
+          </a:fillRef>
+          <a:effectRef idx="0">
+            <a:schemeClr val="accent1"/>
+          </a:effectRef>
+          <a:fontRef idx="minor">
+            <a:schemeClr val="tx1"/>
+          </a:fontRef>
+        </p:style>
+      </p:cxnSp>
+      <p:sp>
+        <p:nvSpPr>
+          <p:cNvPr id="39" name="Szövegdoboz 38">
+            <a:extLst>
+              <a:ext uri="{FF2B5EF4-FFF2-40B4-BE49-F238E27FC236}">
+                <a16:creationId xmlns:a16="http://schemas.microsoft.com/office/drawing/2014/main" id="{13A06117-F649-A08C-0BDD-B61A7125FD7A}"/>
+              </a:ext>
+            </a:extLst>
+          </p:cNvPr>
+          <p:cNvSpPr txBox="1"/>
+          <p:nvPr/>
+        </p:nvSpPr>
+        <p:spPr>
+          <a:xfrm>
+            <a:off x="6844084" y="3244334"/>
+            <a:ext cx="1959191" cy="369332"/>
+          </a:xfrm>
+          <a:prstGeom prst="rect">
+            <a:avLst/>
+          </a:prstGeom>
+          <a:noFill/>
+        </p:spPr>
+        <p:txBody>
+          <a:bodyPr wrap="none" rtlCol="0">
+            <a:spAutoFit/>
+          </a:bodyPr>
+          <a:lstStyle/>
+          <a:p>
+            <a:r>
+              <a:rPr lang="hu-HU" dirty="0"/>
+              <a:t>The </a:t>
+            </a:r>
+            <a:r>
+              <a:rPr lang="hu-HU" dirty="0" err="1"/>
+              <a:t>next</a:t>
+            </a:r>
+            <a:r>
+              <a:rPr lang="hu-HU" dirty="0"/>
+              <a:t> </a:t>
+            </a:r>
+            <a:r>
+              <a:rPr lang="hu-HU" dirty="0" err="1"/>
+              <a:t>big</a:t>
+            </a:r>
+            <a:r>
+              <a:rPr lang="hu-HU" dirty="0"/>
+              <a:t> </a:t>
+            </a:r>
+            <a:r>
+              <a:rPr lang="hu-HU" dirty="0" err="1"/>
+              <a:t>thing</a:t>
+            </a:r>
+            <a:r>
+              <a:rPr lang="hu-HU" dirty="0"/>
+              <a:t>?</a:t>
+            </a:r>
+          </a:p>
+        </p:txBody>
+      </p:sp>
     </p:spTree>
     <p:extLst>
       <p:ext uri="{BB962C8B-B14F-4D97-AF65-F5344CB8AC3E}">
@@ -3643,219 +3818,395 @@
           </a:p>
         </p:txBody>
       </p:sp>
-      <p:pic>
-        <p:nvPicPr>
-          <p:cNvPr id="5" name="Kép 4">
+      <p:sp>
+        <p:nvSpPr>
+          <p:cNvPr id="3" name="Szövegdoboz 2">
             <a:extLst>
               <a:ext uri="{FF2B5EF4-FFF2-40B4-BE49-F238E27FC236}">
-                <a16:creationId xmlns:a16="http://schemas.microsoft.com/office/drawing/2014/main" id="{C5A9764B-DC28-AD13-33DB-75EDBF35A9BC}"/>
+                <a16:creationId xmlns:a16="http://schemas.microsoft.com/office/drawing/2014/main" id="{6C94ACAB-F190-A7A6-DEB8-57468F150DBC}"/>
               </a:ext>
             </a:extLst>
           </p:cNvPr>
-          <p:cNvPicPr>
-            <a:picLocks noChangeAspect="1"/>
-          </p:cNvPicPr>
+          <p:cNvSpPr txBox="1"/>
           <p:nvPr/>
-        </p:nvPicPr>
-        <p:blipFill rotWithShape="1">
-          <a:blip r:embed="rId2">
-            <a:extLst>
-              <a:ext uri="{BEBA8EAE-BF5A-486C-A8C5-ECC9F3942E4B}">
-                <a14:imgProps xmlns:a14="http://schemas.microsoft.com/office/drawing/2010/main">
-                  <a14:imgLayer r:embed="rId3">
-                    <a14:imgEffect>
-                      <a14:backgroundRemoval t="9037" b="89926" l="10000" r="90000">
-                        <a14:foregroundMark x1="29333" y1="86667" x2="29333" y2="86667"/>
-                        <a14:foregroundMark x1="36250" y1="80889" x2="36250" y2="80889"/>
-                        <a14:foregroundMark x1="37333" y1="77185" x2="37333" y2="77185"/>
-                        <a14:foregroundMark x1="42667" y1="74370" x2="42667" y2="74370"/>
-                        <a14:foregroundMark x1="48500" y1="77630" x2="48500" y2="77630"/>
-                        <a14:foregroundMark x1="37083" y1="69037" x2="37083" y2="69037"/>
-                        <a14:foregroundMark x1="58083" y1="78519" x2="58083" y2="78519"/>
-                        <a14:foregroundMark x1="73250" y1="78519" x2="73250" y2="78519"/>
-                        <a14:foregroundMark x1="49583" y1="10519" x2="49583" y2="10519"/>
-                        <a14:foregroundMark x1="49583" y1="9037" x2="49583" y2="9037"/>
-                      </a14:backgroundRemoval>
-                    </a14:imgEffect>
-                  </a14:imgLayer>
-                </a14:imgProps>
-              </a:ext>
-            </a:extLst>
-          </a:blip>
-          <a:srcRect l="21951" r="20752"/>
-          <a:stretch/>
-        </p:blipFill>
+        </p:nvSpPr>
         <p:spPr>
           <a:xfrm>
-            <a:off x="7607526" y="2411518"/>
-            <a:ext cx="2073897" cy="2034963"/>
+            <a:off x="5856190" y="6488668"/>
+            <a:ext cx="479618" cy="369332"/>
           </a:xfrm>
           <a:prstGeom prst="rect">
             <a:avLst/>
           </a:prstGeom>
+          <a:noFill/>
         </p:spPr>
-      </p:pic>
-      <p:pic>
-        <p:nvPicPr>
-          <p:cNvPr id="7" name="Kép 6">
+        <p:txBody>
+          <a:bodyPr wrap="none" rtlCol="0">
+            <a:spAutoFit/>
+          </a:bodyPr>
+          <a:lstStyle/>
+          <a:p>
+            <a:r>
+              <a:rPr lang="hu-HU" dirty="0"/>
+              <a:t>2/5</a:t>
+            </a:r>
+          </a:p>
+        </p:txBody>
+      </p:sp>
+      <p:grpSp>
+        <p:nvGrpSpPr>
+          <p:cNvPr id="8" name="Csoportba foglalás 7">
             <a:extLst>
               <a:ext uri="{FF2B5EF4-FFF2-40B4-BE49-F238E27FC236}">
-                <a16:creationId xmlns:a16="http://schemas.microsoft.com/office/drawing/2014/main" id="{5EF74E51-22F5-C419-D4CC-F13F6C54C535}"/>
+                <a16:creationId xmlns:a16="http://schemas.microsoft.com/office/drawing/2014/main" id="{CF881070-3906-1EF6-2D8F-347F08A3E463}"/>
               </a:ext>
             </a:extLst>
           </p:cNvPr>
-          <p:cNvPicPr>
-            <a:picLocks noChangeAspect="1"/>
-          </p:cNvPicPr>
+          <p:cNvGrpSpPr/>
           <p:nvPr/>
-        </p:nvPicPr>
-        <p:blipFill>
-          <a:blip r:embed="rId4">
+        </p:nvGrpSpPr>
+        <p:grpSpPr>
+          <a:xfrm>
+            <a:off x="2798441" y="2354734"/>
+            <a:ext cx="6595116" cy="3932611"/>
+            <a:chOff x="2231136" y="2278805"/>
+            <a:chExt cx="6595116" cy="3932611"/>
+          </a:xfrm>
+        </p:grpSpPr>
+        <p:pic>
+          <p:nvPicPr>
+            <p:cNvPr id="9" name="Kép 8">
+              <a:extLst>
+                <a:ext uri="{FF2B5EF4-FFF2-40B4-BE49-F238E27FC236}">
+                  <a16:creationId xmlns:a16="http://schemas.microsoft.com/office/drawing/2014/main" id="{D7551E7F-50D5-7692-BBF6-28F113694B8E}"/>
+                </a:ext>
+              </a:extLst>
+            </p:cNvPr>
+            <p:cNvPicPr>
+              <a:picLocks noChangeAspect="1"/>
+            </p:cNvPicPr>
+            <p:nvPr/>
+          </p:nvPicPr>
+          <p:blipFill>
+            <a:blip r:embed="rId2"/>
+            <a:stretch>
+              <a:fillRect/>
+            </a:stretch>
+          </p:blipFill>
+          <p:spPr>
+            <a:xfrm>
+              <a:off x="2231136" y="3469446"/>
+              <a:ext cx="1736889" cy="1736889"/>
+            </a:xfrm>
+            <a:prstGeom prst="rect">
+              <a:avLst/>
+            </a:prstGeom>
+          </p:spPr>
+        </p:pic>
+        <p:pic>
+          <p:nvPicPr>
+            <p:cNvPr id="11" name="Kép 10">
+              <a:extLst>
+                <a:ext uri="{FF2B5EF4-FFF2-40B4-BE49-F238E27FC236}">
+                  <a16:creationId xmlns:a16="http://schemas.microsoft.com/office/drawing/2014/main" id="{A0AF0662-FD30-68E8-2D07-B2B803FEF8DD}"/>
+                </a:ext>
+              </a:extLst>
+            </p:cNvPr>
+            <p:cNvPicPr>
+              <a:picLocks noChangeAspect="1"/>
+            </p:cNvPicPr>
+            <p:nvPr/>
+          </p:nvPicPr>
+          <p:blipFill rotWithShape="1">
+            <a:blip r:embed="rId3">
+              <a:extLst>
+                <a:ext uri="{BEBA8EAE-BF5A-486C-A8C5-ECC9F3942E4B}">
+                  <a14:imgProps xmlns:a14="http://schemas.microsoft.com/office/drawing/2010/main">
+                    <a14:imgLayer r:embed="rId4">
+                      <a14:imgEffect>
+                        <a14:backgroundRemoval t="10000" b="90000" l="10000" r="90000"/>
+                      </a14:imgEffect>
+                    </a14:imgLayer>
+                  </a14:imgProps>
+                </a:ext>
+              </a:extLst>
+            </a:blip>
+            <a:srcRect l="28105" r="28548" b="7717"/>
+            <a:stretch/>
+          </p:blipFill>
+          <p:spPr>
+            <a:xfrm>
+              <a:off x="3968025" y="4201254"/>
+              <a:ext cx="1888377" cy="2010162"/>
+            </a:xfrm>
+            <a:prstGeom prst="rect">
+              <a:avLst/>
+            </a:prstGeom>
+          </p:spPr>
+        </p:pic>
+        <p:pic>
+          <p:nvPicPr>
+            <p:cNvPr id="13" name="Kép 12">
+              <a:extLst>
+                <a:ext uri="{FF2B5EF4-FFF2-40B4-BE49-F238E27FC236}">
+                  <a16:creationId xmlns:a16="http://schemas.microsoft.com/office/drawing/2014/main" id="{AF586A74-8FF3-0788-E44D-50B05E2D415C}"/>
+                </a:ext>
+              </a:extLst>
+            </p:cNvPr>
+            <p:cNvPicPr>
+              <a:picLocks noChangeAspect="1"/>
+            </p:cNvPicPr>
+            <p:nvPr/>
+          </p:nvPicPr>
+          <p:blipFill rotWithShape="1">
+            <a:blip r:embed="rId5">
+              <a:extLst>
+                <a:ext uri="{BEBA8EAE-BF5A-486C-A8C5-ECC9F3942E4B}">
+                  <a14:imgProps xmlns:a14="http://schemas.microsoft.com/office/drawing/2010/main">
+                    <a14:imgLayer r:embed="rId6">
+                      <a14:imgEffect>
+                        <a14:backgroundRemoval t="10000" b="90000" l="10000" r="90000"/>
+                      </a14:imgEffect>
+                    </a14:imgLayer>
+                  </a14:imgProps>
+                </a:ext>
+              </a:extLst>
+            </a:blip>
+            <a:srcRect l="26204" r="27941"/>
+            <a:stretch/>
+          </p:blipFill>
+          <p:spPr>
+            <a:xfrm>
+              <a:off x="3926814" y="2278805"/>
+              <a:ext cx="1888377" cy="2059085"/>
+            </a:xfrm>
+            <a:prstGeom prst="rect">
+              <a:avLst/>
+            </a:prstGeom>
+          </p:spPr>
+        </p:pic>
+        <p:pic>
+          <p:nvPicPr>
+            <p:cNvPr id="6" name="Kép 5" descr="A képen Betűtípus, Grafika, embléma, szöveg látható&#10;&#10;Automatikusan generált leírás">
+              <a:extLst>
+                <a:ext uri="{FF2B5EF4-FFF2-40B4-BE49-F238E27FC236}">
+                  <a16:creationId xmlns:a16="http://schemas.microsoft.com/office/drawing/2014/main" id="{D04F0FE8-8A69-0D56-7B61-B939471BF775}"/>
+                </a:ext>
+              </a:extLst>
+            </p:cNvPr>
+            <p:cNvPicPr>
+              <a:picLocks noChangeAspect="1"/>
+            </p:cNvPicPr>
+            <p:nvPr/>
+          </p:nvPicPr>
+          <p:blipFill>
+            <a:blip r:embed="rId7">
+              <a:extLst>
+                <a:ext uri="{BEBA8EAE-BF5A-486C-A8C5-ECC9F3942E4B}">
+                  <a14:imgProps xmlns:a14="http://schemas.microsoft.com/office/drawing/2010/main">
+                    <a14:imgLayer r:embed="rId8">
+                      <a14:imgEffect>
+                        <a14:backgroundRemoval t="2941" b="97059" l="270" r="97844">
+                          <a14:foregroundMark x1="5660" y1="53676" x2="5660" y2="53676"/>
+                          <a14:foregroundMark x1="36927" y1="33088" x2="36927" y2="33088"/>
+                          <a14:foregroundMark x1="52291" y1="43382" x2="52291" y2="43382"/>
+                          <a14:foregroundMark x1="71968" y1="49265" x2="71968" y2="49265"/>
+                          <a14:foregroundMark x1="90027" y1="30147" x2="90027" y2="30147"/>
+                          <a14:foregroundMark x1="88949" y1="52206" x2="88949" y2="52206"/>
+                          <a14:foregroundMark x1="91644" y1="24265" x2="91644" y2="24265"/>
+                          <a14:foregroundMark x1="539" y1="23529" x2="539" y2="23529"/>
+                          <a14:foregroundMark x1="94609" y1="13235" x2="94609" y2="13235"/>
+                          <a14:foregroundMark x1="86523" y1="87500" x2="86523" y2="87500"/>
+                          <a14:foregroundMark x1="86253" y1="82353" x2="86253" y2="82353"/>
+                          <a14:foregroundMark x1="88410" y1="88971" x2="88410" y2="88971"/>
+                          <a14:foregroundMark x1="86792" y1="94853" x2="86792" y2="94853"/>
+                          <a14:foregroundMark x1="78167" y1="88235" x2="78167" y2="88235"/>
+                          <a14:foregroundMark x1="78167" y1="88235" x2="78167" y2="88235"/>
+                          <a14:foregroundMark x1="78976" y1="92647" x2="78976" y2="92647"/>
+                          <a14:foregroundMark x1="38005" y1="81618" x2="38005" y2="81618"/>
+                          <a14:foregroundMark x1="38005" y1="72059" x2="38005" y2="72059"/>
+                          <a14:foregroundMark x1="43396" y1="71324" x2="43396" y2="71324"/>
+                          <a14:foregroundMark x1="44205" y1="84559" x2="44205" y2="84559"/>
+                          <a14:foregroundMark x1="44205" y1="71324" x2="44205" y2="71324"/>
+                          <a14:foregroundMark x1="48518" y1="88235" x2="48518" y2="88235"/>
+                          <a14:foregroundMark x1="48518" y1="84559" x2="48518" y2="84559"/>
+                          <a14:foregroundMark x1="53369" y1="83824" x2="53369" y2="83824"/>
+                          <a14:foregroundMark x1="57412" y1="88235" x2="57412" y2="88235"/>
+                          <a14:foregroundMark x1="63881" y1="88235" x2="63881" y2="88235"/>
+                          <a14:foregroundMark x1="63881" y1="88235" x2="63881" y2="88235"/>
+                          <a14:foregroundMark x1="60108" y1="97059" x2="60108" y2="97059"/>
+                          <a14:foregroundMark x1="60108" y1="80882" x2="60108" y2="80882"/>
+                          <a14:foregroundMark x1="69003" y1="86029" x2="69003" y2="86029"/>
+                          <a14:foregroundMark x1="73315" y1="81618" x2="73315" y2="81618"/>
+                          <a14:foregroundMark x1="97844" y1="5882" x2="97844" y2="5882"/>
+                          <a14:foregroundMark x1="53639" y1="80882" x2="53639" y2="80882"/>
+                          <a14:foregroundMark x1="37197" y1="2941" x2="37197" y2="2941"/>
+                          <a14:foregroundMark x1="23450" y1="26471" x2="23450" y2="26471"/>
+                        </a14:backgroundRemoval>
+                      </a14:imgEffect>
+                    </a14:imgLayer>
+                  </a14:imgProps>
+                </a:ext>
+              </a:extLst>
+            </a:blip>
+            <a:stretch>
+              <a:fillRect/>
+            </a:stretch>
+          </p:blipFill>
+          <p:spPr>
+            <a:xfrm>
+              <a:off x="5804454" y="3782532"/>
+              <a:ext cx="3021798" cy="1110715"/>
+            </a:xfrm>
+            <a:prstGeom prst="rect">
+              <a:avLst/>
+            </a:prstGeom>
+          </p:spPr>
+        </p:pic>
+      </p:grpSp>
+      <p:sp>
+        <p:nvSpPr>
+          <p:cNvPr id="10" name="Szövegdoboz 9">
             <a:extLst>
-              <a:ext uri="{BEBA8EAE-BF5A-486C-A8C5-ECC9F3942E4B}">
-                <a14:imgProps xmlns:a14="http://schemas.microsoft.com/office/drawing/2010/main">
-                  <a14:imgLayer r:embed="rId5">
-                    <a14:imgEffect>
-                      <a14:backgroundRemoval t="9655" b="89655" l="7759" r="89943">
-                        <a14:foregroundMark x1="7759" y1="27586" x2="7759" y2="27586"/>
-                        <a14:foregroundMark x1="25000" y1="31724" x2="25000" y2="31724"/>
-                        <a14:foregroundMark x1="21552" y1="37931" x2="21552" y2="37931"/>
-                        <a14:foregroundMark x1="69828" y1="86207" x2="69828" y2="86207"/>
-                        <a14:foregroundMark x1="21839" y1="55172" x2="21839" y2="55172"/>
-                        <a14:foregroundMark x1="18103" y1="30345" x2="18103" y2="30345"/>
-                      </a14:backgroundRemoval>
-                    </a14:imgEffect>
-                  </a14:imgLayer>
-                </a14:imgProps>
+              <a:ext uri="{FF2B5EF4-FFF2-40B4-BE49-F238E27FC236}">
+                <a16:creationId xmlns:a16="http://schemas.microsoft.com/office/drawing/2014/main" id="{8B100A31-A252-50D7-4719-AE2C5730D309}"/>
               </a:ext>
             </a:extLst>
-          </a:blip>
-          <a:stretch>
-            <a:fillRect/>
-          </a:stretch>
-        </p:blipFill>
+          </p:cNvPr>
+          <p:cNvSpPr txBox="1"/>
+          <p:nvPr/>
+        </p:nvSpPr>
         <p:spPr>
           <a:xfrm>
-            <a:off x="7607526" y="5368746"/>
-            <a:ext cx="2535382" cy="1049123"/>
+            <a:off x="3234716" y="5282264"/>
+            <a:ext cx="864339" cy="369332"/>
           </a:xfrm>
           <a:prstGeom prst="rect">
             <a:avLst/>
           </a:prstGeom>
+          <a:noFill/>
         </p:spPr>
-      </p:pic>
-      <p:pic>
-        <p:nvPicPr>
-          <p:cNvPr id="9" name="Kép 8">
+        <p:txBody>
+          <a:bodyPr wrap="none" rtlCol="0">
+            <a:spAutoFit/>
+          </a:bodyPr>
+          <a:lstStyle/>
+          <a:p>
+            <a:r>
+              <a:rPr lang="hu-HU" dirty="0" err="1"/>
+              <a:t>SwiftUI</a:t>
+            </a:r>
+            <a:endParaRPr lang="hu-HU" dirty="0"/>
+          </a:p>
+        </p:txBody>
+      </p:sp>
+      <p:sp>
+        <p:nvSpPr>
+          <p:cNvPr id="12" name="Szövegdoboz 11">
             <a:extLst>
               <a:ext uri="{FF2B5EF4-FFF2-40B4-BE49-F238E27FC236}">
-                <a16:creationId xmlns:a16="http://schemas.microsoft.com/office/drawing/2014/main" id="{D7551E7F-50D5-7692-BBF6-28F113694B8E}"/>
+                <a16:creationId xmlns:a16="http://schemas.microsoft.com/office/drawing/2014/main" id="{5A37E9CF-D946-7968-0BDD-E7D70763C843}"/>
               </a:ext>
             </a:extLst>
           </p:cNvPr>
-          <p:cNvPicPr>
-            <a:picLocks noChangeAspect="1"/>
-          </p:cNvPicPr>
+          <p:cNvSpPr txBox="1"/>
           <p:nvPr/>
-        </p:nvPicPr>
-        <p:blipFill>
-          <a:blip r:embed="rId6"/>
-          <a:stretch>
-            <a:fillRect/>
-          </a:stretch>
-        </p:blipFill>
+        </p:nvSpPr>
         <p:spPr>
           <a:xfrm>
-            <a:off x="5098772" y="3568701"/>
-            <a:ext cx="1736889" cy="1736889"/>
+            <a:off x="4933535" y="6203341"/>
+            <a:ext cx="1091966" cy="369332"/>
           </a:xfrm>
           <a:prstGeom prst="rect">
             <a:avLst/>
           </a:prstGeom>
+          <a:noFill/>
         </p:spPr>
-      </p:pic>
-      <p:pic>
-        <p:nvPicPr>
-          <p:cNvPr id="11" name="Kép 10">
+        <p:txBody>
+          <a:bodyPr wrap="none" rtlCol="0">
+            <a:spAutoFit/>
+          </a:bodyPr>
+          <a:lstStyle/>
+          <a:p>
+            <a:r>
+              <a:rPr lang="hu-HU" dirty="0" err="1"/>
+              <a:t>RealityKit</a:t>
+            </a:r>
+            <a:endParaRPr lang="hu-HU" dirty="0"/>
+          </a:p>
+        </p:txBody>
+      </p:sp>
+      <p:sp>
+        <p:nvSpPr>
+          <p:cNvPr id="14" name="Szövegdoboz 13">
             <a:extLst>
               <a:ext uri="{FF2B5EF4-FFF2-40B4-BE49-F238E27FC236}">
-                <a16:creationId xmlns:a16="http://schemas.microsoft.com/office/drawing/2014/main" id="{A0AF0662-FD30-68E8-2D07-B2B803FEF8DD}"/>
+                <a16:creationId xmlns:a16="http://schemas.microsoft.com/office/drawing/2014/main" id="{D2987FB7-9FC9-A420-2ED2-1D9DCF798617}"/>
               </a:ext>
             </a:extLst>
           </p:cNvPr>
-          <p:cNvPicPr>
-            <a:picLocks noChangeAspect="1"/>
-          </p:cNvPicPr>
+          <p:cNvSpPr txBox="1"/>
           <p:nvPr/>
-        </p:nvPicPr>
-        <p:blipFill rotWithShape="1">
-          <a:blip r:embed="rId7">
-            <a:extLst>
-              <a:ext uri="{BEBA8EAE-BF5A-486C-A8C5-ECC9F3942E4B}">
-                <a14:imgProps xmlns:a14="http://schemas.microsoft.com/office/drawing/2010/main">
-                  <a14:imgLayer r:embed="rId8">
-                    <a14:imgEffect>
-                      <a14:backgroundRemoval t="10000" b="90000" l="10000" r="90000"/>
-                    </a14:imgEffect>
-                  </a14:imgLayer>
-                </a14:imgProps>
-              </a:ext>
-            </a:extLst>
-          </a:blip>
-          <a:srcRect l="28105" r="28548" b="7717"/>
-          <a:stretch/>
-        </p:blipFill>
+        </p:nvSpPr>
         <p:spPr>
           <a:xfrm>
-            <a:off x="2231136" y="4598244"/>
-            <a:ext cx="1888377" cy="2010162"/>
+            <a:off x="5059838" y="4130540"/>
+            <a:ext cx="756938" cy="369332"/>
           </a:xfrm>
           <a:prstGeom prst="rect">
             <a:avLst/>
           </a:prstGeom>
+          <a:noFill/>
         </p:spPr>
-      </p:pic>
-      <p:pic>
-        <p:nvPicPr>
-          <p:cNvPr id="13" name="Kép 12">
+        <p:txBody>
+          <a:bodyPr wrap="none" rtlCol="0">
+            <a:spAutoFit/>
+          </a:bodyPr>
+          <a:lstStyle/>
+          <a:p>
+            <a:r>
+              <a:rPr lang="hu-HU" dirty="0" err="1"/>
+              <a:t>ARKit</a:t>
+            </a:r>
+            <a:endParaRPr lang="hu-HU" dirty="0"/>
+          </a:p>
+        </p:txBody>
+      </p:sp>
+      <p:sp>
+        <p:nvSpPr>
+          <p:cNvPr id="15" name="Szövegdoboz 14">
             <a:extLst>
               <a:ext uri="{FF2B5EF4-FFF2-40B4-BE49-F238E27FC236}">
-                <a16:creationId xmlns:a16="http://schemas.microsoft.com/office/drawing/2014/main" id="{AF586A74-8FF3-0788-E44D-50B05E2D415C}"/>
+                <a16:creationId xmlns:a16="http://schemas.microsoft.com/office/drawing/2014/main" id="{6202F632-F0FD-4029-E65B-A44BE93024D8}"/>
               </a:ext>
             </a:extLst>
           </p:cNvPr>
-          <p:cNvPicPr>
-            <a:picLocks noChangeAspect="1"/>
-          </p:cNvPicPr>
+          <p:cNvSpPr txBox="1"/>
           <p:nvPr/>
-        </p:nvPicPr>
-        <p:blipFill rotWithShape="1">
-          <a:blip r:embed="rId9">
-            <a:extLst>
-              <a:ext uri="{BEBA8EAE-BF5A-486C-A8C5-ECC9F3942E4B}">
-                <a14:imgProps xmlns:a14="http://schemas.microsoft.com/office/drawing/2010/main">
-                  <a14:imgLayer r:embed="rId10">
-                    <a14:imgEffect>
-                      <a14:backgroundRemoval t="10000" b="90000" l="10000" r="90000"/>
-                    </a14:imgEffect>
-                  </a14:imgLayer>
-                </a14:imgProps>
-              </a:ext>
-            </a:extLst>
-          </a:blip>
-          <a:srcRect l="26204" r="27941"/>
-          <a:stretch/>
-        </p:blipFill>
+        </p:nvSpPr>
         <p:spPr>
           <a:xfrm>
-            <a:off x="2231136" y="2539159"/>
-            <a:ext cx="1888377" cy="2059085"/>
+            <a:off x="7355430" y="5282264"/>
+            <a:ext cx="1054456" cy="369332"/>
           </a:xfrm>
           <a:prstGeom prst="rect">
             <a:avLst/>
           </a:prstGeom>
+          <a:noFill/>
         </p:spPr>
-      </p:pic>
+        <p:txBody>
+          <a:bodyPr wrap="none" rtlCol="0">
+            <a:spAutoFit/>
+          </a:bodyPr>
+          <a:lstStyle/>
+          <a:p>
+            <a:r>
+              <a:rPr lang="hu-HU" dirty="0"/>
+              <a:t>REST API</a:t>
+            </a:r>
+          </a:p>
+        </p:txBody>
+      </p:sp>
     </p:spTree>
     <p:extLst>
       <p:ext uri="{BB962C8B-B14F-4D97-AF65-F5344CB8AC3E}">
@@ -3975,6 +4326,41 @@
           </a:prstGeom>
         </p:spPr>
       </p:pic>
+      <p:sp>
+        <p:nvSpPr>
+          <p:cNvPr id="3" name="Szövegdoboz 2">
+            <a:extLst>
+              <a:ext uri="{FF2B5EF4-FFF2-40B4-BE49-F238E27FC236}">
+                <a16:creationId xmlns:a16="http://schemas.microsoft.com/office/drawing/2014/main" id="{939372BD-274D-C94E-B4AE-72560807564D}"/>
+              </a:ext>
+            </a:extLst>
+          </p:cNvPr>
+          <p:cNvSpPr txBox="1"/>
+          <p:nvPr/>
+        </p:nvSpPr>
+        <p:spPr>
+          <a:xfrm>
+            <a:off x="5856190" y="6488668"/>
+            <a:ext cx="479618" cy="369332"/>
+          </a:xfrm>
+          <a:prstGeom prst="rect">
+            <a:avLst/>
+          </a:prstGeom>
+          <a:noFill/>
+        </p:spPr>
+        <p:txBody>
+          <a:bodyPr wrap="none" rtlCol="0">
+            <a:spAutoFit/>
+          </a:bodyPr>
+          <a:lstStyle/>
+          <a:p>
+            <a:r>
+              <a:rPr lang="hu-HU" dirty="0"/>
+              <a:t>3/5</a:t>
+            </a:r>
+          </a:p>
+        </p:txBody>
+      </p:sp>
     </p:spTree>
     <p:extLst>
       <p:ext uri="{BB962C8B-B14F-4D97-AF65-F5344CB8AC3E}">
@@ -4131,6 +4517,41 @@
           </a:prstGeom>
         </p:spPr>
       </p:pic>
+      <p:sp>
+        <p:nvSpPr>
+          <p:cNvPr id="3" name="Szövegdoboz 2">
+            <a:extLst>
+              <a:ext uri="{FF2B5EF4-FFF2-40B4-BE49-F238E27FC236}">
+                <a16:creationId xmlns:a16="http://schemas.microsoft.com/office/drawing/2014/main" id="{5283C85E-F0D4-48A2-0E3B-09D4A1E12FEB}"/>
+              </a:ext>
+            </a:extLst>
+          </p:cNvPr>
+          <p:cNvSpPr txBox="1"/>
+          <p:nvPr/>
+        </p:nvSpPr>
+        <p:spPr>
+          <a:xfrm>
+            <a:off x="5856190" y="6488668"/>
+            <a:ext cx="479618" cy="369332"/>
+          </a:xfrm>
+          <a:prstGeom prst="rect">
+            <a:avLst/>
+          </a:prstGeom>
+          <a:noFill/>
+        </p:spPr>
+        <p:txBody>
+          <a:bodyPr wrap="none" rtlCol="0">
+            <a:spAutoFit/>
+          </a:bodyPr>
+          <a:lstStyle/>
+          <a:p>
+            <a:r>
+              <a:rPr lang="hu-HU" dirty="0"/>
+              <a:t>4/5</a:t>
+            </a:r>
+          </a:p>
+        </p:txBody>
+      </p:sp>
     </p:spTree>
     <p:extLst>
       <p:ext uri="{BB962C8B-B14F-4D97-AF65-F5344CB8AC3E}">
@@ -4337,6 +4758,112 @@
           </a:prstGeom>
         </p:spPr>
       </p:pic>
+      <p:sp>
+        <p:nvSpPr>
+          <p:cNvPr id="3" name="Szövegdoboz 2">
+            <a:extLst>
+              <a:ext uri="{FF2B5EF4-FFF2-40B4-BE49-F238E27FC236}">
+                <a16:creationId xmlns:a16="http://schemas.microsoft.com/office/drawing/2014/main" id="{87863280-4116-D432-19A9-BA3F312762B9}"/>
+              </a:ext>
+            </a:extLst>
+          </p:cNvPr>
+          <p:cNvSpPr txBox="1"/>
+          <p:nvPr/>
+        </p:nvSpPr>
+        <p:spPr>
+          <a:xfrm>
+            <a:off x="5856190" y="6488668"/>
+            <a:ext cx="479618" cy="369332"/>
+          </a:xfrm>
+          <a:prstGeom prst="rect">
+            <a:avLst/>
+          </a:prstGeom>
+          <a:noFill/>
+        </p:spPr>
+        <p:txBody>
+          <a:bodyPr wrap="none" rtlCol="0">
+            <a:spAutoFit/>
+          </a:bodyPr>
+          <a:lstStyle/>
+          <a:p>
+            <a:r>
+              <a:rPr lang="hu-HU" dirty="0"/>
+              <a:t>5/5</a:t>
+            </a:r>
+          </a:p>
+        </p:txBody>
+      </p:sp>
+      <p:sp>
+        <p:nvSpPr>
+          <p:cNvPr id="4" name="Szövegdoboz 3">
+            <a:extLst>
+              <a:ext uri="{FF2B5EF4-FFF2-40B4-BE49-F238E27FC236}">
+                <a16:creationId xmlns:a16="http://schemas.microsoft.com/office/drawing/2014/main" id="{B6F1DB81-13BE-56C1-EE44-3621029B7C2A}"/>
+              </a:ext>
+            </a:extLst>
+          </p:cNvPr>
+          <p:cNvSpPr txBox="1"/>
+          <p:nvPr/>
+        </p:nvSpPr>
+        <p:spPr>
+          <a:xfrm>
+            <a:off x="3431567" y="5853225"/>
+            <a:ext cx="5328866" cy="584775"/>
+          </a:xfrm>
+          <a:prstGeom prst="rect">
+            <a:avLst/>
+          </a:prstGeom>
+          <a:noFill/>
+        </p:spPr>
+        <p:txBody>
+          <a:bodyPr wrap="square" rtlCol="0">
+            <a:spAutoFit/>
+          </a:bodyPr>
+          <a:lstStyle/>
+          <a:p>
+            <a:r>
+              <a:rPr lang="hu-HU" sz="3200" dirty="0" err="1"/>
+              <a:t>Thank</a:t>
+            </a:r>
+            <a:r>
+              <a:rPr lang="hu-HU" sz="3200" dirty="0"/>
+              <a:t> </a:t>
+            </a:r>
+            <a:r>
+              <a:rPr lang="hu-HU" sz="3200" dirty="0" err="1"/>
+              <a:t>you</a:t>
+            </a:r>
+            <a:r>
+              <a:rPr lang="hu-HU" sz="3200" dirty="0"/>
+              <a:t> </a:t>
+            </a:r>
+            <a:r>
+              <a:rPr lang="hu-HU" sz="3200" dirty="0" err="1"/>
+              <a:t>for</a:t>
+            </a:r>
+            <a:r>
+              <a:rPr lang="hu-HU" sz="3200" dirty="0"/>
+              <a:t> </a:t>
+            </a:r>
+            <a:r>
+              <a:rPr lang="hu-HU" sz="3200" dirty="0" err="1"/>
+              <a:t>your</a:t>
+            </a:r>
+            <a:r>
+              <a:rPr lang="hu-HU" sz="3200" dirty="0"/>
+              <a:t> </a:t>
+            </a:r>
+            <a:r>
+              <a:rPr lang="hu-HU" sz="3200" dirty="0" err="1"/>
+              <a:t>attention</a:t>
+            </a:r>
+            <a:r>
+              <a:rPr lang="hu-HU" sz="3200" dirty="0"/>
+              <a:t>!</a:t>
+            </a:r>
+          </a:p>
+        </p:txBody>
+      </p:sp>
     </p:spTree>
     <p:extLst>
       <p:ext uri="{BB962C8B-B14F-4D97-AF65-F5344CB8AC3E}">
@@ -4347,174 +4874,130 @@
   <p:clrMapOvr>
     <a:masterClrMapping/>
   </p:clrMapOvr>
-</p:sld>
-</file>
-
-<file path=ppt/slides/slide7.xml><?xml version="1.0" encoding="utf-8"?>
-<p:sld xmlns:a="http://schemas.openxmlformats.org/drawingml/2006/main" xmlns:r="http://schemas.openxmlformats.org/officeDocument/2006/relationships" xmlns:p="http://schemas.openxmlformats.org/presentationml/2006/main">
-  <p:cSld>
-    <p:spTree>
-      <p:nvGrpSpPr>
-        <p:cNvPr id="1" name=""/>
-        <p:cNvGrpSpPr/>
-        <p:nvPr/>
-      </p:nvGrpSpPr>
-      <p:grpSpPr>
-        <a:xfrm>
-          <a:off x="0" y="0"/>
-          <a:ext cx="0" cy="0"/>
-          <a:chOff x="0" y="0"/>
-          <a:chExt cx="0" cy="0"/>
-        </a:xfrm>
-      </p:grpSpPr>
-      <p:sp>
-        <p:nvSpPr>
-          <p:cNvPr id="2" name="Cím 1">
-            <a:extLst>
-              <a:ext uri="{FF2B5EF4-FFF2-40B4-BE49-F238E27FC236}">
-                <a16:creationId xmlns:a16="http://schemas.microsoft.com/office/drawing/2014/main" id="{0A527A64-88EC-0CC1-53E4-95392BAE8279}"/>
-              </a:ext>
-            </a:extLst>
-          </p:cNvPr>
-          <p:cNvSpPr>
-            <a:spLocks noGrp="1"/>
-          </p:cNvSpPr>
-          <p:nvPr>
-            <p:ph type="title"/>
-          </p:nvPr>
-        </p:nvSpPr>
-        <p:spPr>
-          <a:xfrm>
-            <a:off x="2663058" y="2253319"/>
-            <a:ext cx="6865883" cy="1175681"/>
-          </a:xfrm>
-        </p:spPr>
-        <p:txBody>
-          <a:bodyPr>
-            <a:normAutofit/>
-          </a:bodyPr>
-          <a:lstStyle/>
-          <a:p>
-            <a:r>
-              <a:rPr lang="hu-HU" dirty="0" err="1"/>
-              <a:t>Thank</a:t>
-            </a:r>
-            <a:r>
-              <a:rPr lang="hu-HU" dirty="0"/>
-              <a:t> </a:t>
-            </a:r>
-            <a:r>
-              <a:rPr lang="hu-HU" dirty="0" err="1"/>
-              <a:t>you</a:t>
-            </a:r>
-            <a:r>
-              <a:rPr lang="hu-HU" dirty="0"/>
-              <a:t> </a:t>
-            </a:r>
-            <a:r>
-              <a:rPr lang="hu-HU" dirty="0" err="1"/>
-              <a:t>for</a:t>
-            </a:r>
-            <a:r>
-              <a:rPr lang="hu-HU" dirty="0"/>
-              <a:t> </a:t>
-            </a:r>
-            <a:r>
-              <a:rPr lang="hu-HU" dirty="0" err="1"/>
-              <a:t>your</a:t>
-            </a:r>
-            <a:r>
-              <a:rPr lang="hu-HU" dirty="0"/>
-              <a:t> </a:t>
-            </a:r>
-            <a:r>
-              <a:rPr lang="hu-HU" dirty="0" err="1"/>
-              <a:t>attention</a:t>
-            </a:r>
-            <a:r>
-              <a:rPr lang="hu-HU" dirty="0"/>
-              <a:t>!</a:t>
-            </a:r>
-          </a:p>
-        </p:txBody>
-      </p:sp>
-      <p:sp>
-        <p:nvSpPr>
-          <p:cNvPr id="4" name="Cím 1">
-            <a:extLst>
-              <a:ext uri="{FF2B5EF4-FFF2-40B4-BE49-F238E27FC236}">
-                <a16:creationId xmlns:a16="http://schemas.microsoft.com/office/drawing/2014/main" id="{B6DDD740-37E9-51AD-2068-36C974F52480}"/>
-              </a:ext>
-            </a:extLst>
-          </p:cNvPr>
-          <p:cNvSpPr txBox="1">
-            <a:spLocks/>
-          </p:cNvSpPr>
-          <p:nvPr/>
-        </p:nvSpPr>
-        <p:spPr>
-          <a:xfrm>
-            <a:off x="2663057" y="3429000"/>
-            <a:ext cx="6865883" cy="1175681"/>
-          </a:xfrm>
-          <a:prstGeom prst="rect">
-            <a:avLst/>
-          </a:prstGeom>
-        </p:spPr>
-        <p:txBody>
-          <a:bodyPr vert="horz" lIns="91440" tIns="45720" rIns="91440" bIns="45720" rtlCol="0" anchor="ctr">
-            <a:normAutofit/>
-          </a:bodyPr>
-          <a:lstStyle>
-            <a:lvl1pPr algn="l" defTabSz="914400" rtl="0" eaLnBrk="1" latinLnBrk="0" hangingPunct="1">
-              <a:lnSpc>
-                <a:spcPct val="90000"/>
-              </a:lnSpc>
-              <a:spcBef>
-                <a:spcPct val="0"/>
-              </a:spcBef>
-              <a:buNone/>
-              <a:defRPr sz="4400" kern="1200">
-                <a:solidFill>
-                  <a:schemeClr val="tx1"/>
-                </a:solidFill>
-                <a:latin typeface="+mj-lt"/>
-                <a:ea typeface="+mj-ea"/>
-                <a:cs typeface="+mj-cs"/>
-              </a:defRPr>
-            </a:lvl1pPr>
-          </a:lstStyle>
-          <a:p>
-            <a:pPr algn="ctr"/>
-            <a:r>
-              <a:rPr lang="hu-HU" dirty="0" err="1"/>
-              <a:t>Any</a:t>
-            </a:r>
-            <a:r>
-              <a:rPr lang="hu-HU" dirty="0"/>
-              <a:t> </a:t>
-            </a:r>
-            <a:r>
-              <a:rPr lang="hu-HU" dirty="0" err="1"/>
-              <a:t>questions</a:t>
-            </a:r>
-            <a:r>
-              <a:rPr lang="hu-HU" dirty="0"/>
-              <a:t>?</a:t>
-            </a:r>
-          </a:p>
-        </p:txBody>
-      </p:sp>
-    </p:spTree>
-    <p:extLst>
-      <p:ext uri="{BB962C8B-B14F-4D97-AF65-F5344CB8AC3E}">
-        <p14:creationId xmlns:p14="http://schemas.microsoft.com/office/powerpoint/2010/main" val="3861128731"/>
-      </p:ext>
-    </p:extLst>
-  </p:cSld>
-  <p:clrMapOvr>
-    <a:masterClrMapping/>
-  </p:clrMapOvr>
+  <p:timing>
+    <p:tnLst>
+      <p:par>
+        <p:cTn id="1" dur="indefinite" restart="never" nodeType="tmRoot">
+          <p:childTnLst>
+            <p:seq concurrent="1" nextAc="seek">
+              <p:cTn id="2" dur="indefinite" nodeType="mainSeq">
+                <p:childTnLst>
+                  <p:par>
+                    <p:cTn id="3" fill="hold">
+                      <p:stCondLst>
+                        <p:cond delay="indefinite"/>
+                      </p:stCondLst>
+                      <p:childTnLst>
+                        <p:par>
+                          <p:cTn id="4" fill="hold">
+                            <p:stCondLst>
+                              <p:cond delay="0"/>
+                            </p:stCondLst>
+                            <p:childTnLst>
+                              <p:par>
+                                <p:cTn id="5" presetID="2" presetClass="entr" presetSubtype="2" fill="hold" grpId="0" nodeType="clickEffect">
+                                  <p:stCondLst>
+                                    <p:cond delay="0"/>
+                                  </p:stCondLst>
+                                  <p:childTnLst>
+                                    <p:set>
+                                      <p:cBhvr>
+                                        <p:cTn id="6" dur="1" fill="hold">
+                                          <p:stCondLst>
+                                            <p:cond delay="0"/>
+                                          </p:stCondLst>
+                                        </p:cTn>
+                                        <p:tgtEl>
+                                          <p:spTgt spid="4"/>
+                                        </p:tgtEl>
+                                        <p:attrNameLst>
+                                          <p:attrName>style.visibility</p:attrName>
+                                        </p:attrNameLst>
+                                      </p:cBhvr>
+                                      <p:to>
+                                        <p:strVal val="visible"/>
+                                      </p:to>
+                                    </p:set>
+                                    <p:anim calcmode="lin" valueType="num">
+                                      <p:cBhvr additive="base">
+                                        <p:cTn id="7" dur="500" fill="hold"/>
+                                        <p:tgtEl>
+                                          <p:spTgt spid="4"/>
+                                        </p:tgtEl>
+                                        <p:attrNameLst>
+                                          <p:attrName>ppt_x</p:attrName>
+                                        </p:attrNameLst>
+                                      </p:cBhvr>
+                                      <p:tavLst>
+                                        <p:tav tm="0">
+                                          <p:val>
+                                            <p:strVal val="1+#ppt_w/2"/>
+                                          </p:val>
+                                        </p:tav>
+                                        <p:tav tm="100000">
+                                          <p:val>
+                                            <p:strVal val="#ppt_x"/>
+                                          </p:val>
+                                        </p:tav>
+                                      </p:tavLst>
+                                    </p:anim>
+                                    <p:anim calcmode="lin" valueType="num">
+                                      <p:cBhvr additive="base">
+                                        <p:cTn id="8" dur="500" fill="hold"/>
+                                        <p:tgtEl>
+                                          <p:spTgt spid="4"/>
+                                        </p:tgtEl>
+                                        <p:attrNameLst>
+                                          <p:attrName>ppt_y</p:attrName>
+                                        </p:attrNameLst>
+                                      </p:cBhvr>
+                                      <p:tavLst>
+                                        <p:tav tm="0">
+                                          <p:val>
+                                            <p:strVal val="#ppt_y"/>
+                                          </p:val>
+                                        </p:tav>
+                                        <p:tav tm="100000">
+                                          <p:val>
+                                            <p:strVal val="#ppt_y"/>
+                                          </p:val>
+                                        </p:tav>
+                                      </p:tavLst>
+                                    </p:anim>
+                                  </p:childTnLst>
+                                </p:cTn>
+                              </p:par>
+                            </p:childTnLst>
+                          </p:cTn>
+                        </p:par>
+                      </p:childTnLst>
+                    </p:cTn>
+                  </p:par>
+                </p:childTnLst>
+              </p:cTn>
+              <p:prevCondLst>
+                <p:cond evt="onPrev" delay="0">
+                  <p:tgtEl>
+                    <p:sldTgt/>
+                  </p:tgtEl>
+                </p:cond>
+              </p:prevCondLst>
+              <p:nextCondLst>
+                <p:cond evt="onNext" delay="0">
+                  <p:tgtEl>
+                    <p:sldTgt/>
+                  </p:tgtEl>
+                </p:cond>
+              </p:nextCondLst>
+            </p:seq>
+          </p:childTnLst>
+        </p:cTn>
+      </p:par>
+    </p:tnLst>
+    <p:bldLst>
+      <p:bldP spid="4" grpId="0"/>
+    </p:bldLst>
+  </p:timing>
 </p:sld>
 </file>
 
